--- a/课程PPT/28.ES6中变量的解构赋值.pptx
+++ b/课程PPT/28.ES6中变量的解构赋值.pptx
@@ -5,14 +5,12 @@
     <p:sldMasterId id="2147483648" r:id="rId1"/>
   </p:sldMasterIdLst>
   <p:notesMasterIdLst>
-    <p:notesMasterId r:id="rId18"/>
+    <p:notesMasterId r:id="rId6"/>
   </p:notesMasterIdLst>
   <p:sldIdLst>
-    <p:sldId id="1276" r:id="rId2"/>
-    <p:sldId id="1213" r:id="rId3"/>
-    <p:sldId id="1230" r:id="rId4"/>
-    <p:sldId id="1232" r:id="rId5"/>
-    <p:sldId id="1258" r:id="rId6"/>
+    <p:sldId id="1230" r:id="rId3"/>
+    <p:sldId id="1232" r:id="rId4"/>
+    <p:sldId id="1258" r:id="rId5"/>
     <p:sldId id="1260" r:id="rId7"/>
     <p:sldId id="1266" r:id="rId8"/>
     <p:sldId id="1267" r:id="rId9"/>
@@ -342,6 +340,7 @@
               <a:rPr lang="zh-CN" altLang="zh-CN" noProof="0" smtClean="0"/>
               <a:t>                                                   </a:t>
             </a:r>
+            <a:endParaRPr lang="zh-CN" altLang="zh-CN" noProof="0" smtClean="0"/>
           </a:p>
           <a:p>
             <a:pPr lvl="1"/>
@@ -349,6 +348,7 @@
               <a:rPr lang="zh-CN" altLang="zh-CN" noProof="0" smtClean="0"/>
               <a:t>               </a:t>
             </a:r>
+            <a:endParaRPr lang="zh-CN" altLang="zh-CN" noProof="0" smtClean="0"/>
           </a:p>
           <a:p>
             <a:pPr lvl="2"/>
@@ -356,6 +356,7 @@
               <a:rPr lang="zh-CN" altLang="zh-CN" noProof="0" smtClean="0"/>
               <a:t>                </a:t>
             </a:r>
+            <a:endParaRPr lang="zh-CN" altLang="zh-CN" noProof="0" smtClean="0"/>
           </a:p>
           <a:p>
             <a:pPr lvl="3"/>
@@ -363,6 +364,7 @@
               <a:rPr lang="zh-CN" altLang="zh-CN" noProof="0" smtClean="0"/>
               <a:t>                </a:t>
             </a:r>
+            <a:endParaRPr lang="zh-CN" altLang="zh-CN" noProof="0" smtClean="0"/>
           </a:p>
           <a:p>
             <a:pPr lvl="4"/>
@@ -370,6 +372,7 @@
               <a:rPr lang="zh-CN" altLang="zh-CN" noProof="0" smtClean="0"/>
               <a:t>                </a:t>
             </a:r>
+            <a:endParaRPr lang="zh-CN" altLang="zh-CN" noProof="0" smtClean="0"/>
           </a:p>
         </p:txBody>
       </p:sp>
@@ -452,18 +455,12 @@
           <a:p>
             <a:fld id="{D9AFD278-84AA-4CAA-9049-809825956FE0}" type="slidenum">
               <a:rPr lang="en-US" altLang="zh-CN"/>
-              <a:t>‹#›</a:t>
             </a:fld>
             <a:endParaRPr lang="zh-CN" altLang="zh-CN"/>
           </a:p>
         </p:txBody>
       </p:sp>
     </p:spTree>
-    <p:extLst>
-      <p:ext uri="{BB962C8B-B14F-4D97-AF65-F5344CB8AC3E}">
-        <p14:creationId xmlns:p14="http://schemas.microsoft.com/office/powerpoint/2010/main" val="395665636"/>
-      </p:ext>
-    </p:extLst>
   </p:cSld>
   <p:clrMap bg1="lt1" tx1="dk1" bg2="lt2" tx2="dk2" accent1="accent1" accent2="accent2" accent3="accent3" accent4="accent4" accent5="accent5" accent6="accent6" hlink="hlink" folHlink="folHlink"/>
   <p:notesStyle>
@@ -615,19 +612,19 @@
             <a:spLocks noGrp="1" noRot="1" noChangeAspect="1"/>
           </p:cNvSpPr>
           <p:nvPr>
-            <p:ph type="sldImg" idx="2"/>
+            <p:ph type="sldImg"/>
           </p:nvPr>
         </p:nvSpPr>
         <p:spPr/>
       </p:sp>
       <p:sp>
         <p:nvSpPr>
-          <p:cNvPr id="3" name="文本占位符 2"/>
+          <p:cNvPr id="3" name="备注占位符 2"/>
           <p:cNvSpPr>
             <a:spLocks noGrp="1"/>
           </p:cNvSpPr>
           <p:nvPr>
-            <p:ph type="body" idx="3"/>
+            <p:ph type="body" idx="1"/>
           </p:nvPr>
         </p:nvSpPr>
         <p:spPr/>
@@ -635,22 +632,29 @@
           <a:bodyPr/>
           <a:lstStyle/>
           <a:p>
-            <a:r>
-              <a:rPr lang="zh-CN" altLang="en-US"/>
-              <a:t>在1995年时，由Netscape公司的Brendan Eich，在网景导航者浏览器上首次设计实现而成。因为Netscape与Sun合作，Netscape管理层希望它外观看起来像Java，因此取名为JavaScript。但实际上它的语法风格与Self及Scheme较为接近。</a:t>
-            </a:r>
-          </a:p>
-          <a:p>
-            <a:r>
-              <a:rPr lang="zh-CN" altLang="en-US"/>
-              <a:t>为了取得技术优势，微软推出了JScript，CEnvi推出ScriptEase，与JavaScript同样可在浏览器上运行。为了统一规格，因为JavaScript兼容于ECMA标准，因此也称为ECMAScript。</a:t>
-            </a:r>
-          </a:p>
-          <a:p>
-            <a:r>
-              <a:rPr lang="zh-CN" altLang="en-US"/>
-              <a:t>发展初期，JavaScript的标准并未确定，同期有Netscape的JavaScript，微软的JScript和CEnvi的ScriptEase三足鼎立。1997年，在ECMA（欧洲计算机制造商协会）的协调下，由Netscape、Sun、微软、Borland组成的工作组确定统一标准：ECMA-262。</a:t>
-            </a:r>
+            <a:endParaRPr lang="zh-CN" altLang="en-US" dirty="0"/>
+          </a:p>
+        </p:txBody>
+      </p:sp>
+      <p:sp>
+        <p:nvSpPr>
+          <p:cNvPr id="4" name="灯片编号占位符 3"/>
+          <p:cNvSpPr>
+            <a:spLocks noGrp="1"/>
+          </p:cNvSpPr>
+          <p:nvPr>
+            <p:ph type="sldNum" sz="quarter" idx="10"/>
+          </p:nvPr>
+        </p:nvSpPr>
+        <p:spPr/>
+        <p:txBody>
+          <a:bodyPr/>
+          <a:lstStyle/>
+          <a:p>
+            <a:fld id="{D9AFD278-84AA-4CAA-9049-809825956FE0}" type="slidenum">
+              <a:rPr lang="en-US" altLang="zh-CN" smtClean="0"/>
+            </a:fld>
+            <a:endParaRPr lang="zh-CN" altLang="zh-CN"/>
           </a:p>
         </p:txBody>
       </p:sp>
@@ -727,7 +731,6 @@
           <a:p>
             <a:fld id="{D9AFD278-84AA-4CAA-9049-809825956FE0}" type="slidenum">
               <a:rPr lang="en-US" altLang="zh-CN" smtClean="0"/>
-              <a:t>5</a:t>
             </a:fld>
             <a:endParaRPr lang="zh-CN" altLang="zh-CN"/>
           </a:p>
@@ -806,7 +809,6 @@
           <a:p>
             <a:fld id="{D9AFD278-84AA-4CAA-9049-809825956FE0}" type="slidenum">
               <a:rPr lang="en-US" altLang="zh-CN" smtClean="0"/>
-              <a:t>6</a:t>
             </a:fld>
             <a:endParaRPr lang="zh-CN" altLang="zh-CN"/>
           </a:p>
@@ -885,7 +887,6 @@
           <a:p>
             <a:fld id="{D9AFD278-84AA-4CAA-9049-809825956FE0}" type="slidenum">
               <a:rPr lang="en-US" altLang="zh-CN" smtClean="0"/>
-              <a:t>8</a:t>
             </a:fld>
             <a:endParaRPr lang="zh-CN" altLang="zh-CN"/>
           </a:p>
@@ -964,7 +965,6 @@
           <a:p>
             <a:fld id="{D9AFD278-84AA-4CAA-9049-809825956FE0}" type="slidenum">
               <a:rPr lang="en-US" altLang="zh-CN" smtClean="0"/>
-              <a:t>10</a:t>
             </a:fld>
             <a:endParaRPr lang="zh-CN" altLang="zh-CN"/>
           </a:p>
@@ -1043,7 +1043,6 @@
           <a:p>
             <a:fld id="{D9AFD278-84AA-4CAA-9049-809825956FE0}" type="slidenum">
               <a:rPr lang="en-US" altLang="zh-CN" smtClean="0"/>
-              <a:t>12</a:t>
             </a:fld>
             <a:endParaRPr lang="zh-CN" altLang="zh-CN"/>
           </a:p>
@@ -1122,7 +1121,6 @@
           <a:p>
             <a:fld id="{D9AFD278-84AA-4CAA-9049-809825956FE0}" type="slidenum">
               <a:rPr lang="en-US" altLang="zh-CN" smtClean="0"/>
-              <a:t>13</a:t>
             </a:fld>
             <a:endParaRPr lang="zh-CN" altLang="zh-CN"/>
           </a:p>
@@ -1201,86 +1199,6 @@
           <a:p>
             <a:fld id="{D9AFD278-84AA-4CAA-9049-809825956FE0}" type="slidenum">
               <a:rPr lang="en-US" altLang="zh-CN" smtClean="0"/>
-              <a:t>14</a:t>
-            </a:fld>
-            <a:endParaRPr lang="zh-CN" altLang="zh-CN"/>
-          </a:p>
-        </p:txBody>
-      </p:sp>
-    </p:spTree>
-  </p:cSld>
-  <p:clrMapOvr>
-    <a:masterClrMapping/>
-  </p:clrMapOvr>
-</p:notes>
-</file>
-
-<file path=ppt/notesSlides/notesSlide9.xml><?xml version="1.0" encoding="utf-8"?>
-<p:notes xmlns:a="http://schemas.openxmlformats.org/drawingml/2006/main" xmlns:r="http://schemas.openxmlformats.org/officeDocument/2006/relationships" xmlns:p="http://schemas.openxmlformats.org/presentationml/2006/main">
-  <p:cSld>
-    <p:spTree>
-      <p:nvGrpSpPr>
-        <p:cNvPr id="1" name=""/>
-        <p:cNvGrpSpPr/>
-        <p:nvPr/>
-      </p:nvGrpSpPr>
-      <p:grpSpPr>
-        <a:xfrm>
-          <a:off x="0" y="0"/>
-          <a:ext cx="0" cy="0"/>
-          <a:chOff x="0" y="0"/>
-          <a:chExt cx="0" cy="0"/>
-        </a:xfrm>
-      </p:grpSpPr>
-      <p:sp>
-        <p:nvSpPr>
-          <p:cNvPr id="2" name="幻灯片图像占位符 1"/>
-          <p:cNvSpPr>
-            <a:spLocks noGrp="1" noRot="1" noChangeAspect="1"/>
-          </p:cNvSpPr>
-          <p:nvPr>
-            <p:ph type="sldImg"/>
-          </p:nvPr>
-        </p:nvSpPr>
-        <p:spPr/>
-      </p:sp>
-      <p:sp>
-        <p:nvSpPr>
-          <p:cNvPr id="3" name="备注占位符 2"/>
-          <p:cNvSpPr>
-            <a:spLocks noGrp="1"/>
-          </p:cNvSpPr>
-          <p:nvPr>
-            <p:ph type="body" idx="1"/>
-          </p:nvPr>
-        </p:nvSpPr>
-        <p:spPr/>
-        <p:txBody>
-          <a:bodyPr/>
-          <a:lstStyle/>
-          <a:p>
-            <a:endParaRPr lang="zh-CN" altLang="en-US" dirty="0"/>
-          </a:p>
-        </p:txBody>
-      </p:sp>
-      <p:sp>
-        <p:nvSpPr>
-          <p:cNvPr id="4" name="灯片编号占位符 3"/>
-          <p:cNvSpPr>
-            <a:spLocks noGrp="1"/>
-          </p:cNvSpPr>
-          <p:nvPr>
-            <p:ph type="sldNum" sz="quarter" idx="10"/>
-          </p:nvPr>
-        </p:nvSpPr>
-        <p:spPr/>
-        <p:txBody>
-          <a:bodyPr/>
-          <a:lstStyle/>
-          <a:p>
-            <a:fld id="{D9AFD278-84AA-4CAA-9049-809825956FE0}" type="slidenum">
-              <a:rPr lang="en-US" altLang="zh-CN" smtClean="0"/>
-              <a:t>16</a:t>
             </a:fld>
             <a:endParaRPr lang="zh-CN" altLang="zh-CN"/>
           </a:p>
@@ -1364,6 +1282,7 @@
               <a:rPr lang="zh-CN" altLang="en-US" dirty="0" smtClean="0"/>
               <a:t>单击此处编辑母版文本样式</a:t>
             </a:r>
+            <a:endParaRPr lang="zh-CN" altLang="en-US" dirty="0" smtClean="0"/>
           </a:p>
           <a:p>
             <a:pPr lvl="1"/>
@@ -1371,6 +1290,7 @@
               <a:rPr lang="zh-CN" altLang="en-US" dirty="0" smtClean="0"/>
               <a:t>第二级</a:t>
             </a:r>
+            <a:endParaRPr lang="zh-CN" altLang="en-US" dirty="0" smtClean="0"/>
           </a:p>
           <a:p>
             <a:pPr lvl="2"/>
@@ -1378,6 +1298,7 @@
               <a:rPr lang="zh-CN" altLang="en-US" dirty="0" smtClean="0"/>
               <a:t>第三级</a:t>
             </a:r>
+            <a:endParaRPr lang="zh-CN" altLang="en-US" dirty="0" smtClean="0"/>
           </a:p>
           <a:p>
             <a:pPr lvl="3"/>
@@ -1385,6 +1306,7 @@
               <a:rPr lang="zh-CN" altLang="en-US" dirty="0" smtClean="0"/>
               <a:t>第四级</a:t>
             </a:r>
+            <a:endParaRPr lang="zh-CN" altLang="en-US" dirty="0" smtClean="0"/>
           </a:p>
         </p:txBody>
       </p:sp>
@@ -1446,6 +1368,7 @@
               <a:rPr lang="zh-CN" altLang="en-US" dirty="0" smtClean="0"/>
               <a:t>单击此处编辑母版文本样式</a:t>
             </a:r>
+            <a:endParaRPr lang="zh-CN" altLang="en-US" dirty="0" smtClean="0"/>
           </a:p>
         </p:txBody>
       </p:sp>
@@ -1502,7 +1425,6 @@
           <a:p>
             <a:fld id="{2030C94F-1E7C-47E3-9C60-176A530B03BF}" type="slidenum">
               <a:rPr lang="en-US" altLang="zh-CN"/>
-              <a:t>‹#›</a:t>
             </a:fld>
             <a:endParaRPr lang="zh-CN" altLang="zh-CN" sz="3200" b="0"/>
           </a:p>
@@ -1593,6 +1515,7 @@
               <a:rPr lang="zh-CN" altLang="en-US" dirty="0" smtClean="0"/>
               <a:t>单击此处编辑母版文本样式</a:t>
             </a:r>
+            <a:endParaRPr lang="zh-CN" altLang="en-US" dirty="0" smtClean="0"/>
           </a:p>
           <a:p>
             <a:pPr lvl="1"/>
@@ -1600,6 +1523,7 @@
               <a:rPr lang="zh-CN" altLang="en-US" dirty="0" smtClean="0"/>
               <a:t>第二级</a:t>
             </a:r>
+            <a:endParaRPr lang="zh-CN" altLang="en-US" dirty="0" smtClean="0"/>
           </a:p>
           <a:p>
             <a:pPr lvl="2"/>
@@ -1607,6 +1531,7 @@
               <a:rPr lang="zh-CN" altLang="en-US" dirty="0" smtClean="0"/>
               <a:t>第三级</a:t>
             </a:r>
+            <a:endParaRPr lang="zh-CN" altLang="en-US" dirty="0" smtClean="0"/>
           </a:p>
           <a:p>
             <a:pPr lvl="3"/>
@@ -1614,6 +1539,7 @@
               <a:rPr lang="zh-CN" altLang="en-US" dirty="0" smtClean="0"/>
               <a:t>第四级</a:t>
             </a:r>
+            <a:endParaRPr lang="zh-CN" altLang="en-US" dirty="0" smtClean="0"/>
           </a:p>
         </p:txBody>
       </p:sp>
@@ -1671,6 +1597,7 @@
               <a:rPr lang="zh-CN" altLang="en-US" dirty="0" smtClean="0"/>
               <a:t>单击此处编辑母版文本样式</a:t>
             </a:r>
+            <a:endParaRPr lang="zh-CN" altLang="en-US" dirty="0" smtClean="0"/>
           </a:p>
         </p:txBody>
       </p:sp>
@@ -1752,6 +1679,7 @@
               <a:rPr lang="zh-CN" altLang="en-US" dirty="0" smtClean="0"/>
               <a:t>单击此处编辑母版文本样式</a:t>
             </a:r>
+            <a:endParaRPr lang="zh-CN" altLang="en-US" dirty="0" smtClean="0"/>
           </a:p>
           <a:p>
             <a:pPr lvl="1"/>
@@ -1759,6 +1687,7 @@
               <a:rPr lang="zh-CN" altLang="en-US" dirty="0" smtClean="0"/>
               <a:t>第二级</a:t>
             </a:r>
+            <a:endParaRPr lang="zh-CN" altLang="en-US" dirty="0" smtClean="0"/>
           </a:p>
           <a:p>
             <a:pPr lvl="2"/>
@@ -1766,6 +1695,7 @@
               <a:rPr lang="zh-CN" altLang="en-US" dirty="0" smtClean="0"/>
               <a:t>第三级</a:t>
             </a:r>
+            <a:endParaRPr lang="zh-CN" altLang="en-US" dirty="0" smtClean="0"/>
           </a:p>
           <a:p>
             <a:pPr lvl="3"/>
@@ -1773,6 +1703,7 @@
               <a:rPr lang="zh-CN" altLang="en-US" dirty="0" smtClean="0"/>
               <a:t>第四级</a:t>
             </a:r>
+            <a:endParaRPr lang="zh-CN" altLang="en-US" dirty="0" smtClean="0"/>
           </a:p>
         </p:txBody>
       </p:sp>
@@ -1830,6 +1761,7 @@
               <a:rPr lang="zh-CN" altLang="en-US" dirty="0" smtClean="0"/>
               <a:t>单击此处编辑母版文本样式</a:t>
             </a:r>
+            <a:endParaRPr lang="zh-CN" altLang="en-US" dirty="0" smtClean="0"/>
           </a:p>
         </p:txBody>
       </p:sp>
@@ -1911,6 +1843,7 @@
               <a:rPr lang="zh-CN" altLang="en-US" dirty="0" smtClean="0"/>
               <a:t>单击此处编辑母版文本样式</a:t>
             </a:r>
+            <a:endParaRPr lang="zh-CN" altLang="en-US" dirty="0" smtClean="0"/>
           </a:p>
           <a:p>
             <a:pPr lvl="1"/>
@@ -1918,6 +1851,7 @@
               <a:rPr lang="zh-CN" altLang="en-US" dirty="0" smtClean="0"/>
               <a:t>第二级</a:t>
             </a:r>
+            <a:endParaRPr lang="zh-CN" altLang="en-US" dirty="0" smtClean="0"/>
           </a:p>
           <a:p>
             <a:pPr lvl="2"/>
@@ -1925,6 +1859,7 @@
               <a:rPr lang="zh-CN" altLang="en-US" dirty="0" smtClean="0"/>
               <a:t>第三级</a:t>
             </a:r>
+            <a:endParaRPr lang="zh-CN" altLang="en-US" dirty="0" smtClean="0"/>
           </a:p>
           <a:p>
             <a:pPr lvl="3"/>
@@ -1932,6 +1867,7 @@
               <a:rPr lang="zh-CN" altLang="en-US" dirty="0" smtClean="0"/>
               <a:t>第四级</a:t>
             </a:r>
+            <a:endParaRPr lang="zh-CN" altLang="en-US" dirty="0" smtClean="0"/>
           </a:p>
         </p:txBody>
       </p:sp>
@@ -1989,6 +1925,7 @@
               <a:rPr lang="zh-CN" altLang="en-US" dirty="0" smtClean="0"/>
               <a:t>单击此处编辑母版文本样式</a:t>
             </a:r>
+            <a:endParaRPr lang="zh-CN" altLang="en-US" dirty="0" smtClean="0"/>
           </a:p>
         </p:txBody>
       </p:sp>
@@ -2070,6 +2007,7 @@
               <a:rPr lang="zh-CN" altLang="en-US" dirty="0" smtClean="0"/>
               <a:t>单击此处编辑母版文本样式</a:t>
             </a:r>
+            <a:endParaRPr lang="zh-CN" altLang="en-US" dirty="0" smtClean="0"/>
           </a:p>
           <a:p>
             <a:pPr lvl="1"/>
@@ -2077,6 +2015,7 @@
               <a:rPr lang="zh-CN" altLang="en-US" dirty="0" smtClean="0"/>
               <a:t>第二级</a:t>
             </a:r>
+            <a:endParaRPr lang="zh-CN" altLang="en-US" dirty="0" smtClean="0"/>
           </a:p>
           <a:p>
             <a:pPr lvl="2"/>
@@ -2084,6 +2023,7 @@
               <a:rPr lang="zh-CN" altLang="en-US" dirty="0" smtClean="0"/>
               <a:t>第三级</a:t>
             </a:r>
+            <a:endParaRPr lang="zh-CN" altLang="en-US" dirty="0" smtClean="0"/>
           </a:p>
           <a:p>
             <a:pPr lvl="3"/>
@@ -2091,6 +2031,7 @@
               <a:rPr lang="zh-CN" altLang="en-US" dirty="0" smtClean="0"/>
               <a:t>第四级</a:t>
             </a:r>
+            <a:endParaRPr lang="zh-CN" altLang="en-US" dirty="0" smtClean="0"/>
           </a:p>
         </p:txBody>
       </p:sp>
@@ -2148,6 +2089,7 @@
               <a:rPr lang="zh-CN" altLang="en-US" dirty="0" smtClean="0"/>
               <a:t>单击此处编辑母版文本样式</a:t>
             </a:r>
+            <a:endParaRPr lang="zh-CN" altLang="en-US" dirty="0" smtClean="0"/>
           </a:p>
         </p:txBody>
       </p:sp>
@@ -2229,6 +2171,7 @@
               <a:rPr lang="zh-CN" altLang="en-US" dirty="0" smtClean="0"/>
               <a:t>单击此处编辑母版文本样式</a:t>
             </a:r>
+            <a:endParaRPr lang="zh-CN" altLang="en-US" dirty="0" smtClean="0"/>
           </a:p>
           <a:p>
             <a:pPr lvl="1"/>
@@ -2236,6 +2179,7 @@
               <a:rPr lang="zh-CN" altLang="en-US" dirty="0" smtClean="0"/>
               <a:t>第二级</a:t>
             </a:r>
+            <a:endParaRPr lang="zh-CN" altLang="en-US" dirty="0" smtClean="0"/>
           </a:p>
           <a:p>
             <a:pPr lvl="2"/>
@@ -2243,6 +2187,7 @@
               <a:rPr lang="zh-CN" altLang="en-US" dirty="0" smtClean="0"/>
               <a:t>第三级</a:t>
             </a:r>
+            <a:endParaRPr lang="zh-CN" altLang="en-US" dirty="0" smtClean="0"/>
           </a:p>
           <a:p>
             <a:pPr lvl="3"/>
@@ -2250,6 +2195,7 @@
               <a:rPr lang="zh-CN" altLang="en-US" dirty="0" smtClean="0"/>
               <a:t>第四级</a:t>
             </a:r>
+            <a:endParaRPr lang="zh-CN" altLang="en-US" dirty="0" smtClean="0"/>
           </a:p>
         </p:txBody>
       </p:sp>
@@ -2307,6 +2253,7 @@
               <a:rPr lang="zh-CN" altLang="en-US" dirty="0" smtClean="0"/>
               <a:t>单击此处编辑母版文本样式</a:t>
             </a:r>
+            <a:endParaRPr lang="zh-CN" altLang="en-US" dirty="0" smtClean="0"/>
           </a:p>
         </p:txBody>
       </p:sp>
@@ -2388,6 +2335,7 @@
               <a:rPr lang="zh-CN" altLang="en-US" dirty="0" smtClean="0"/>
               <a:t>单击此处编辑母版文本样式</a:t>
             </a:r>
+            <a:endParaRPr lang="zh-CN" altLang="en-US" dirty="0" smtClean="0"/>
           </a:p>
           <a:p>
             <a:pPr lvl="1"/>
@@ -2395,6 +2343,7 @@
               <a:rPr lang="zh-CN" altLang="en-US" dirty="0" smtClean="0"/>
               <a:t>第二级</a:t>
             </a:r>
+            <a:endParaRPr lang="zh-CN" altLang="en-US" dirty="0" smtClean="0"/>
           </a:p>
           <a:p>
             <a:pPr lvl="2"/>
@@ -2402,6 +2351,7 @@
               <a:rPr lang="zh-CN" altLang="en-US" dirty="0" smtClean="0"/>
               <a:t>第三级</a:t>
             </a:r>
+            <a:endParaRPr lang="zh-CN" altLang="en-US" dirty="0" smtClean="0"/>
           </a:p>
           <a:p>
             <a:pPr lvl="3"/>
@@ -2409,6 +2359,7 @@
               <a:rPr lang="zh-CN" altLang="en-US" dirty="0" smtClean="0"/>
               <a:t>第四级</a:t>
             </a:r>
+            <a:endParaRPr lang="zh-CN" altLang="en-US" dirty="0" smtClean="0"/>
           </a:p>
         </p:txBody>
       </p:sp>
@@ -2466,6 +2417,7 @@
               <a:rPr lang="zh-CN" altLang="en-US" dirty="0" smtClean="0"/>
               <a:t>单击此处编辑母版文本样式</a:t>
             </a:r>
+            <a:endParaRPr lang="zh-CN" altLang="en-US" dirty="0" smtClean="0"/>
           </a:p>
         </p:txBody>
       </p:sp>
@@ -2559,6 +2511,7 @@
               <a:rPr lang="zh-CN" altLang="en-US" dirty="0" smtClean="0"/>
               <a:t>单击此处编辑母版文本样式</a:t>
             </a:r>
+            <a:endParaRPr lang="zh-CN" altLang="en-US" dirty="0" smtClean="0"/>
           </a:p>
           <a:p>
             <a:pPr lvl="1"/>
@@ -2566,6 +2519,7 @@
               <a:rPr lang="zh-CN" altLang="en-US" dirty="0" smtClean="0"/>
               <a:t>第二级</a:t>
             </a:r>
+            <a:endParaRPr lang="zh-CN" altLang="en-US" dirty="0" smtClean="0"/>
           </a:p>
           <a:p>
             <a:pPr lvl="2"/>
@@ -2573,6 +2527,7 @@
               <a:rPr lang="zh-CN" altLang="en-US" dirty="0" smtClean="0"/>
               <a:t>第三级</a:t>
             </a:r>
+            <a:endParaRPr lang="zh-CN" altLang="en-US" dirty="0" smtClean="0"/>
           </a:p>
           <a:p>
             <a:pPr lvl="3"/>
@@ -2580,6 +2535,7 @@
               <a:rPr lang="zh-CN" altLang="en-US" dirty="0" smtClean="0"/>
               <a:t>第四级</a:t>
             </a:r>
+            <a:endParaRPr lang="zh-CN" altLang="en-US" dirty="0" smtClean="0"/>
           </a:p>
         </p:txBody>
       </p:sp>
@@ -2641,6 +2597,7 @@
               <a:rPr lang="zh-CN" altLang="en-US" dirty="0" smtClean="0"/>
               <a:t>单击此处编辑母版文本样式</a:t>
             </a:r>
+            <a:endParaRPr lang="zh-CN" altLang="en-US" dirty="0" smtClean="0"/>
           </a:p>
         </p:txBody>
       </p:sp>
@@ -2665,7 +2622,7 @@
     <p:bg bwMode="auto">
       <p:bgPr>
         <a:blipFill dpi="0" rotWithShape="0">
-          <a:blip r:embed="rId11"/>
+          <a:blip r:embed="rId10"/>
           <a:srcRect/>
           <a:stretch>
             <a:fillRect/>
@@ -2724,7 +2681,6 @@
           <a:p>
             <a:fld id="{43A45880-9E2A-43E4-955C-AEB11E14255E}" type="slidenum">
               <a:rPr lang="en-US" altLang="zh-CN"/>
-              <a:t>‹#›</a:t>
             </a:fld>
             <a:endParaRPr lang="zh-CN" altLang="zh-CN"/>
           </a:p>
@@ -2739,7 +2695,7 @@
           <p:nvPr/>
         </p:nvPicPr>
         <p:blipFill>
-          <a:blip r:embed="rId12">
+          <a:blip r:embed="rId11">
             <a:extLst>
               <a:ext uri="{28A0092B-C50C-407E-A947-70E740481C1C}">
                 <a14:useLocalDpi xmlns:a14="http://schemas.microsoft.com/office/drawing/2010/main" val="0"/>
@@ -2793,7 +2749,7 @@
           <p:nvPr/>
         </p:nvPicPr>
         <p:blipFill>
-          <a:blip r:embed="rId13">
+          <a:blip r:embed="rId12">
             <a:extLst>
               <a:ext uri="{28A0092B-C50C-407E-A947-70E740481C1C}">
                 <a14:useLocalDpi xmlns:a14="http://schemas.microsoft.com/office/drawing/2010/main" val="0"/>
@@ -3306,7 +3262,7 @@
           <p:nvPr/>
         </p:nvPicPr>
         <p:blipFill>
-          <a:blip r:embed="rId2">
+          <a:blip r:embed="rId1">
             <a:extLst>
               <a:ext uri="{28A0092B-C50C-407E-A947-70E740481C1C}">
                 <a14:useLocalDpi xmlns:a14="http://schemas.microsoft.com/office/drawing/2010/main" val="0"/>
@@ -3363,7 +3319,7 @@
         </p:nvSpPr>
         <p:spPr bwMode="auto">
           <a:xfrm>
-            <a:off x="1809751" y="2141856"/>
+            <a:off x="1809751" y="2428876"/>
             <a:ext cx="7286625" cy="1116013"/>
           </a:xfrm>
           <a:prstGeom prst="rect">
@@ -3419,178 +3375,7 @@
               </a:rPr>
               <a:t>）</a:t>
             </a:r>
-            <a:endParaRPr kumimoji="0" lang="zh-CN" altLang="en-US" sz="4800" b="1" dirty="0">
-              <a:sym typeface="+mn-ea"/>
-            </a:endParaRPr>
-          </a:p>
-        </p:txBody>
-      </p:sp>
-      <p:sp>
-        <p:nvSpPr>
-          <p:cNvPr id="4100" name="TextBox 4"/>
-          <p:cNvSpPr txBox="1">
-            <a:spLocks noChangeArrowheads="1"/>
-          </p:cNvSpPr>
-          <p:nvPr/>
-        </p:nvSpPr>
-        <p:spPr bwMode="auto">
-          <a:xfrm>
-            <a:off x="6069965" y="4286885"/>
-            <a:ext cx="3914775" cy="583565"/>
-          </a:xfrm>
-          <a:prstGeom prst="rect">
-            <a:avLst/>
-          </a:prstGeom>
-          <a:noFill/>
-          <a:ln>
-            <a:noFill/>
-          </a:ln>
-          <a:extLst>
-            <a:ext uri="{909E8E84-426E-40DD-AFC4-6F175D3DCCD1}">
-              <a14:hiddenFill xmlns:a14="http://schemas.microsoft.com/office/drawing/2010/main">
-                <a:solidFill>
-                  <a:srgbClr val="FFFFFF"/>
-                </a:solidFill>
-              </a14:hiddenFill>
-            </a:ext>
-            <a:ext uri="{91240B29-F687-4F45-9708-019B960494DF}">
-              <a14:hiddenLine xmlns:a14="http://schemas.microsoft.com/office/drawing/2010/main" w="9525">
-                <a:solidFill>
-                  <a:srgbClr val="000000"/>
-                </a:solidFill>
-                <a:miter lim="800000"/>
-                <a:headEnd/>
-                <a:tailEnd/>
-              </a14:hiddenLine>
-            </a:ext>
-          </a:extLst>
-        </p:spPr>
-        <p:txBody>
-          <a:bodyPr wrap="square">
-            <a:spAutoFit/>
-          </a:bodyPr>
-          <a:lstStyle>
-            <a:lvl1pPr>
-              <a:defRPr sz="3200">
-                <a:solidFill>
-                  <a:schemeClr val="tx1"/>
-                </a:solidFill>
-                <a:latin typeface="Arial" panose="020B0604020202020204" pitchFamily="34" charset="0"/>
-                <a:ea typeface="微软雅黑" panose="020B0503020204020204" pitchFamily="34" charset="-122"/>
-              </a:defRPr>
-            </a:lvl1pPr>
-            <a:lvl2pPr marL="742950" indent="-285750">
-              <a:defRPr sz="3200">
-                <a:solidFill>
-                  <a:schemeClr val="tx1"/>
-                </a:solidFill>
-                <a:latin typeface="Arial" panose="020B0604020202020204" pitchFamily="34" charset="0"/>
-                <a:ea typeface="微软雅黑" panose="020B0503020204020204" pitchFamily="34" charset="-122"/>
-              </a:defRPr>
-            </a:lvl2pPr>
-            <a:lvl3pPr marL="1143000" indent="-228600">
-              <a:defRPr sz="3200">
-                <a:solidFill>
-                  <a:schemeClr val="tx1"/>
-                </a:solidFill>
-                <a:latin typeface="Arial" panose="020B0604020202020204" pitchFamily="34" charset="0"/>
-                <a:ea typeface="微软雅黑" panose="020B0503020204020204" pitchFamily="34" charset="-122"/>
-              </a:defRPr>
-            </a:lvl3pPr>
-            <a:lvl4pPr marL="1600200" indent="-228600">
-              <a:defRPr sz="3200">
-                <a:solidFill>
-                  <a:schemeClr val="tx1"/>
-                </a:solidFill>
-                <a:latin typeface="Arial" panose="020B0604020202020204" pitchFamily="34" charset="0"/>
-                <a:ea typeface="微软雅黑" panose="020B0503020204020204" pitchFamily="34" charset="-122"/>
-              </a:defRPr>
-            </a:lvl4pPr>
-            <a:lvl5pPr marL="2057400" indent="-228600">
-              <a:defRPr sz="3200">
-                <a:solidFill>
-                  <a:schemeClr val="tx1"/>
-                </a:solidFill>
-                <a:latin typeface="Arial" panose="020B0604020202020204" pitchFamily="34" charset="0"/>
-                <a:ea typeface="微软雅黑" panose="020B0503020204020204" pitchFamily="34" charset="-122"/>
-              </a:defRPr>
-            </a:lvl5pPr>
-            <a:lvl6pPr marL="2514600" indent="-228600" eaLnBrk="0" fontAlgn="base" hangingPunct="0">
-              <a:spcBef>
-                <a:spcPct val="0"/>
-              </a:spcBef>
-              <a:spcAft>
-                <a:spcPct val="0"/>
-              </a:spcAft>
-              <a:defRPr sz="3200">
-                <a:solidFill>
-                  <a:schemeClr val="tx1"/>
-                </a:solidFill>
-                <a:latin typeface="Arial" panose="020B0604020202020204" pitchFamily="34" charset="0"/>
-                <a:ea typeface="微软雅黑" panose="020B0503020204020204" pitchFamily="34" charset="-122"/>
-              </a:defRPr>
-            </a:lvl6pPr>
-            <a:lvl7pPr marL="2971800" indent="-228600" eaLnBrk="0" fontAlgn="base" hangingPunct="0">
-              <a:spcBef>
-                <a:spcPct val="0"/>
-              </a:spcBef>
-              <a:spcAft>
-                <a:spcPct val="0"/>
-              </a:spcAft>
-              <a:defRPr sz="3200">
-                <a:solidFill>
-                  <a:schemeClr val="tx1"/>
-                </a:solidFill>
-                <a:latin typeface="Arial" panose="020B0604020202020204" pitchFamily="34" charset="0"/>
-                <a:ea typeface="微软雅黑" panose="020B0503020204020204" pitchFamily="34" charset="-122"/>
-              </a:defRPr>
-            </a:lvl7pPr>
-            <a:lvl8pPr marL="3429000" indent="-228600" eaLnBrk="0" fontAlgn="base" hangingPunct="0">
-              <a:spcBef>
-                <a:spcPct val="0"/>
-              </a:spcBef>
-              <a:spcAft>
-                <a:spcPct val="0"/>
-              </a:spcAft>
-              <a:defRPr sz="3200">
-                <a:solidFill>
-                  <a:schemeClr val="tx1"/>
-                </a:solidFill>
-                <a:latin typeface="Arial" panose="020B0604020202020204" pitchFamily="34" charset="0"/>
-                <a:ea typeface="微软雅黑" panose="020B0503020204020204" pitchFamily="34" charset="-122"/>
-              </a:defRPr>
-            </a:lvl8pPr>
-            <a:lvl9pPr marL="3886200" indent="-228600" eaLnBrk="0" fontAlgn="base" hangingPunct="0">
-              <a:spcBef>
-                <a:spcPct val="0"/>
-              </a:spcBef>
-              <a:spcAft>
-                <a:spcPct val="0"/>
-              </a:spcAft>
-              <a:defRPr sz="3200">
-                <a:solidFill>
-                  <a:schemeClr val="tx1"/>
-                </a:solidFill>
-                <a:latin typeface="Arial" panose="020B0604020202020204" pitchFamily="34" charset="0"/>
-                <a:ea typeface="微软雅黑" panose="020B0503020204020204" pitchFamily="34" charset="-122"/>
-              </a:defRPr>
-            </a:lvl9pPr>
-          </a:lstStyle>
-          <a:p>
-            <a:r>
-              <a:rPr lang="en-US" altLang="zh-CN">
-                <a:latin typeface="微软雅黑" panose="020B0503020204020204" pitchFamily="34" charset="-122"/>
-                <a:ea typeface="宋体" panose="02010600030101010101" pitchFamily="2" charset="-122"/>
-              </a:rPr>
-              <a:t>---</a:t>
-            </a:r>
-            <a:r>
-              <a:t>ES6</a:t>
-            </a:r>
-            <a:r>
-              <a:rPr lang="zh-CN"/>
-              <a:t>背景知识</a:t>
-            </a:r>
+            <a:endParaRPr kumimoji="0" lang="zh-CN" altLang="zh-CN" sz="4800" b="1"/>
           </a:p>
         </p:txBody>
       </p:sp>
@@ -3603,7 +3388,7 @@
           <p:nvPr/>
         </p:nvPicPr>
         <p:blipFill>
-          <a:blip r:embed="rId3">
+          <a:blip r:embed="rId2">
             <a:extLst>
               <a:ext uri="{28A0092B-C50C-407E-A947-70E740481C1C}">
                 <a14:useLocalDpi xmlns:a14="http://schemas.microsoft.com/office/drawing/2010/main" val="0"/>
@@ -3648,6 +3433,176 @@
           </a:extLst>
         </p:spPr>
       </p:pic>
+      <p:sp>
+        <p:nvSpPr>
+          <p:cNvPr id="2" name="TextBox 4"/>
+          <p:cNvSpPr txBox="1">
+            <a:spLocks noChangeArrowheads="1"/>
+          </p:cNvSpPr>
+          <p:nvPr/>
+        </p:nvSpPr>
+        <p:spPr bwMode="auto">
+          <a:xfrm>
+            <a:off x="4634865" y="4143375"/>
+            <a:ext cx="6033135" cy="583565"/>
+          </a:xfrm>
+          <a:prstGeom prst="rect">
+            <a:avLst/>
+          </a:prstGeom>
+          <a:noFill/>
+          <a:ln>
+            <a:noFill/>
+          </a:ln>
+          <a:extLst>
+            <a:ext uri="{909E8E84-426E-40DD-AFC4-6F175D3DCCD1}">
+              <a14:hiddenFill xmlns:a14="http://schemas.microsoft.com/office/drawing/2010/main">
+                <a:solidFill>
+                  <a:srgbClr val="FFFFFF"/>
+                </a:solidFill>
+              </a14:hiddenFill>
+            </a:ext>
+            <a:ext uri="{91240B29-F687-4F45-9708-019B960494DF}">
+              <a14:hiddenLine xmlns:a14="http://schemas.microsoft.com/office/drawing/2010/main" w="9525">
+                <a:solidFill>
+                  <a:srgbClr val="000000"/>
+                </a:solidFill>
+                <a:miter lim="800000"/>
+                <a:headEnd/>
+                <a:tailEnd/>
+              </a14:hiddenLine>
+            </a:ext>
+          </a:extLst>
+        </p:spPr>
+        <p:txBody>
+          <a:bodyPr wrap="square">
+            <a:spAutoFit/>
+          </a:bodyPr>
+          <a:lstStyle>
+            <a:lvl1pPr>
+              <a:defRPr sz="3200">
+                <a:solidFill>
+                  <a:schemeClr val="tx1"/>
+                </a:solidFill>
+                <a:latin typeface="Arial" panose="020B0604020202020204" pitchFamily="34" charset="0"/>
+                <a:ea typeface="微软雅黑" panose="020B0503020204020204" pitchFamily="34" charset="-122"/>
+              </a:defRPr>
+            </a:lvl1pPr>
+            <a:lvl2pPr marL="742950" indent="-285750">
+              <a:defRPr sz="3200">
+                <a:solidFill>
+                  <a:schemeClr val="tx1"/>
+                </a:solidFill>
+                <a:latin typeface="Arial" panose="020B0604020202020204" pitchFamily="34" charset="0"/>
+                <a:ea typeface="微软雅黑" panose="020B0503020204020204" pitchFamily="34" charset="-122"/>
+              </a:defRPr>
+            </a:lvl2pPr>
+            <a:lvl3pPr marL="1143000" indent="-228600">
+              <a:defRPr sz="3200">
+                <a:solidFill>
+                  <a:schemeClr val="tx1"/>
+                </a:solidFill>
+                <a:latin typeface="Arial" panose="020B0604020202020204" pitchFamily="34" charset="0"/>
+                <a:ea typeface="微软雅黑" panose="020B0503020204020204" pitchFamily="34" charset="-122"/>
+              </a:defRPr>
+            </a:lvl3pPr>
+            <a:lvl4pPr marL="1600200" indent="-228600">
+              <a:defRPr sz="3200">
+                <a:solidFill>
+                  <a:schemeClr val="tx1"/>
+                </a:solidFill>
+                <a:latin typeface="Arial" panose="020B0604020202020204" pitchFamily="34" charset="0"/>
+                <a:ea typeface="微软雅黑" panose="020B0503020204020204" pitchFamily="34" charset="-122"/>
+              </a:defRPr>
+            </a:lvl4pPr>
+            <a:lvl5pPr marL="2057400" indent="-228600">
+              <a:defRPr sz="3200">
+                <a:solidFill>
+                  <a:schemeClr val="tx1"/>
+                </a:solidFill>
+                <a:latin typeface="Arial" panose="020B0604020202020204" pitchFamily="34" charset="0"/>
+                <a:ea typeface="微软雅黑" panose="020B0503020204020204" pitchFamily="34" charset="-122"/>
+              </a:defRPr>
+            </a:lvl5pPr>
+            <a:lvl6pPr marL="2514600" indent="-228600" eaLnBrk="0" fontAlgn="base" hangingPunct="0">
+              <a:spcBef>
+                <a:spcPct val="0"/>
+              </a:spcBef>
+              <a:spcAft>
+                <a:spcPct val="0"/>
+              </a:spcAft>
+              <a:defRPr sz="3200">
+                <a:solidFill>
+                  <a:schemeClr val="tx1"/>
+                </a:solidFill>
+                <a:latin typeface="Arial" panose="020B0604020202020204" pitchFamily="34" charset="0"/>
+                <a:ea typeface="微软雅黑" panose="020B0503020204020204" pitchFamily="34" charset="-122"/>
+              </a:defRPr>
+            </a:lvl6pPr>
+            <a:lvl7pPr marL="2971800" indent="-228600" eaLnBrk="0" fontAlgn="base" hangingPunct="0">
+              <a:spcBef>
+                <a:spcPct val="0"/>
+              </a:spcBef>
+              <a:spcAft>
+                <a:spcPct val="0"/>
+              </a:spcAft>
+              <a:defRPr sz="3200">
+                <a:solidFill>
+                  <a:schemeClr val="tx1"/>
+                </a:solidFill>
+                <a:latin typeface="Arial" panose="020B0604020202020204" pitchFamily="34" charset="0"/>
+                <a:ea typeface="微软雅黑" panose="020B0503020204020204" pitchFamily="34" charset="-122"/>
+              </a:defRPr>
+            </a:lvl7pPr>
+            <a:lvl8pPr marL="3429000" indent="-228600" eaLnBrk="0" fontAlgn="base" hangingPunct="0">
+              <a:spcBef>
+                <a:spcPct val="0"/>
+              </a:spcBef>
+              <a:spcAft>
+                <a:spcPct val="0"/>
+              </a:spcAft>
+              <a:defRPr sz="3200">
+                <a:solidFill>
+                  <a:schemeClr val="tx1"/>
+                </a:solidFill>
+                <a:latin typeface="Arial" panose="020B0604020202020204" pitchFamily="34" charset="0"/>
+                <a:ea typeface="微软雅黑" panose="020B0503020204020204" pitchFamily="34" charset="-122"/>
+              </a:defRPr>
+            </a:lvl8pPr>
+            <a:lvl9pPr marL="3886200" indent="-228600" eaLnBrk="0" fontAlgn="base" hangingPunct="0">
+              <a:spcBef>
+                <a:spcPct val="0"/>
+              </a:spcBef>
+              <a:spcAft>
+                <a:spcPct val="0"/>
+              </a:spcAft>
+              <a:defRPr sz="3200">
+                <a:solidFill>
+                  <a:schemeClr val="tx1"/>
+                </a:solidFill>
+                <a:latin typeface="Arial" panose="020B0604020202020204" pitchFamily="34" charset="0"/>
+                <a:ea typeface="微软雅黑" panose="020B0503020204020204" pitchFamily="34" charset="-122"/>
+              </a:defRPr>
+            </a:lvl9pPr>
+          </a:lstStyle>
+          <a:p>
+            <a:r>
+              <a:rPr lang="en-US" altLang="zh-CN">
+                <a:latin typeface="微软雅黑" panose="020B0503020204020204" pitchFamily="34" charset="-122"/>
+                <a:ea typeface="宋体" panose="02010600030101010101" pitchFamily="2" charset="-122"/>
+              </a:rPr>
+              <a:t>---</a:t>
+            </a:r>
+            <a:r>
+              <a:t>ES6</a:t>
+            </a:r>
+            <a:r>
+              <a:rPr lang="zh-CN"/>
+              <a:t>中变量的解构赋值</a:t>
+            </a:r>
+            <a:endParaRPr lang="zh-CN"/>
+          </a:p>
+        </p:txBody>
+      </p:sp>
     </p:spTree>
   </p:cSld>
   <p:clrMapOvr>
@@ -3733,8 +3688,22 @@
                 </a:solidFill>
                 <a:sym typeface="+mn-ea"/>
               </a:rPr>
-              <a:t>参数的解构赋值 案例一</a:t>
-            </a:r>
+              <a:t>交换变量（写法简洁，语义清晰）</a:t>
+            </a:r>
+            <a:br>
+              <a:rPr kumimoji="0" lang="zh-CN" sz="3200" dirty="0" smtClean="0">
+                <a:solidFill>
+                  <a:schemeClr val="tx1"/>
+                </a:solidFill>
+                <a:sym typeface="+mn-ea"/>
+              </a:rPr>
+            </a:br>
+            <a:endParaRPr kumimoji="0" lang="zh-CN" sz="2400" dirty="0" smtClean="0">
+              <a:solidFill>
+                <a:schemeClr val="tx1"/>
+              </a:solidFill>
+              <a:sym typeface="+mn-ea"/>
+            </a:endParaRPr>
           </a:p>
           <a:p>
             <a:pPr>
@@ -3742,7 +3711,7 @@
                 <a:spcPct val="130000"/>
               </a:lnSpc>
             </a:pPr>
-            <a:endParaRPr kumimoji="0" lang="zh-CN" dirty="0" smtClean="0">
+            <a:endParaRPr kumimoji="0" lang="zh-CN" sz="2400" dirty="0" smtClean="0">
               <a:solidFill>
                 <a:schemeClr val="tx1"/>
               </a:solidFill>
@@ -3755,7 +3724,50 @@
                 <a:spcPct val="130000"/>
               </a:lnSpc>
             </a:pPr>
-            <a:endParaRPr kumimoji="0" lang="zh-CN" dirty="0" smtClean="0">
+            <a:r>
+              <a:rPr kumimoji="0" lang="zh-CN" sz="3200" dirty="0" smtClean="0">
+                <a:solidFill>
+                  <a:schemeClr val="tx1"/>
+                </a:solidFill>
+                <a:sym typeface="+mn-ea"/>
+              </a:rPr>
+              <a:t>从函数中返回多个值</a:t>
+            </a:r>
+            <a:br>
+              <a:rPr kumimoji="0" lang="zh-CN" sz="3200" dirty="0" smtClean="0">
+                <a:solidFill>
+                  <a:schemeClr val="tx1"/>
+                </a:solidFill>
+                <a:sym typeface="+mn-ea"/>
+              </a:rPr>
+            </a:br>
+            <a:r>
+              <a:rPr kumimoji="0" lang="en-US" altLang="zh-CN" sz="2000" dirty="0" smtClean="0">
+                <a:solidFill>
+                  <a:schemeClr val="tx1"/>
+                </a:solidFill>
+                <a:sym typeface="+mn-ea"/>
+              </a:rPr>
+              <a:t>- 函数只能返回一个值，如果要返回多个值，只能将它们放在数组或对象里返回</a:t>
+            </a:r>
+            <a:br>
+              <a:rPr kumimoji="0" lang="en-US" altLang="zh-CN" sz="2000" dirty="0" smtClean="0">
+                <a:solidFill>
+                  <a:schemeClr val="tx1"/>
+                </a:solidFill>
+                <a:sym typeface="+mn-ea"/>
+              </a:rPr>
+            </a:br>
+            <a:r>
+              <a:rPr kumimoji="0" lang="en-US" altLang="zh-CN" sz="2000" dirty="0" smtClean="0">
+                <a:solidFill>
+                  <a:schemeClr val="tx1"/>
+                </a:solidFill>
+                <a:sym typeface="+mn-ea"/>
+              </a:rPr>
+              <a:t>- 有了解构赋值，取出这些值就非常方便</a:t>
+            </a:r>
+            <a:endParaRPr kumimoji="0" lang="en-US" altLang="zh-CN" sz="2000" dirty="0" smtClean="0">
               <a:solidFill>
                 <a:schemeClr val="tx1"/>
               </a:solidFill>
@@ -3774,22 +3786,6 @@
               </a:solidFill>
               <a:sym typeface="+mn-ea"/>
             </a:endParaRPr>
-          </a:p>
-          <a:p>
-            <a:pPr>
-              <a:lnSpc>
-                <a:spcPct val="130000"/>
-              </a:lnSpc>
-            </a:pPr>
-            <a:r>
-              <a:rPr kumimoji="0" lang="zh-CN" sz="3200" dirty="0" smtClean="0">
-                <a:solidFill>
-                  <a:schemeClr val="tx1"/>
-                </a:solidFill>
-                <a:sym typeface="+mn-ea"/>
-              </a:rPr>
-              <a:t>参数的解构赋值 案例二</a:t>
-            </a:r>
           </a:p>
           <a:p>
             <a:pPr marL="0" indent="0">
@@ -3811,1466 +3807,6 @@
                 <a:spcPct val="130000"/>
               </a:lnSpc>
               <a:buNone/>
-            </a:pPr>
-            <a:endParaRPr kumimoji="0" lang="zh-CN" altLang="en-US" sz="3200" dirty="0" smtClean="0">
-              <a:solidFill>
-                <a:schemeClr val="tx1"/>
-              </a:solidFill>
-              <a:sym typeface="+mn-ea"/>
-            </a:endParaRPr>
-          </a:p>
-          <a:p>
-            <a:pPr>
-              <a:lnSpc>
-                <a:spcPct val="130000"/>
-              </a:lnSpc>
-            </a:pPr>
-            <a:endParaRPr kumimoji="0" lang="zh-CN" altLang="en-US" sz="3200" dirty="0" smtClean="0">
-              <a:solidFill>
-                <a:schemeClr val="tx1"/>
-              </a:solidFill>
-              <a:sym typeface="+mn-ea"/>
-            </a:endParaRPr>
-          </a:p>
-          <a:p>
-            <a:pPr>
-              <a:lnSpc>
-                <a:spcPct val="130000"/>
-              </a:lnSpc>
-            </a:pPr>
-            <a:endParaRPr kumimoji="0" lang="zh-CN" altLang="en-US" sz="3200" dirty="0" smtClean="0">
-              <a:solidFill>
-                <a:schemeClr val="tx1"/>
-              </a:solidFill>
-            </a:endParaRPr>
-          </a:p>
-          <a:p>
-            <a:pPr eaLnBrk="1" hangingPunct="1">
-              <a:lnSpc>
-                <a:spcPct val="150000"/>
-              </a:lnSpc>
-            </a:pPr>
-            <a:endParaRPr kumimoji="0" lang="en-US" altLang="zh-CN" sz="3600" dirty="0" smtClean="0">
-              <a:solidFill>
-                <a:schemeClr val="tx1"/>
-              </a:solidFill>
-            </a:endParaRPr>
-          </a:p>
-          <a:p>
-            <a:pPr eaLnBrk="1" hangingPunct="1">
-              <a:lnSpc>
-                <a:spcPct val="150000"/>
-              </a:lnSpc>
-            </a:pPr>
-            <a:endParaRPr kumimoji="0" lang="zh-CN" altLang="en-US" dirty="0" smtClean="0">
-              <a:solidFill>
-                <a:schemeClr val="tx1"/>
-              </a:solidFill>
-            </a:endParaRPr>
-          </a:p>
-        </p:txBody>
-      </p:sp>
-      <p:sp>
-        <p:nvSpPr>
-          <p:cNvPr id="2" name="内容占位符 1"/>
-          <p:cNvSpPr>
-            <a:spLocks noGrp="1"/>
-          </p:cNvSpPr>
-          <p:nvPr>
-            <p:ph sz="quarter" idx="11"/>
-          </p:nvPr>
-        </p:nvSpPr>
-        <p:spPr>
-          <a:xfrm>
-            <a:off x="947420" y="308610"/>
-            <a:ext cx="10057130" cy="490220"/>
-          </a:xfrm>
-        </p:spPr>
-        <p:txBody>
-          <a:bodyPr/>
-          <a:lstStyle/>
-          <a:p>
-            <a:r>
-              <a:rPr kumimoji="0" lang="zh-CN" dirty="0"/>
-              <a:t>函数参数的解构赋值</a:t>
-            </a:r>
-          </a:p>
-        </p:txBody>
-      </p:sp>
-      <p:pic>
-        <p:nvPicPr>
-          <p:cNvPr id="3" name="图片 2"/>
-          <p:cNvPicPr>
-            <a:picLocks noChangeAspect="1"/>
-          </p:cNvPicPr>
-          <p:nvPr/>
-        </p:nvPicPr>
-        <p:blipFill>
-          <a:blip r:embed="rId3"/>
-          <a:stretch>
-            <a:fillRect/>
-          </a:stretch>
-        </p:blipFill>
-        <p:spPr>
-          <a:xfrm>
-            <a:off x="1222375" y="1522730"/>
-            <a:ext cx="6330315" cy="2181860"/>
-          </a:xfrm>
-          <a:prstGeom prst="rect">
-            <a:avLst/>
-          </a:prstGeom>
-        </p:spPr>
-      </p:pic>
-      <p:pic>
-        <p:nvPicPr>
-          <p:cNvPr id="4" name="图片 3"/>
-          <p:cNvPicPr>
-            <a:picLocks noChangeAspect="1"/>
-          </p:cNvPicPr>
-          <p:nvPr/>
-        </p:nvPicPr>
-        <p:blipFill>
-          <a:blip r:embed="rId4"/>
-          <a:stretch>
-            <a:fillRect/>
-          </a:stretch>
-        </p:blipFill>
-        <p:spPr>
-          <a:xfrm>
-            <a:off x="1222375" y="4299585"/>
-            <a:ext cx="7586980" cy="2225675"/>
-          </a:xfrm>
-          <a:prstGeom prst="rect">
-            <a:avLst/>
-          </a:prstGeom>
-        </p:spPr>
-      </p:pic>
-      <p:sp>
-        <p:nvSpPr>
-          <p:cNvPr id="6" name="文本框 5"/>
-          <p:cNvSpPr txBox="1"/>
-          <p:nvPr/>
-        </p:nvSpPr>
-        <p:spPr>
-          <a:xfrm>
-            <a:off x="6906260" y="6239510"/>
-            <a:ext cx="4738370" cy="429895"/>
-          </a:xfrm>
-          <a:prstGeom prst="rect">
-            <a:avLst/>
-          </a:prstGeom>
-          <a:noFill/>
-        </p:spPr>
-        <p:txBody>
-          <a:bodyPr wrap="square" rtlCol="0">
-            <a:spAutoFit/>
-          </a:bodyPr>
-          <a:lstStyle/>
-          <a:p>
-            <a:pPr algn="l"/>
-            <a:r>
-              <a:rPr lang="zh-CN" altLang="en-US" sz="2200">
-                <a:solidFill>
-                  <a:schemeClr val="accent3"/>
-                </a:solidFill>
-                <a:latin typeface="+mn-ea"/>
-                <a:ea typeface="+mn-ea"/>
-              </a:rPr>
-              <a:t>参见实例</a:t>
-            </a:r>
-            <a:r>
-              <a:rPr lang="en-US" altLang="zh-CN" sz="2200">
-                <a:solidFill>
-                  <a:schemeClr val="accent3"/>
-                </a:solidFill>
-                <a:latin typeface="+mn-ea"/>
-                <a:ea typeface="+mn-ea"/>
-              </a:rPr>
-              <a:t>demo12 </a:t>
-            </a:r>
-            <a:r>
-              <a:rPr lang="zh-CN" altLang="en-US" sz="2200">
-                <a:solidFill>
-                  <a:schemeClr val="accent3"/>
-                </a:solidFill>
-                <a:latin typeface="+mn-ea"/>
-                <a:ea typeface="+mn-ea"/>
-              </a:rPr>
-              <a:t>函数参数解构赋值</a:t>
-            </a:r>
-            <a:r>
-              <a:rPr lang="en-US" altLang="zh-CN" sz="2200">
-                <a:solidFill>
-                  <a:schemeClr val="accent3"/>
-                </a:solidFill>
-                <a:latin typeface="+mn-ea"/>
-                <a:ea typeface="+mn-ea"/>
-              </a:rPr>
-              <a:t> </a:t>
-            </a:r>
-            <a:endParaRPr lang="zh-CN" sz="2200" dirty="0" smtClean="0">
-              <a:solidFill>
-                <a:schemeClr val="accent3"/>
-              </a:solidFill>
-              <a:latin typeface="+mn-ea"/>
-              <a:ea typeface="+mn-ea"/>
-              <a:sym typeface="+mn-ea"/>
-            </a:endParaRPr>
-          </a:p>
-        </p:txBody>
-      </p:sp>
-    </p:spTree>
-  </p:cSld>
-  <p:clrMapOvr>
-    <a:masterClrMapping/>
-  </p:clrMapOvr>
-  <p:timing>
-    <p:tnLst>
-      <p:par>
-        <p:cTn id="1" dur="indefinite" restart="never" nodeType="tmRoot">
-          <p:childTnLst>
-            <p:seq concurrent="1" nextAc="seek">
-              <p:cTn id="2" dur="indefinite" nodeType="mainSeq">
-                <p:childTnLst>
-                  <p:par>
-                    <p:cTn id="3" fill="hold">
-                      <p:stCondLst>
-                        <p:cond delay="indefinite"/>
-                      </p:stCondLst>
-                      <p:childTnLst>
-                        <p:par>
-                          <p:cTn id="4" fill="hold">
-                            <p:stCondLst>
-                              <p:cond delay="0"/>
-                            </p:stCondLst>
-                            <p:childTnLst>
-                              <p:par>
-                                <p:cTn id="5" presetID="2" presetClass="entr" presetSubtype="4" fill="hold" nodeType="clickEffect">
-                                  <p:stCondLst>
-                                    <p:cond delay="0"/>
-                                  </p:stCondLst>
-                                  <p:childTnLst>
-                                    <p:set>
-                                      <p:cBhvr>
-                                        <p:cTn id="6" dur="1" fill="hold">
-                                          <p:stCondLst>
-                                            <p:cond delay="0"/>
-                                          </p:stCondLst>
-                                        </p:cTn>
-                                        <p:tgtEl>
-                                          <p:spTgt spid="11266">
-                                            <p:txEl>
-                                              <p:pRg st="0" end="0"/>
-                                            </p:txEl>
-                                          </p:spTgt>
-                                        </p:tgtEl>
-                                        <p:attrNameLst>
-                                          <p:attrName>style.visibility</p:attrName>
-                                        </p:attrNameLst>
-                                      </p:cBhvr>
-                                      <p:to>
-                                        <p:strVal val="visible"/>
-                                      </p:to>
-                                    </p:set>
-                                    <p:anim calcmode="lin" valueType="num">
-                                      <p:cBhvr additive="base">
-                                        <p:cTn id="7" dur="500" fill="hold"/>
-                                        <p:tgtEl>
-                                          <p:spTgt spid="11266">
-                                            <p:txEl>
-                                              <p:pRg st="0" end="0"/>
-                                            </p:txEl>
-                                          </p:spTgt>
-                                        </p:tgtEl>
-                                        <p:attrNameLst>
-                                          <p:attrName>ppt_x</p:attrName>
-                                        </p:attrNameLst>
-                                      </p:cBhvr>
-                                      <p:tavLst>
-                                        <p:tav tm="0">
-                                          <p:val>
-                                            <p:strVal val="#ppt_x"/>
-                                          </p:val>
-                                        </p:tav>
-                                        <p:tav tm="100000">
-                                          <p:val>
-                                            <p:strVal val="#ppt_x"/>
-                                          </p:val>
-                                        </p:tav>
-                                      </p:tavLst>
-                                    </p:anim>
-                                    <p:anim calcmode="lin" valueType="num">
-                                      <p:cBhvr additive="base">
-                                        <p:cTn id="8" dur="500" fill="hold"/>
-                                        <p:tgtEl>
-                                          <p:spTgt spid="11266">
-                                            <p:txEl>
-                                              <p:pRg st="0" end="0"/>
-                                            </p:txEl>
-                                          </p:spTgt>
-                                        </p:tgtEl>
-                                        <p:attrNameLst>
-                                          <p:attrName>ppt_y</p:attrName>
-                                        </p:attrNameLst>
-                                      </p:cBhvr>
-                                      <p:tavLst>
-                                        <p:tav tm="0">
-                                          <p:val>
-                                            <p:strVal val="1+#ppt_h/2"/>
-                                          </p:val>
-                                        </p:tav>
-                                        <p:tav tm="100000">
-                                          <p:val>
-                                            <p:strVal val="#ppt_y"/>
-                                          </p:val>
-                                        </p:tav>
-                                      </p:tavLst>
-                                    </p:anim>
-                                  </p:childTnLst>
-                                </p:cTn>
-                              </p:par>
-                            </p:childTnLst>
-                          </p:cTn>
-                        </p:par>
-                        <p:par>
-                          <p:cTn id="9" fill="hold">
-                            <p:stCondLst>
-                              <p:cond delay="500"/>
-                            </p:stCondLst>
-                            <p:childTnLst>
-                              <p:par>
-                                <p:cTn id="10" presetID="2" presetClass="entr" presetSubtype="4" fill="hold" nodeType="afterEffect">
-                                  <p:stCondLst>
-                                    <p:cond delay="0"/>
-                                  </p:stCondLst>
-                                  <p:childTnLst>
-                                    <p:set>
-                                      <p:cBhvr>
-                                        <p:cTn id="11" dur="1" fill="hold">
-                                          <p:stCondLst>
-                                            <p:cond delay="0"/>
-                                          </p:stCondLst>
-                                        </p:cTn>
-                                        <p:tgtEl>
-                                          <p:spTgt spid="3"/>
-                                        </p:tgtEl>
-                                        <p:attrNameLst>
-                                          <p:attrName>style.visibility</p:attrName>
-                                        </p:attrNameLst>
-                                      </p:cBhvr>
-                                      <p:to>
-                                        <p:strVal val="visible"/>
-                                      </p:to>
-                                    </p:set>
-                                    <p:anim calcmode="lin" valueType="num">
-                                      <p:cBhvr additive="base">
-                                        <p:cTn id="12" dur="500" fill="hold"/>
-                                        <p:tgtEl>
-                                          <p:spTgt spid="3"/>
-                                        </p:tgtEl>
-                                        <p:attrNameLst>
-                                          <p:attrName>ppt_x</p:attrName>
-                                        </p:attrNameLst>
-                                      </p:cBhvr>
-                                      <p:tavLst>
-                                        <p:tav tm="0">
-                                          <p:val>
-                                            <p:strVal val="#ppt_x"/>
-                                          </p:val>
-                                        </p:tav>
-                                        <p:tav tm="100000">
-                                          <p:val>
-                                            <p:strVal val="#ppt_x"/>
-                                          </p:val>
-                                        </p:tav>
-                                      </p:tavLst>
-                                    </p:anim>
-                                    <p:anim calcmode="lin" valueType="num">
-                                      <p:cBhvr additive="base">
-                                        <p:cTn id="13" dur="500" fill="hold"/>
-                                        <p:tgtEl>
-                                          <p:spTgt spid="3"/>
-                                        </p:tgtEl>
-                                        <p:attrNameLst>
-                                          <p:attrName>ppt_y</p:attrName>
-                                        </p:attrNameLst>
-                                      </p:cBhvr>
-                                      <p:tavLst>
-                                        <p:tav tm="0">
-                                          <p:val>
-                                            <p:strVal val="1+#ppt_h/2"/>
-                                          </p:val>
-                                        </p:tav>
-                                        <p:tav tm="100000">
-                                          <p:val>
-                                            <p:strVal val="#ppt_y"/>
-                                          </p:val>
-                                        </p:tav>
-                                      </p:tavLst>
-                                    </p:anim>
-                                  </p:childTnLst>
-                                </p:cTn>
-                              </p:par>
-                            </p:childTnLst>
-                          </p:cTn>
-                        </p:par>
-                      </p:childTnLst>
-                    </p:cTn>
-                  </p:par>
-                  <p:par>
-                    <p:cTn id="14" fill="hold">
-                      <p:stCondLst>
-                        <p:cond delay="indefinite"/>
-                      </p:stCondLst>
-                      <p:childTnLst>
-                        <p:par>
-                          <p:cTn id="15" fill="hold">
-                            <p:stCondLst>
-                              <p:cond delay="0"/>
-                            </p:stCondLst>
-                            <p:childTnLst>
-                              <p:par>
-                                <p:cTn id="16" presetID="2" presetClass="entr" presetSubtype="4" fill="hold" nodeType="clickEffect">
-                                  <p:stCondLst>
-                                    <p:cond delay="0"/>
-                                  </p:stCondLst>
-                                  <p:childTnLst>
-                                    <p:set>
-                                      <p:cBhvr>
-                                        <p:cTn id="17" dur="1" fill="hold">
-                                          <p:stCondLst>
-                                            <p:cond delay="0"/>
-                                          </p:stCondLst>
-                                        </p:cTn>
-                                        <p:tgtEl>
-                                          <p:spTgt spid="11266">
-                                            <p:txEl>
-                                              <p:pRg st="4" end="4"/>
-                                            </p:txEl>
-                                          </p:spTgt>
-                                        </p:tgtEl>
-                                        <p:attrNameLst>
-                                          <p:attrName>style.visibility</p:attrName>
-                                        </p:attrNameLst>
-                                      </p:cBhvr>
-                                      <p:to>
-                                        <p:strVal val="visible"/>
-                                      </p:to>
-                                    </p:set>
-                                    <p:anim calcmode="lin" valueType="num">
-                                      <p:cBhvr additive="base">
-                                        <p:cTn id="18" dur="500" fill="hold"/>
-                                        <p:tgtEl>
-                                          <p:spTgt spid="11266">
-                                            <p:txEl>
-                                              <p:pRg st="4" end="4"/>
-                                            </p:txEl>
-                                          </p:spTgt>
-                                        </p:tgtEl>
-                                        <p:attrNameLst>
-                                          <p:attrName>ppt_x</p:attrName>
-                                        </p:attrNameLst>
-                                      </p:cBhvr>
-                                      <p:tavLst>
-                                        <p:tav tm="0">
-                                          <p:val>
-                                            <p:strVal val="#ppt_x"/>
-                                          </p:val>
-                                        </p:tav>
-                                        <p:tav tm="100000">
-                                          <p:val>
-                                            <p:strVal val="#ppt_x"/>
-                                          </p:val>
-                                        </p:tav>
-                                      </p:tavLst>
-                                    </p:anim>
-                                    <p:anim calcmode="lin" valueType="num">
-                                      <p:cBhvr additive="base">
-                                        <p:cTn id="19" dur="500" fill="hold"/>
-                                        <p:tgtEl>
-                                          <p:spTgt spid="11266">
-                                            <p:txEl>
-                                              <p:pRg st="4" end="4"/>
-                                            </p:txEl>
-                                          </p:spTgt>
-                                        </p:tgtEl>
-                                        <p:attrNameLst>
-                                          <p:attrName>ppt_y</p:attrName>
-                                        </p:attrNameLst>
-                                      </p:cBhvr>
-                                      <p:tavLst>
-                                        <p:tav tm="0">
-                                          <p:val>
-                                            <p:strVal val="1+#ppt_h/2"/>
-                                          </p:val>
-                                        </p:tav>
-                                        <p:tav tm="100000">
-                                          <p:val>
-                                            <p:strVal val="#ppt_y"/>
-                                          </p:val>
-                                        </p:tav>
-                                      </p:tavLst>
-                                    </p:anim>
-                                  </p:childTnLst>
-                                </p:cTn>
-                              </p:par>
-                            </p:childTnLst>
-                          </p:cTn>
-                        </p:par>
-                        <p:par>
-                          <p:cTn id="20" fill="hold">
-                            <p:stCondLst>
-                              <p:cond delay="500"/>
-                            </p:stCondLst>
-                            <p:childTnLst>
-                              <p:par>
-                                <p:cTn id="21" presetID="2" presetClass="entr" presetSubtype="4" fill="hold" nodeType="afterEffect">
-                                  <p:stCondLst>
-                                    <p:cond delay="0"/>
-                                  </p:stCondLst>
-                                  <p:childTnLst>
-                                    <p:set>
-                                      <p:cBhvr>
-                                        <p:cTn id="22" dur="1" fill="hold">
-                                          <p:stCondLst>
-                                            <p:cond delay="0"/>
-                                          </p:stCondLst>
-                                        </p:cTn>
-                                        <p:tgtEl>
-                                          <p:spTgt spid="4"/>
-                                        </p:tgtEl>
-                                        <p:attrNameLst>
-                                          <p:attrName>style.visibility</p:attrName>
-                                        </p:attrNameLst>
-                                      </p:cBhvr>
-                                      <p:to>
-                                        <p:strVal val="visible"/>
-                                      </p:to>
-                                    </p:set>
-                                    <p:anim calcmode="lin" valueType="num">
-                                      <p:cBhvr additive="base">
-                                        <p:cTn id="23" dur="500" fill="hold"/>
-                                        <p:tgtEl>
-                                          <p:spTgt spid="4"/>
-                                        </p:tgtEl>
-                                        <p:attrNameLst>
-                                          <p:attrName>ppt_x</p:attrName>
-                                        </p:attrNameLst>
-                                      </p:cBhvr>
-                                      <p:tavLst>
-                                        <p:tav tm="0">
-                                          <p:val>
-                                            <p:strVal val="#ppt_x"/>
-                                          </p:val>
-                                        </p:tav>
-                                        <p:tav tm="100000">
-                                          <p:val>
-                                            <p:strVal val="#ppt_x"/>
-                                          </p:val>
-                                        </p:tav>
-                                      </p:tavLst>
-                                    </p:anim>
-                                    <p:anim calcmode="lin" valueType="num">
-                                      <p:cBhvr additive="base">
-                                        <p:cTn id="24" dur="500" fill="hold"/>
-                                        <p:tgtEl>
-                                          <p:spTgt spid="4"/>
-                                        </p:tgtEl>
-                                        <p:attrNameLst>
-                                          <p:attrName>ppt_y</p:attrName>
-                                        </p:attrNameLst>
-                                      </p:cBhvr>
-                                      <p:tavLst>
-                                        <p:tav tm="0">
-                                          <p:val>
-                                            <p:strVal val="1+#ppt_h/2"/>
-                                          </p:val>
-                                        </p:tav>
-                                        <p:tav tm="100000">
-                                          <p:val>
-                                            <p:strVal val="#ppt_y"/>
-                                          </p:val>
-                                        </p:tav>
-                                      </p:tavLst>
-                                    </p:anim>
-                                  </p:childTnLst>
-                                </p:cTn>
-                              </p:par>
-                            </p:childTnLst>
-                          </p:cTn>
-                        </p:par>
-                        <p:par>
-                          <p:cTn id="25" fill="hold">
-                            <p:stCondLst>
-                              <p:cond delay="1000"/>
-                            </p:stCondLst>
-                            <p:childTnLst>
-                              <p:par>
-                                <p:cTn id="26" presetID="2" presetClass="entr" presetSubtype="4" fill="hold" grpId="0" nodeType="afterEffect">
-                                  <p:stCondLst>
-                                    <p:cond delay="0"/>
-                                  </p:stCondLst>
-                                  <p:childTnLst>
-                                    <p:set>
-                                      <p:cBhvr>
-                                        <p:cTn id="27" dur="1" fill="hold">
-                                          <p:stCondLst>
-                                            <p:cond delay="0"/>
-                                          </p:stCondLst>
-                                        </p:cTn>
-                                        <p:tgtEl>
-                                          <p:spTgt spid="6"/>
-                                        </p:tgtEl>
-                                        <p:attrNameLst>
-                                          <p:attrName>style.visibility</p:attrName>
-                                        </p:attrNameLst>
-                                      </p:cBhvr>
-                                      <p:to>
-                                        <p:strVal val="visible"/>
-                                      </p:to>
-                                    </p:set>
-                                    <p:anim calcmode="lin" valueType="num">
-                                      <p:cBhvr additive="base">
-                                        <p:cTn id="28" dur="500" fill="hold"/>
-                                        <p:tgtEl>
-                                          <p:spTgt spid="6"/>
-                                        </p:tgtEl>
-                                        <p:attrNameLst>
-                                          <p:attrName>ppt_x</p:attrName>
-                                        </p:attrNameLst>
-                                      </p:cBhvr>
-                                      <p:tavLst>
-                                        <p:tav tm="0">
-                                          <p:val>
-                                            <p:strVal val="#ppt_x"/>
-                                          </p:val>
-                                        </p:tav>
-                                        <p:tav tm="100000">
-                                          <p:val>
-                                            <p:strVal val="#ppt_x"/>
-                                          </p:val>
-                                        </p:tav>
-                                      </p:tavLst>
-                                    </p:anim>
-                                    <p:anim calcmode="lin" valueType="num">
-                                      <p:cBhvr additive="base">
-                                        <p:cTn id="29" dur="500" fill="hold"/>
-                                        <p:tgtEl>
-                                          <p:spTgt spid="6"/>
-                                        </p:tgtEl>
-                                        <p:attrNameLst>
-                                          <p:attrName>ppt_y</p:attrName>
-                                        </p:attrNameLst>
-                                      </p:cBhvr>
-                                      <p:tavLst>
-                                        <p:tav tm="0">
-                                          <p:val>
-                                            <p:strVal val="1+#ppt_h/2"/>
-                                          </p:val>
-                                        </p:tav>
-                                        <p:tav tm="100000">
-                                          <p:val>
-                                            <p:strVal val="#ppt_y"/>
-                                          </p:val>
-                                        </p:tav>
-                                      </p:tavLst>
-                                    </p:anim>
-                                  </p:childTnLst>
-                                </p:cTn>
-                              </p:par>
-                            </p:childTnLst>
-                          </p:cTn>
-                        </p:par>
-                      </p:childTnLst>
-                    </p:cTn>
-                  </p:par>
-                </p:childTnLst>
-              </p:cTn>
-              <p:prevCondLst>
-                <p:cond evt="onPrev" delay="0">
-                  <p:tgtEl>
-                    <p:sldTgt/>
-                  </p:tgtEl>
-                </p:cond>
-              </p:prevCondLst>
-              <p:nextCondLst>
-                <p:cond evt="onNext" delay="0">
-                  <p:tgtEl>
-                    <p:sldTgt/>
-                  </p:tgtEl>
-                </p:cond>
-              </p:nextCondLst>
-            </p:seq>
-          </p:childTnLst>
-        </p:cTn>
-      </p:par>
-    </p:tnLst>
-    <p:bldLst>
-      <p:bldP spid="6" grpId="0"/>
-    </p:bldLst>
-  </p:timing>
-</p:sld>
-</file>
-
-<file path=ppt/slides/slide11.xml><?xml version="1.0" encoding="utf-8"?>
-<p:sld xmlns:a="http://schemas.openxmlformats.org/drawingml/2006/main" xmlns:r="http://schemas.openxmlformats.org/officeDocument/2006/relationships" xmlns:p="http://schemas.openxmlformats.org/presentationml/2006/main">
-  <p:cSld>
-    <p:spTree>
-      <p:nvGrpSpPr>
-        <p:cNvPr id="1" name=""/>
-        <p:cNvGrpSpPr/>
-        <p:nvPr/>
-      </p:nvGrpSpPr>
-      <p:grpSpPr>
-        <a:xfrm>
-          <a:off x="0" y="0"/>
-          <a:ext cx="0" cy="0"/>
-          <a:chOff x="0" y="0"/>
-          <a:chExt cx="0" cy="0"/>
-        </a:xfrm>
-      </p:grpSpPr>
-      <p:sp>
-        <p:nvSpPr>
-          <p:cNvPr id="5123" name="AutoShape 6"/>
-          <p:cNvSpPr>
-            <a:spLocks noChangeArrowheads="1"/>
-          </p:cNvSpPr>
-          <p:nvPr/>
-        </p:nvSpPr>
-        <p:spPr bwMode="auto">
-          <a:xfrm>
-            <a:off x="2566988" y="1339851"/>
-            <a:ext cx="6711950" cy="4214813"/>
-          </a:xfrm>
-          <a:prstGeom prst="roundRect">
-            <a:avLst>
-              <a:gd name="adj" fmla="val 16667"/>
-            </a:avLst>
-          </a:prstGeom>
-          <a:noFill/>
-          <a:ln w="28575">
-            <a:solidFill>
-              <a:srgbClr val="C0C0C0"/>
-            </a:solidFill>
-            <a:prstDash val="sysDot"/>
-            <a:round/>
-          </a:ln>
-          <a:extLst>
-            <a:ext uri="{909E8E84-426E-40DD-AFC4-6F175D3DCCD1}">
-              <a14:hiddenFill xmlns:a14="http://schemas.microsoft.com/office/drawing/2010/main">
-                <a:solidFill>
-                  <a:srgbClr val="FFFFFF"/>
-                </a:solidFill>
-              </a14:hiddenFill>
-            </a:ext>
-          </a:extLst>
-        </p:spPr>
-        <p:txBody>
-          <a:bodyPr wrap="none" anchor="ctr"/>
-          <a:lstStyle>
-            <a:lvl1pPr marL="457200" indent="-457200">
-              <a:defRPr sz="3200">
-                <a:solidFill>
-                  <a:schemeClr val="tx1"/>
-                </a:solidFill>
-                <a:latin typeface="Arial" panose="020B0604020202020204" pitchFamily="34" charset="0"/>
-                <a:ea typeface="微软雅黑" panose="020B0503020204020204" pitchFamily="34" charset="-122"/>
-              </a:defRPr>
-            </a:lvl1pPr>
-            <a:lvl2pPr marL="742950" indent="-285750">
-              <a:defRPr sz="3200">
-                <a:solidFill>
-                  <a:schemeClr val="tx1"/>
-                </a:solidFill>
-                <a:latin typeface="Arial" panose="020B0604020202020204" pitchFamily="34" charset="0"/>
-                <a:ea typeface="微软雅黑" panose="020B0503020204020204" pitchFamily="34" charset="-122"/>
-              </a:defRPr>
-            </a:lvl2pPr>
-            <a:lvl3pPr marL="1143000" indent="-228600">
-              <a:defRPr sz="3200">
-                <a:solidFill>
-                  <a:schemeClr val="tx1"/>
-                </a:solidFill>
-                <a:latin typeface="Arial" panose="020B0604020202020204" pitchFamily="34" charset="0"/>
-                <a:ea typeface="微软雅黑" panose="020B0503020204020204" pitchFamily="34" charset="-122"/>
-              </a:defRPr>
-            </a:lvl3pPr>
-            <a:lvl4pPr marL="1600200" indent="-228600">
-              <a:defRPr sz="3200">
-                <a:solidFill>
-                  <a:schemeClr val="tx1"/>
-                </a:solidFill>
-                <a:latin typeface="Arial" panose="020B0604020202020204" pitchFamily="34" charset="0"/>
-                <a:ea typeface="微软雅黑" panose="020B0503020204020204" pitchFamily="34" charset="-122"/>
-              </a:defRPr>
-            </a:lvl4pPr>
-            <a:lvl5pPr marL="2057400" indent="-228600">
-              <a:defRPr sz="3200">
-                <a:solidFill>
-                  <a:schemeClr val="tx1"/>
-                </a:solidFill>
-                <a:latin typeface="Arial" panose="020B0604020202020204" pitchFamily="34" charset="0"/>
-                <a:ea typeface="微软雅黑" panose="020B0503020204020204" pitchFamily="34" charset="-122"/>
-              </a:defRPr>
-            </a:lvl5pPr>
-            <a:lvl6pPr marL="2514600" indent="-228600" eaLnBrk="0" fontAlgn="base" hangingPunct="0">
-              <a:spcBef>
-                <a:spcPct val="0"/>
-              </a:spcBef>
-              <a:spcAft>
-                <a:spcPct val="0"/>
-              </a:spcAft>
-              <a:defRPr sz="3200">
-                <a:solidFill>
-                  <a:schemeClr val="tx1"/>
-                </a:solidFill>
-                <a:latin typeface="Arial" panose="020B0604020202020204" pitchFamily="34" charset="0"/>
-                <a:ea typeface="微软雅黑" panose="020B0503020204020204" pitchFamily="34" charset="-122"/>
-              </a:defRPr>
-            </a:lvl6pPr>
-            <a:lvl7pPr marL="2971800" indent="-228600" eaLnBrk="0" fontAlgn="base" hangingPunct="0">
-              <a:spcBef>
-                <a:spcPct val="0"/>
-              </a:spcBef>
-              <a:spcAft>
-                <a:spcPct val="0"/>
-              </a:spcAft>
-              <a:defRPr sz="3200">
-                <a:solidFill>
-                  <a:schemeClr val="tx1"/>
-                </a:solidFill>
-                <a:latin typeface="Arial" panose="020B0604020202020204" pitchFamily="34" charset="0"/>
-                <a:ea typeface="微软雅黑" panose="020B0503020204020204" pitchFamily="34" charset="-122"/>
-              </a:defRPr>
-            </a:lvl7pPr>
-            <a:lvl8pPr marL="3429000" indent="-228600" eaLnBrk="0" fontAlgn="base" hangingPunct="0">
-              <a:spcBef>
-                <a:spcPct val="0"/>
-              </a:spcBef>
-              <a:spcAft>
-                <a:spcPct val="0"/>
-              </a:spcAft>
-              <a:defRPr sz="3200">
-                <a:solidFill>
-                  <a:schemeClr val="tx1"/>
-                </a:solidFill>
-                <a:latin typeface="Arial" panose="020B0604020202020204" pitchFamily="34" charset="0"/>
-                <a:ea typeface="微软雅黑" panose="020B0503020204020204" pitchFamily="34" charset="-122"/>
-              </a:defRPr>
-            </a:lvl8pPr>
-            <a:lvl9pPr marL="3886200" indent="-228600" eaLnBrk="0" fontAlgn="base" hangingPunct="0">
-              <a:spcBef>
-                <a:spcPct val="0"/>
-              </a:spcBef>
-              <a:spcAft>
-                <a:spcPct val="0"/>
-              </a:spcAft>
-              <a:defRPr sz="3200">
-                <a:solidFill>
-                  <a:schemeClr val="tx1"/>
-                </a:solidFill>
-                <a:latin typeface="Arial" panose="020B0604020202020204" pitchFamily="34" charset="0"/>
-                <a:ea typeface="微软雅黑" panose="020B0503020204020204" pitchFamily="34" charset="-122"/>
-              </a:defRPr>
-            </a:lvl9pPr>
-          </a:lstStyle>
-          <a:p>
-            <a:pPr algn="l">
-              <a:lnSpc>
-                <a:spcPct val="150000"/>
-              </a:lnSpc>
-              <a:spcBef>
-                <a:spcPts val="1200"/>
-              </a:spcBef>
-              <a:spcAft>
-                <a:spcPts val="1200"/>
-              </a:spcAft>
-              <a:buClr>
-                <a:srgbClr val="92D050"/>
-              </a:buClr>
-              <a:buFont typeface="Wingdings" panose="05000000000000000000" pitchFamily="2" charset="2"/>
-              <a:buChar char="Ø"/>
-            </a:pPr>
-            <a:r>
-              <a:rPr lang="zh-CN" altLang="en-US" sz="2800" b="1">
-                <a:solidFill>
-                  <a:schemeClr val="tx1"/>
-                </a:solidFill>
-              </a:rPr>
-              <a:t>数组、对象的解构赋值</a:t>
-            </a:r>
-          </a:p>
-          <a:p>
-            <a:pPr algn="l">
-              <a:lnSpc>
-                <a:spcPct val="150000"/>
-              </a:lnSpc>
-              <a:spcBef>
-                <a:spcPts val="1200"/>
-              </a:spcBef>
-              <a:spcAft>
-                <a:spcPts val="1200"/>
-              </a:spcAft>
-              <a:buClr>
-                <a:srgbClr val="92D050"/>
-              </a:buClr>
-              <a:buFont typeface="Wingdings" panose="05000000000000000000" pitchFamily="2" charset="2"/>
-              <a:buChar char="Ø"/>
-            </a:pPr>
-            <a:r>
-              <a:rPr lang="zh-CN" altLang="en-US" sz="2800" b="1">
-                <a:solidFill>
-                  <a:schemeClr val="tx1"/>
-                </a:solidFill>
-                <a:sym typeface="+mn-ea"/>
-              </a:rPr>
-              <a:t>字符串、数字的解构赋值</a:t>
-            </a:r>
-          </a:p>
-          <a:p>
-            <a:pPr algn="l">
-              <a:lnSpc>
-                <a:spcPct val="150000"/>
-              </a:lnSpc>
-              <a:spcBef>
-                <a:spcPts val="1200"/>
-              </a:spcBef>
-              <a:spcAft>
-                <a:spcPts val="1200"/>
-              </a:spcAft>
-              <a:buClr>
-                <a:srgbClr val="92D050"/>
-              </a:buClr>
-              <a:buFont typeface="Wingdings" panose="05000000000000000000" pitchFamily="2" charset="2"/>
-              <a:buChar char="Ø"/>
-            </a:pPr>
-            <a:r>
-              <a:rPr lang="zh-CN" altLang="en-US" sz="2800" b="1">
-                <a:solidFill>
-                  <a:schemeClr val="tx1"/>
-                </a:solidFill>
-              </a:rPr>
-              <a:t>函数参数的解构赋值</a:t>
-            </a:r>
-          </a:p>
-          <a:p>
-            <a:pPr algn="l">
-              <a:lnSpc>
-                <a:spcPct val="150000"/>
-              </a:lnSpc>
-              <a:spcBef>
-                <a:spcPts val="1200"/>
-              </a:spcBef>
-              <a:spcAft>
-                <a:spcPts val="1200"/>
-              </a:spcAft>
-              <a:buClr>
-                <a:srgbClr val="92D050"/>
-              </a:buClr>
-              <a:buFont typeface="Wingdings" panose="05000000000000000000" pitchFamily="2" charset="2"/>
-              <a:buChar char="Ø"/>
-            </a:pPr>
-            <a:r>
-              <a:rPr lang="zh-CN" altLang="en-US" sz="2800" b="1">
-                <a:solidFill>
-                  <a:srgbClr val="FF0000"/>
-                </a:solidFill>
-                <a:sym typeface="+mn-ea"/>
-              </a:rPr>
-              <a:t>解构赋值的常见应用及注意事项</a:t>
-            </a:r>
-          </a:p>
-        </p:txBody>
-      </p:sp>
-      <p:sp>
-        <p:nvSpPr>
-          <p:cNvPr id="4" name="内容占位符 3"/>
-          <p:cNvSpPr txBox="1"/>
-          <p:nvPr/>
-        </p:nvSpPr>
-        <p:spPr>
-          <a:xfrm>
-            <a:off x="981657" y="236943"/>
-            <a:ext cx="8191557" cy="490476"/>
-          </a:xfrm>
-          <a:prstGeom prst="rect">
-            <a:avLst/>
-          </a:prstGeom>
-        </p:spPr>
-        <p:txBody>
-          <a:bodyPr/>
-          <a:lstStyle>
-            <a:lvl1pPr marL="167005" indent="-167005" algn="l" defTabSz="0" rtl="0" eaLnBrk="0" fontAlgn="base" hangingPunct="0">
-              <a:spcBef>
-                <a:spcPct val="0"/>
-              </a:spcBef>
-              <a:spcAft>
-                <a:spcPct val="15000"/>
-              </a:spcAft>
-              <a:buClr>
-                <a:schemeClr val="tx2"/>
-              </a:buClr>
-              <a:buFont typeface="Arial" panose="020B0604020202020204" pitchFamily="34" charset="0"/>
-              <a:buChar char="•"/>
-              <a:defRPr kumimoji="1" sz="1600">
-                <a:solidFill>
-                  <a:srgbClr val="006F53"/>
-                </a:solidFill>
-                <a:latin typeface="微软雅黑" panose="020B0503020204020204" pitchFamily="34" charset="-122"/>
-                <a:ea typeface="微软雅黑" panose="020B0503020204020204" pitchFamily="34" charset="-122"/>
-                <a:cs typeface="微软雅黑" panose="020B0503020204020204" pitchFamily="34" charset="-122"/>
-              </a:defRPr>
-            </a:lvl1pPr>
-            <a:lvl2pPr marL="398780" indent="-230505" algn="l" defTabSz="0" rtl="0" eaLnBrk="0" fontAlgn="base" hangingPunct="0">
-              <a:spcBef>
-                <a:spcPct val="0"/>
-              </a:spcBef>
-              <a:spcAft>
-                <a:spcPct val="15000"/>
-              </a:spcAft>
-              <a:buClr>
-                <a:schemeClr val="tx2"/>
-              </a:buClr>
-              <a:buFont typeface="Arial" panose="020B0604020202020204" pitchFamily="34" charset="0"/>
-              <a:buChar char="–"/>
-              <a:defRPr kumimoji="1" sz="2800">
-                <a:solidFill>
-                  <a:schemeClr val="bg2"/>
-                </a:solidFill>
-                <a:latin typeface="微软雅黑" panose="020B0503020204020204" pitchFamily="34" charset="-122"/>
-                <a:ea typeface="微软雅黑" panose="020B0503020204020204" pitchFamily="34" charset="-122"/>
-                <a:cs typeface="微软雅黑" panose="020B0503020204020204" pitchFamily="34" charset="-122"/>
-              </a:defRPr>
-            </a:lvl2pPr>
-            <a:lvl3pPr marL="400050" indent="182880" algn="l" defTabSz="0" rtl="0" eaLnBrk="0" fontAlgn="base" hangingPunct="0">
-              <a:spcBef>
-                <a:spcPct val="0"/>
-              </a:spcBef>
-              <a:spcAft>
-                <a:spcPct val="15000"/>
-              </a:spcAft>
-              <a:buClr>
-                <a:schemeClr val="tx2"/>
-              </a:buClr>
-              <a:buFont typeface="Arial" panose="020B0604020202020204" pitchFamily="34" charset="0"/>
-              <a:buChar char="•"/>
-              <a:defRPr kumimoji="1" sz="1600">
-                <a:solidFill>
-                  <a:schemeClr val="bg2"/>
-                </a:solidFill>
-                <a:latin typeface="微软雅黑" panose="020B0503020204020204" pitchFamily="34" charset="-122"/>
-                <a:ea typeface="微软雅黑" panose="020B0503020204020204" pitchFamily="34" charset="-122"/>
-                <a:cs typeface="微软雅黑" panose="020B0503020204020204" pitchFamily="34" charset="-122"/>
-              </a:defRPr>
-            </a:lvl3pPr>
-            <a:lvl4pPr marL="825500" indent="-241300" algn="l" defTabSz="0" rtl="0" eaLnBrk="0" fontAlgn="base" hangingPunct="0">
-              <a:spcBef>
-                <a:spcPct val="0"/>
-              </a:spcBef>
-              <a:spcAft>
-                <a:spcPct val="15000"/>
-              </a:spcAft>
-              <a:buClr>
-                <a:schemeClr val="tx2"/>
-              </a:buClr>
-              <a:buFont typeface="Arial" panose="020B0604020202020204" pitchFamily="34" charset="0"/>
-              <a:buChar char="–"/>
-              <a:defRPr kumimoji="1" sz="1600">
-                <a:solidFill>
-                  <a:schemeClr val="bg2"/>
-                </a:solidFill>
-                <a:latin typeface="微软雅黑" panose="020B0503020204020204" pitchFamily="34" charset="-122"/>
-                <a:ea typeface="微软雅黑" panose="020B0503020204020204" pitchFamily="34" charset="-122"/>
-                <a:cs typeface="微软雅黑" panose="020B0503020204020204" pitchFamily="34" charset="-122"/>
-              </a:defRPr>
-            </a:lvl4pPr>
-            <a:lvl5pPr marL="2057400" indent="-228600" algn="l" defTabSz="0" rtl="0" eaLnBrk="0" fontAlgn="base" hangingPunct="0">
-              <a:spcBef>
-                <a:spcPct val="0"/>
-              </a:spcBef>
-              <a:spcAft>
-                <a:spcPct val="25000"/>
-              </a:spcAft>
-              <a:buClr>
-                <a:schemeClr val="tx2"/>
-              </a:buClr>
-              <a:buFont typeface="Arial" panose="020B0604020202020204" pitchFamily="34" charset="0"/>
-              <a:buChar char="–"/>
-              <a:defRPr kumimoji="1" sz="2000">
-                <a:solidFill>
-                  <a:schemeClr val="tx1"/>
-                </a:solidFill>
-                <a:latin typeface="+mn-lt"/>
-                <a:ea typeface="微软雅黑" panose="020B0503020204020204" pitchFamily="34" charset="-122"/>
-                <a:cs typeface="微软雅黑" panose="020B0503020204020204" pitchFamily="34" charset="-122"/>
-              </a:defRPr>
-            </a:lvl5pPr>
-            <a:lvl6pPr marL="2514600" indent="-228600" algn="l" defTabSz="0" rtl="0" eaLnBrk="0" fontAlgn="base" hangingPunct="0">
-              <a:spcBef>
-                <a:spcPct val="0"/>
-              </a:spcBef>
-              <a:spcAft>
-                <a:spcPct val="25000"/>
-              </a:spcAft>
-              <a:buClr>
-                <a:schemeClr val="tx2"/>
-              </a:buClr>
-              <a:buFont typeface="Arial" panose="020B0604020202020204" pitchFamily="34" charset="0"/>
-              <a:buChar char="–"/>
-              <a:defRPr>
-                <a:solidFill>
-                  <a:schemeClr val="tx1"/>
-                </a:solidFill>
-                <a:latin typeface="+mn-lt"/>
-              </a:defRPr>
-            </a:lvl6pPr>
-            <a:lvl7pPr marL="2971800" indent="-228600" algn="l" defTabSz="0" rtl="0" eaLnBrk="0" fontAlgn="base" hangingPunct="0">
-              <a:spcBef>
-                <a:spcPct val="0"/>
-              </a:spcBef>
-              <a:spcAft>
-                <a:spcPct val="25000"/>
-              </a:spcAft>
-              <a:buClr>
-                <a:schemeClr val="tx2"/>
-              </a:buClr>
-              <a:buFont typeface="Arial" panose="020B0604020202020204" pitchFamily="34" charset="0"/>
-              <a:buChar char="–"/>
-              <a:defRPr>
-                <a:solidFill>
-                  <a:schemeClr val="tx1"/>
-                </a:solidFill>
-                <a:latin typeface="+mn-lt"/>
-              </a:defRPr>
-            </a:lvl7pPr>
-            <a:lvl8pPr marL="3429000" indent="-228600" algn="l" defTabSz="0" rtl="0" eaLnBrk="0" fontAlgn="base" hangingPunct="0">
-              <a:spcBef>
-                <a:spcPct val="0"/>
-              </a:spcBef>
-              <a:spcAft>
-                <a:spcPct val="25000"/>
-              </a:spcAft>
-              <a:buClr>
-                <a:schemeClr val="tx2"/>
-              </a:buClr>
-              <a:buFont typeface="Arial" panose="020B0604020202020204" pitchFamily="34" charset="0"/>
-              <a:buChar char="–"/>
-              <a:defRPr>
-                <a:solidFill>
-                  <a:schemeClr val="tx1"/>
-                </a:solidFill>
-                <a:latin typeface="+mn-lt"/>
-              </a:defRPr>
-            </a:lvl8pPr>
-            <a:lvl9pPr marL="3886200" indent="-228600" algn="l" defTabSz="0" rtl="0" eaLnBrk="0" fontAlgn="base" hangingPunct="0">
-              <a:spcBef>
-                <a:spcPct val="0"/>
-              </a:spcBef>
-              <a:spcAft>
-                <a:spcPct val="25000"/>
-              </a:spcAft>
-              <a:buClr>
-                <a:schemeClr val="tx2"/>
-              </a:buClr>
-              <a:buFont typeface="Arial" panose="020B0604020202020204" pitchFamily="34" charset="0"/>
-              <a:buChar char="–"/>
-              <a:defRPr>
-                <a:solidFill>
-                  <a:schemeClr val="tx1"/>
-                </a:solidFill>
-                <a:latin typeface="+mn-lt"/>
-              </a:defRPr>
-            </a:lvl9pPr>
-          </a:lstStyle>
-          <a:p>
-            <a:pPr marL="0" lvl="0" indent="0" defTabSz="914400">
-              <a:spcAft>
-                <a:spcPct val="0"/>
-              </a:spcAft>
-              <a:buClrTx/>
-              <a:buNone/>
-            </a:pPr>
-            <a:r>
-              <a:rPr kumimoji="0" lang="zh-CN" altLang="en-US" sz="3200" dirty="0" smtClean="0">
-                <a:solidFill>
-                  <a:srgbClr val="C00000"/>
-                </a:solidFill>
-                <a:cs typeface="+mn-cs"/>
-                <a:sym typeface="+mn-ea"/>
-              </a:rPr>
-              <a:t>内容提纲</a:t>
-            </a:r>
-          </a:p>
-          <a:p>
-            <a:pPr marL="0" lvl="0" indent="0" defTabSz="914400">
-              <a:spcAft>
-                <a:spcPct val="0"/>
-              </a:spcAft>
-              <a:buClrTx/>
-              <a:buNone/>
-            </a:pPr>
-            <a:endParaRPr kumimoji="0" lang="en-US" altLang="zh-CN" sz="3200" dirty="0" smtClean="0">
-              <a:solidFill>
-                <a:srgbClr val="C00000"/>
-              </a:solidFill>
-              <a:cs typeface="+mn-cs"/>
-            </a:endParaRPr>
-          </a:p>
-          <a:p>
-            <a:endParaRPr lang="zh-CN" altLang="en-US" kern="0" dirty="0" smtClean="0"/>
-          </a:p>
-          <a:p>
-            <a:endParaRPr lang="zh-CN" altLang="en-US" kern="0" dirty="0"/>
-          </a:p>
-        </p:txBody>
-      </p:sp>
-    </p:spTree>
-  </p:cSld>
-  <p:clrMapOvr>
-    <a:masterClrMapping/>
-  </p:clrMapOvr>
-  <p:timing>
-    <p:tnLst>
-      <p:par>
-        <p:cTn id="1" dur="indefinite" restart="never" nodeType="tmRoot"/>
-      </p:par>
-    </p:tnLst>
-  </p:timing>
-</p:sld>
-</file>
-
-<file path=ppt/slides/slide12.xml><?xml version="1.0" encoding="utf-8"?>
-<p:sld xmlns:a="http://schemas.openxmlformats.org/drawingml/2006/main" xmlns:r="http://schemas.openxmlformats.org/officeDocument/2006/relationships" xmlns:p="http://schemas.openxmlformats.org/presentationml/2006/main">
-  <p:cSld>
-    <p:spTree>
-      <p:nvGrpSpPr>
-        <p:cNvPr id="1" name=""/>
-        <p:cNvGrpSpPr/>
-        <p:nvPr/>
-      </p:nvGrpSpPr>
-      <p:grpSpPr>
-        <a:xfrm>
-          <a:off x="0" y="0"/>
-          <a:ext cx="0" cy="0"/>
-          <a:chOff x="0" y="0"/>
-          <a:chExt cx="0" cy="0"/>
-        </a:xfrm>
-      </p:grpSpPr>
-      <p:sp>
-        <p:nvSpPr>
-          <p:cNvPr id="11266" name="内容占位符 1"/>
-          <p:cNvSpPr>
-            <a:spLocks noGrp="1"/>
-          </p:cNvSpPr>
-          <p:nvPr>
-            <p:ph sz="quarter" idx="10"/>
-          </p:nvPr>
-        </p:nvSpPr>
-        <p:spPr bwMode="auto">
-          <a:xfrm>
-            <a:off x="947420" y="796925"/>
-            <a:ext cx="10697210" cy="5115560"/>
-          </a:xfrm>
-          <a:noFill/>
-          <a:extLst>
-            <a:ext uri="{909E8E84-426E-40DD-AFC4-6F175D3DCCD1}">
-              <a14:hiddenFill xmlns:a14="http://schemas.microsoft.com/office/drawing/2010/main">
-                <a:solidFill>
-                  <a:srgbClr val="FFFFFF"/>
-                </a:solidFill>
-              </a14:hiddenFill>
-            </a:ext>
-            <a:ext uri="{91240B29-F687-4F45-9708-019B960494DF}">
-              <a14:hiddenLine xmlns:a14="http://schemas.microsoft.com/office/drawing/2010/main" w="9525">
-                <a:solidFill>
-                  <a:srgbClr val="000000"/>
-                </a:solidFill>
-                <a:miter lim="800000"/>
-                <a:headEnd/>
-                <a:tailEnd/>
-              </a14:hiddenLine>
-            </a:ext>
-          </a:extLst>
-        </p:spPr>
-        <p:txBody>
-          <a:bodyPr vert="horz" wrap="square" lIns="91440" tIns="45720" rIns="91440" bIns="45720" numCol="1" anchor="t" anchorCtr="0" compatLnSpc="1"/>
-          <a:lstStyle/>
-          <a:p>
-            <a:pPr>
-              <a:lnSpc>
-                <a:spcPct val="130000"/>
-              </a:lnSpc>
-            </a:pPr>
-            <a:r>
-              <a:rPr kumimoji="0" lang="zh-CN" sz="3200" dirty="0" smtClean="0">
-                <a:solidFill>
-                  <a:schemeClr val="tx1"/>
-                </a:solidFill>
-                <a:sym typeface="+mn-ea"/>
-              </a:rPr>
-              <a:t>交换变量（写法简洁，语义清晰）</a:t>
-            </a:r>
-            <a:br>
-              <a:rPr kumimoji="0" lang="zh-CN" sz="3200" dirty="0" smtClean="0">
-                <a:solidFill>
-                  <a:schemeClr val="tx1"/>
-                </a:solidFill>
-                <a:sym typeface="+mn-ea"/>
-              </a:rPr>
-            </a:br>
-            <a:endParaRPr kumimoji="0" lang="zh-CN" sz="2400" dirty="0" smtClean="0">
-              <a:solidFill>
-                <a:schemeClr val="tx1"/>
-              </a:solidFill>
-              <a:sym typeface="+mn-ea"/>
-            </a:endParaRPr>
-          </a:p>
-          <a:p>
-            <a:pPr>
-              <a:lnSpc>
-                <a:spcPct val="130000"/>
-              </a:lnSpc>
-            </a:pPr>
-            <a:endParaRPr kumimoji="0" lang="zh-CN" sz="2400" dirty="0" smtClean="0">
-              <a:solidFill>
-                <a:schemeClr val="tx1"/>
-              </a:solidFill>
-              <a:sym typeface="+mn-ea"/>
-            </a:endParaRPr>
-          </a:p>
-          <a:p>
-            <a:pPr>
-              <a:lnSpc>
-                <a:spcPct val="130000"/>
-              </a:lnSpc>
-            </a:pPr>
-            <a:r>
-              <a:rPr kumimoji="0" lang="zh-CN" sz="3200" dirty="0" smtClean="0">
-                <a:solidFill>
-                  <a:schemeClr val="tx1"/>
-                </a:solidFill>
-                <a:sym typeface="+mn-ea"/>
-              </a:rPr>
-              <a:t>从函数中返回多个值</a:t>
-            </a:r>
-            <a:br>
-              <a:rPr kumimoji="0" lang="zh-CN" sz="3200" dirty="0" smtClean="0">
-                <a:solidFill>
-                  <a:schemeClr val="tx1"/>
-                </a:solidFill>
-                <a:sym typeface="+mn-ea"/>
-              </a:rPr>
-            </a:br>
-            <a:r>
-              <a:rPr kumimoji="0" lang="en-US" altLang="zh-CN" sz="2000" dirty="0" smtClean="0">
-                <a:solidFill>
-                  <a:schemeClr val="tx1"/>
-                </a:solidFill>
-                <a:sym typeface="+mn-ea"/>
-              </a:rPr>
-              <a:t>- 函数只能返回一个值，如果要返回多个值，只能将它们放在数组或对象里返回</a:t>
-            </a:r>
-            <a:br>
-              <a:rPr kumimoji="0" lang="en-US" altLang="zh-CN" sz="2000" dirty="0" smtClean="0">
-                <a:solidFill>
-                  <a:schemeClr val="tx1"/>
-                </a:solidFill>
-                <a:sym typeface="+mn-ea"/>
-              </a:rPr>
-            </a:br>
-            <a:r>
-              <a:rPr kumimoji="0" lang="en-US" altLang="zh-CN" sz="2000" dirty="0" smtClean="0">
-                <a:solidFill>
-                  <a:schemeClr val="tx1"/>
-                </a:solidFill>
-                <a:sym typeface="+mn-ea"/>
-              </a:rPr>
-              <a:t>- 有了解构赋值，取出这些值就非常方便</a:t>
-            </a:r>
-          </a:p>
-          <a:p>
-            <a:pPr>
-              <a:lnSpc>
-                <a:spcPct val="130000"/>
-              </a:lnSpc>
-            </a:pPr>
-            <a:endParaRPr kumimoji="0" lang="zh-CN" sz="3200" dirty="0" smtClean="0">
-              <a:solidFill>
-                <a:schemeClr val="tx1"/>
-              </a:solidFill>
-              <a:sym typeface="+mn-ea"/>
-            </a:endParaRPr>
-          </a:p>
-          <a:p>
-            <a:pPr marL="0" indent="0">
-              <a:lnSpc>
-                <a:spcPct val="130000"/>
-              </a:lnSpc>
-              <a:buNone/>
-            </a:pPr>
-            <a:endParaRPr kumimoji="0" sz="3200" dirty="0" smtClean="0">
-              <a:solidFill>
-                <a:schemeClr val="tx1"/>
-              </a:solidFill>
-              <a:sym typeface="+mn-ea"/>
-            </a:endParaRPr>
-          </a:p>
-          <a:p>
-            <a:pPr marL="0" indent="0">
-              <a:lnSpc>
-                <a:spcPct val="130000"/>
-              </a:lnSpc>
-              <a:buNone/>
-            </a:pPr>
-            <a:endParaRPr kumimoji="0" lang="zh-CN" altLang="en-US" sz="3200" dirty="0" smtClean="0">
-              <a:solidFill>
-                <a:schemeClr val="tx1"/>
-              </a:solidFill>
-              <a:sym typeface="+mn-ea"/>
-            </a:endParaRPr>
-          </a:p>
-          <a:p>
-            <a:pPr>
-              <a:lnSpc>
-                <a:spcPct val="130000"/>
-              </a:lnSpc>
-            </a:pPr>
-            <a:endParaRPr kumimoji="0" lang="zh-CN" altLang="en-US" sz="3200" dirty="0" smtClean="0">
-              <a:solidFill>
-                <a:schemeClr val="tx1"/>
-              </a:solidFill>
-              <a:sym typeface="+mn-ea"/>
-            </a:endParaRPr>
-          </a:p>
-          <a:p>
-            <a:pPr>
-              <a:lnSpc>
-                <a:spcPct val="130000"/>
-              </a:lnSpc>
-            </a:pPr>
-            <a:endParaRPr kumimoji="0" lang="zh-CN" altLang="en-US" sz="3200" dirty="0" smtClean="0">
-              <a:solidFill>
-                <a:schemeClr val="tx1"/>
-              </a:solidFill>
-            </a:endParaRPr>
-          </a:p>
-          <a:p>
-            <a:pPr eaLnBrk="1" hangingPunct="1">
-              <a:lnSpc>
-                <a:spcPct val="150000"/>
-              </a:lnSpc>
-            </a:pPr>
-            <a:endParaRPr kumimoji="0" lang="en-US" altLang="zh-CN" sz="3600" dirty="0" smtClean="0">
-              <a:solidFill>
-                <a:schemeClr val="tx1"/>
-              </a:solidFill>
-            </a:endParaRPr>
-          </a:p>
-          <a:p>
-            <a:pPr eaLnBrk="1" hangingPunct="1">
-              <a:lnSpc>
-                <a:spcPct val="150000"/>
-              </a:lnSpc>
             </a:pPr>
             <a:endParaRPr kumimoji="0" lang="zh-CN" altLang="en-US" dirty="0" smtClean="0">
               <a:solidFill>
@@ -5392,7 +3928,7 @@
           <p:nvPr/>
         </p:nvPicPr>
         <p:blipFill>
-          <a:blip r:embed="rId3"/>
+          <a:blip r:embed="rId1"/>
           <a:stretch>
             <a:fillRect/>
           </a:stretch>
@@ -5416,7 +3952,7 @@
           <p:nvPr/>
         </p:nvPicPr>
         <p:blipFill>
-          <a:blip r:embed="rId4"/>
+          <a:blip r:embed="rId2"/>
           <a:stretch>
             <a:fillRect/>
           </a:stretch>
@@ -5924,7 +4460,7 @@
 </p:sld>
 </file>
 
-<file path=ppt/slides/slide13.xml><?xml version="1.0" encoding="utf-8"?>
+<file path=ppt/slides/slide11.xml><?xml version="1.0" encoding="utf-8"?>
 <p:sld xmlns:a="http://schemas.openxmlformats.org/drawingml/2006/main" xmlns:r="http://schemas.openxmlformats.org/officeDocument/2006/relationships" xmlns:p="http://schemas.openxmlformats.org/presentationml/2006/main">
   <p:cSld>
     <p:spTree>
@@ -6013,6 +4549,12 @@
               </a:rPr>
               <a:t>数据</a:t>
             </a:r>
+            <a:endParaRPr kumimoji="0" lang="zh-CN" altLang="en-US" sz="3200" dirty="0" smtClean="0">
+              <a:solidFill>
+                <a:schemeClr val="tx1"/>
+              </a:solidFill>
+              <a:sym typeface="+mn-ea"/>
+            </a:endParaRPr>
           </a:p>
           <a:p>
             <a:pPr>
@@ -6042,6 +4584,12 @@
               </a:rPr>
               <a:t>给函数指定默认参数</a:t>
             </a:r>
+            <a:endParaRPr kumimoji="0" lang="zh-CN" altLang="en-US" sz="3200" dirty="0" smtClean="0">
+              <a:solidFill>
+                <a:schemeClr val="tx1"/>
+              </a:solidFill>
+              <a:sym typeface="+mn-ea"/>
+            </a:endParaRPr>
           </a:p>
           <a:p>
             <a:pPr>
@@ -6276,7 +4824,7 @@
           <p:nvPr/>
         </p:nvPicPr>
         <p:blipFill>
-          <a:blip r:embed="rId3"/>
+          <a:blip r:embed="rId1"/>
           <a:stretch>
             <a:fillRect/>
           </a:stretch>
@@ -6300,7 +4848,7 @@
           <p:nvPr/>
         </p:nvPicPr>
         <p:blipFill>
-          <a:blip r:embed="rId4"/>
+          <a:blip r:embed="rId2"/>
           <a:stretch>
             <a:fillRect/>
           </a:stretch>
@@ -6808,7 +5356,7 @@
 </p:sld>
 </file>
 
-<file path=ppt/slides/slide14.xml><?xml version="1.0" encoding="utf-8"?>
+<file path=ppt/slides/slide12.xml><?xml version="1.0" encoding="utf-8"?>
 <p:sld xmlns:a="http://schemas.openxmlformats.org/drawingml/2006/main" xmlns:r="http://schemas.openxmlformats.org/officeDocument/2006/relationships" xmlns:p="http://schemas.openxmlformats.org/presentationml/2006/main">
   <p:cSld>
     <p:spTree>
@@ -6879,6 +5427,12 @@
               </a:rPr>
               <a:t>对于编译器来说，一个式子到底是模式，还是表达式，没有办法从一开始就知道，必须解析到（或解析不到）等号才能知道</a:t>
             </a:r>
+            <a:endParaRPr kumimoji="0" lang="zh-CN" sz="3200" dirty="0" smtClean="0">
+              <a:solidFill>
+                <a:schemeClr val="tx1"/>
+              </a:solidFill>
+              <a:sym typeface="+mn-ea"/>
+            </a:endParaRPr>
           </a:p>
           <a:p>
             <a:pPr>
@@ -6895,6 +5449,12 @@
               </a:rPr>
               <a:t>由此带来的问题是，如果模式中出现圆括号怎么处理，ES6的规则是，只要有可能导致解构的歧义，就不得使用圆括号</a:t>
             </a:r>
+            <a:endParaRPr kumimoji="0" lang="zh-CN" sz="3200" dirty="0" smtClean="0">
+              <a:solidFill>
+                <a:schemeClr val="tx1"/>
+              </a:solidFill>
+              <a:sym typeface="+mn-ea"/>
+            </a:endParaRPr>
           </a:p>
           <a:p>
             <a:pPr>
@@ -6911,6 +5471,12 @@
               </a:rPr>
               <a:t>建议只要有可能，就不要在模式中放置圆括号</a:t>
             </a:r>
+            <a:endParaRPr kumimoji="0" lang="zh-CN" sz="3200" dirty="0" smtClean="0">
+              <a:solidFill>
+                <a:schemeClr val="tx1"/>
+              </a:solidFill>
+              <a:sym typeface="+mn-ea"/>
+            </a:endParaRPr>
           </a:p>
           <a:p>
             <a:pPr marL="0" indent="0">
@@ -7527,7 +6093,7 @@
 </p:sld>
 </file>
 
-<file path=ppt/slides/slide15.xml><?xml version="1.0" encoding="utf-8"?>
+<file path=ppt/slides/slide13.xml><?xml version="1.0" encoding="utf-8"?>
 <p:sld xmlns:a="http://schemas.openxmlformats.org/drawingml/2006/main" xmlns:r="http://schemas.openxmlformats.org/officeDocument/2006/relationships" xmlns:p="http://schemas.openxmlformats.org/presentationml/2006/main">
   <p:cSld>
     <p:spTree>
@@ -7553,7 +6119,7 @@
           <p:nvPr/>
         </p:nvPicPr>
         <p:blipFill>
-          <a:blip r:embed="rId2">
+          <a:blip r:embed="rId1">
             <a:extLst>
               <a:ext uri="{28A0092B-C50C-407E-A947-70E740481C1C}">
                 <a14:useLocalDpi xmlns:a14="http://schemas.microsoft.com/office/drawing/2010/main" val="0"/>
@@ -7671,7 +6237,7 @@
           <p:nvPr/>
         </p:nvPicPr>
         <p:blipFill>
-          <a:blip r:embed="rId3">
+          <a:blip r:embed="rId2">
             <a:extLst>
               <a:ext uri="{28A0092B-C50C-407E-A947-70E740481C1C}">
                 <a14:useLocalDpi xmlns:a14="http://schemas.microsoft.com/office/drawing/2010/main" val="0"/>
@@ -7731,7 +6297,7 @@
 </p:sld>
 </file>
 
-<file path=ppt/slides/slide16.xml><?xml version="1.0" encoding="utf-8"?>
+<file path=ppt/slides/slide14.xml><?xml version="1.0" encoding="utf-8"?>
 <p:sld xmlns:a="http://schemas.openxmlformats.org/drawingml/2006/main" xmlns:r="http://schemas.openxmlformats.org/officeDocument/2006/relationships" xmlns:p="http://schemas.openxmlformats.org/presentationml/2006/main">
   <p:cSld>
     <p:spTree>
@@ -7802,6 +6368,12 @@
               </a:rPr>
               <a:t>复习本章的课件和练习</a:t>
             </a:r>
+            <a:endParaRPr kumimoji="0" lang="zh-CN" sz="3200" dirty="0" smtClean="0">
+              <a:solidFill>
+                <a:schemeClr val="tx1"/>
+              </a:solidFill>
+              <a:sym typeface="+mn-ea"/>
+            </a:endParaRPr>
           </a:p>
           <a:p>
             <a:pPr>
@@ -7854,6 +6426,12 @@
               </a:rPr>
               <a:t>章</a:t>
             </a:r>
+            <a:endParaRPr kumimoji="0" lang="zh-CN" altLang="en-US" sz="3200" dirty="0" smtClean="0">
+              <a:solidFill>
+                <a:schemeClr val="tx1"/>
+              </a:solidFill>
+              <a:sym typeface="+mn-ea"/>
+            </a:endParaRPr>
           </a:p>
           <a:p>
             <a:pPr marL="0" indent="0">
@@ -7958,6 +6536,7 @@
               <a:rPr kumimoji="0" lang="zh-CN" dirty="0"/>
               <a:t>作业</a:t>
             </a:r>
+            <a:endParaRPr kumimoji="0" lang="zh-CN" dirty="0"/>
           </a:p>
         </p:txBody>
       </p:sp>
@@ -7977,1404 +6556,6 @@
 </file>
 
 <file path=ppt/slides/slide2.xml><?xml version="1.0" encoding="utf-8"?>
-<p:sld xmlns:a="http://schemas.openxmlformats.org/drawingml/2006/main" xmlns:r="http://schemas.openxmlformats.org/officeDocument/2006/relationships" xmlns:p="http://schemas.openxmlformats.org/presentationml/2006/main">
-  <p:cSld>
-    <p:spTree>
-      <p:nvGrpSpPr>
-        <p:cNvPr id="1" name=""/>
-        <p:cNvGrpSpPr/>
-        <p:nvPr/>
-      </p:nvGrpSpPr>
-      <p:grpSpPr>
-        <a:xfrm>
-          <a:off x="0" y="0"/>
-          <a:ext cx="0" cy="0"/>
-          <a:chOff x="0" y="0"/>
-          <a:chExt cx="0" cy="0"/>
-        </a:xfrm>
-      </p:grpSpPr>
-      <p:sp>
-        <p:nvSpPr>
-          <p:cNvPr id="2" name="内容占位符 1"/>
-          <p:cNvSpPr>
-            <a:spLocks noGrp="1"/>
-          </p:cNvSpPr>
-          <p:nvPr>
-            <p:ph sz="quarter" idx="10"/>
-          </p:nvPr>
-        </p:nvSpPr>
-        <p:spPr>
-          <a:xfrm>
-            <a:off x="855980" y="855345"/>
-            <a:ext cx="10841990" cy="5238115"/>
-          </a:xfrm>
-        </p:spPr>
-        <p:txBody>
-          <a:bodyPr/>
-          <a:lstStyle/>
-          <a:p>
-            <a:r>
-              <a:rPr kumimoji="0" lang="en-US" altLang="zh-CN" sz="3200" dirty="0">
-                <a:solidFill>
-                  <a:schemeClr val="tx1"/>
-                </a:solidFill>
-                <a:sym typeface="+mn-ea"/>
-              </a:rPr>
-              <a:t>ECMAScript</a:t>
-            </a:r>
-            <a:r>
-              <a:rPr kumimoji="0" lang="zh-CN" altLang="en-US" sz="3200" dirty="0">
-                <a:solidFill>
-                  <a:schemeClr val="tx1"/>
-                </a:solidFill>
-                <a:sym typeface="+mn-ea"/>
-              </a:rPr>
-              <a:t>（</a:t>
-            </a:r>
-            <a:r>
-              <a:rPr kumimoji="0" lang="en-US" altLang="zh-CN" sz="3200" dirty="0">
-                <a:solidFill>
-                  <a:schemeClr val="tx1"/>
-                </a:solidFill>
-                <a:sym typeface="+mn-ea"/>
-              </a:rPr>
-              <a:t>ES</a:t>
-            </a:r>
-            <a:r>
-              <a:rPr kumimoji="0" lang="zh-CN" altLang="en-US" sz="3200" dirty="0">
-                <a:solidFill>
-                  <a:schemeClr val="tx1"/>
-                </a:solidFill>
-                <a:sym typeface="+mn-ea"/>
-              </a:rPr>
-              <a:t>）是</a:t>
-            </a:r>
-            <a:r>
-              <a:rPr kumimoji="0" lang="en-US" altLang="zh-CN" sz="3200" dirty="0">
-                <a:solidFill>
-                  <a:schemeClr val="tx1"/>
-                </a:solidFill>
-                <a:sym typeface="+mn-ea"/>
-              </a:rPr>
-              <a:t>JavaScript</a:t>
-            </a:r>
-            <a:r>
-              <a:rPr kumimoji="0" lang="zh-CN" altLang="en-US" sz="3200" dirty="0">
-                <a:solidFill>
-                  <a:schemeClr val="tx1"/>
-                </a:solidFill>
-                <a:sym typeface="+mn-ea"/>
-              </a:rPr>
-              <a:t>的语法标准</a:t>
-            </a:r>
-            <a:endParaRPr kumimoji="0" lang="zh-CN" altLang="en-US" sz="1800" dirty="0">
-              <a:solidFill>
-                <a:schemeClr val="tx1"/>
-              </a:solidFill>
-            </a:endParaRPr>
-          </a:p>
-          <a:p>
-            <a:r>
-              <a:rPr kumimoji="0" lang="en-US" altLang="zh-CN" sz="3200" dirty="0">
-                <a:solidFill>
-                  <a:schemeClr val="tx1"/>
-                </a:solidFill>
-                <a:sym typeface="+mn-ea"/>
-              </a:rPr>
-              <a:t>ECMAScript</a:t>
-            </a:r>
-            <a:r>
-              <a:rPr kumimoji="0" lang="zh-CN" altLang="en-US" sz="3200" dirty="0">
-                <a:solidFill>
-                  <a:schemeClr val="tx1"/>
-                </a:solidFill>
-                <a:sym typeface="+mn-ea"/>
-              </a:rPr>
-              <a:t>的版本</a:t>
-            </a:r>
-            <a:r>
-              <a:rPr kumimoji="0" lang="zh-CN" altLang="en-US" sz="3200" dirty="0">
-                <a:solidFill>
-                  <a:schemeClr val="tx1"/>
-                </a:solidFill>
-              </a:rPr>
-              <a:t>（</a:t>
-            </a:r>
-            <a:r>
-              <a:rPr kumimoji="0" lang="en-US" altLang="zh-CN" sz="3200" dirty="0">
-                <a:solidFill>
-                  <a:schemeClr val="tx1"/>
-                </a:solidFill>
-              </a:rPr>
-              <a:t>ES5</a:t>
-            </a:r>
-            <a:r>
-              <a:rPr kumimoji="0" lang="zh-CN" altLang="en-US" sz="3200" dirty="0">
-                <a:solidFill>
-                  <a:schemeClr val="tx1"/>
-                </a:solidFill>
-              </a:rPr>
-              <a:t>、</a:t>
-            </a:r>
-            <a:r>
-              <a:rPr kumimoji="0" lang="en-US" altLang="zh-CN" sz="3200" dirty="0">
-                <a:solidFill>
-                  <a:schemeClr val="tx1"/>
-                </a:solidFill>
-              </a:rPr>
-              <a:t>ES6</a:t>
-            </a:r>
-            <a:r>
-              <a:rPr kumimoji="0" lang="zh-CN" altLang="en-US" sz="3200" dirty="0">
-                <a:solidFill>
-                  <a:schemeClr val="tx1"/>
-                </a:solidFill>
-              </a:rPr>
-              <a:t>）</a:t>
-            </a:r>
-            <a:r>
-              <a:rPr kumimoji="0" lang="zh-CN" altLang="en-US" dirty="0">
-                <a:solidFill>
-                  <a:schemeClr val="tx1"/>
-                </a:solidFill>
-              </a:rPr>
-              <a:t/>
-            </a:r>
-            <a:br>
-              <a:rPr kumimoji="0" lang="zh-CN" altLang="en-US" dirty="0">
-                <a:solidFill>
-                  <a:schemeClr val="tx1"/>
-                </a:solidFill>
-              </a:rPr>
-            </a:br>
-            <a:r>
-              <a:rPr kumimoji="0" lang="en-US" altLang="zh-CN" sz="2000" dirty="0">
-                <a:solidFill>
-                  <a:schemeClr val="tx1"/>
-                </a:solidFill>
-              </a:rPr>
-              <a:t>- ES5</a:t>
-            </a:r>
-            <a:r>
-              <a:rPr kumimoji="0" lang="zh-CN" altLang="en-US" sz="2000" dirty="0">
-                <a:solidFill>
-                  <a:schemeClr val="tx1"/>
-                </a:solidFill>
-              </a:rPr>
-              <a:t>（</a:t>
-            </a:r>
-            <a:r>
-              <a:rPr kumimoji="0" lang="en-US" altLang="zh-CN" sz="2000" dirty="0">
-                <a:solidFill>
-                  <a:schemeClr val="tx1"/>
-                </a:solidFill>
-              </a:rPr>
-              <a:t>2009年12月发布</a:t>
-            </a:r>
-            <a:r>
-              <a:rPr kumimoji="0" lang="zh-CN" altLang="en-US" sz="2000" dirty="0">
-                <a:solidFill>
-                  <a:schemeClr val="tx1"/>
-                </a:solidFill>
-              </a:rPr>
-              <a:t>）</a:t>
-            </a:r>
-            <a:br>
-              <a:rPr kumimoji="0" lang="zh-CN" altLang="en-US" sz="2000" dirty="0">
-                <a:solidFill>
-                  <a:schemeClr val="tx1"/>
-                </a:solidFill>
-              </a:rPr>
-            </a:br>
-            <a:r>
-              <a:rPr kumimoji="0" lang="en-US" altLang="zh-CN" sz="2000" dirty="0">
-                <a:solidFill>
-                  <a:schemeClr val="tx1"/>
-                </a:solidFill>
-              </a:rPr>
-              <a:t>- </a:t>
-            </a:r>
-            <a:r>
-              <a:rPr kumimoji="0" lang="en-US" altLang="zh-CN" sz="2000" dirty="0">
-                <a:solidFill>
-                  <a:schemeClr val="tx1"/>
-                </a:solidFill>
-                <a:sym typeface="+mn-ea"/>
-              </a:rPr>
-              <a:t>ES6</a:t>
-            </a:r>
-            <a:r>
-              <a:rPr kumimoji="0" lang="zh-CN" altLang="en-US" sz="2000" dirty="0">
-                <a:solidFill>
-                  <a:schemeClr val="tx1"/>
-                </a:solidFill>
-                <a:sym typeface="+mn-ea"/>
-              </a:rPr>
-              <a:t>（</a:t>
-            </a:r>
-            <a:r>
-              <a:rPr kumimoji="0" sz="2000" dirty="0">
-                <a:solidFill>
-                  <a:schemeClr val="tx1"/>
-                </a:solidFill>
-                <a:sym typeface="+mn-ea"/>
-              </a:rPr>
-              <a:t>2015年</a:t>
-            </a:r>
-            <a:r>
-              <a:rPr kumimoji="0" lang="en-US" sz="2000" dirty="0">
-                <a:solidFill>
-                  <a:schemeClr val="tx1"/>
-                </a:solidFill>
-                <a:sym typeface="+mn-ea"/>
-              </a:rPr>
-              <a:t>0</a:t>
-            </a:r>
-            <a:r>
-              <a:rPr kumimoji="0" sz="2000" dirty="0">
-                <a:solidFill>
-                  <a:schemeClr val="tx1"/>
-                </a:solidFill>
-                <a:sym typeface="+mn-ea"/>
-              </a:rPr>
-              <a:t>6</a:t>
-            </a:r>
-            <a:r>
-              <a:rPr kumimoji="0" lang="zh-CN" sz="2000" dirty="0">
-                <a:solidFill>
-                  <a:schemeClr val="tx1"/>
-                </a:solidFill>
-                <a:sym typeface="+mn-ea"/>
-              </a:rPr>
-              <a:t>月</a:t>
-            </a:r>
-            <a:r>
-              <a:rPr kumimoji="0" sz="2000" dirty="0">
-                <a:solidFill>
-                  <a:schemeClr val="tx1"/>
-                </a:solidFill>
-                <a:sym typeface="+mn-ea"/>
-              </a:rPr>
-              <a:t>发布</a:t>
-            </a:r>
-            <a:r>
-              <a:rPr kumimoji="0" lang="zh-CN" altLang="en-US" sz="2000" dirty="0">
-                <a:solidFill>
-                  <a:schemeClr val="tx1"/>
-                </a:solidFill>
-                <a:sym typeface="+mn-ea"/>
-              </a:rPr>
-              <a:t>）增加了许多新特性，并解决了很多</a:t>
-            </a:r>
-            <a:r>
-              <a:rPr kumimoji="0" lang="en-US" altLang="zh-CN" sz="2000" dirty="0">
-                <a:solidFill>
-                  <a:schemeClr val="tx1"/>
-                </a:solidFill>
-                <a:sym typeface="+mn-ea"/>
-              </a:rPr>
-              <a:t>ES5</a:t>
-            </a:r>
-            <a:r>
-              <a:rPr kumimoji="0" lang="zh-CN" altLang="en-US" sz="2000" dirty="0">
-                <a:solidFill>
-                  <a:schemeClr val="tx1"/>
-                </a:solidFill>
-                <a:sym typeface="+mn-ea"/>
-              </a:rPr>
-              <a:t>中的缺陷</a:t>
-            </a:r>
-          </a:p>
-          <a:p>
-            <a:r>
-              <a:rPr lang="zh-CN" sz="3200">
-                <a:solidFill>
-                  <a:schemeClr val="tx1"/>
-                </a:solidFill>
-                <a:latin typeface="+mn-ea"/>
-                <a:ea typeface="+mn-ea"/>
-                <a:sym typeface="+mn-ea"/>
-              </a:rPr>
-              <a:t>如何查看当前环境对</a:t>
-            </a:r>
-            <a:r>
-              <a:rPr lang="en-US" altLang="zh-CN" sz="3200">
-                <a:solidFill>
-                  <a:schemeClr val="tx1"/>
-                </a:solidFill>
-                <a:latin typeface="+mn-ea"/>
-                <a:ea typeface="+mn-ea"/>
-                <a:sym typeface="+mn-ea"/>
-              </a:rPr>
-              <a:t>ES6</a:t>
-            </a:r>
-            <a:r>
-              <a:rPr lang="zh-CN" altLang="en-US" sz="3200">
-                <a:solidFill>
-                  <a:schemeClr val="tx1"/>
-                </a:solidFill>
-                <a:latin typeface="+mn-ea"/>
-                <a:ea typeface="+mn-ea"/>
-                <a:sym typeface="+mn-ea"/>
-              </a:rPr>
-              <a:t>的支持情况</a:t>
-            </a:r>
-            <a:r>
-              <a:rPr lang="zh-CN" altLang="en-US" sz="2000">
-                <a:solidFill>
-                  <a:schemeClr val="tx1"/>
-                </a:solidFill>
-                <a:latin typeface="+mn-ea"/>
-                <a:ea typeface="+mn-ea"/>
-                <a:sym typeface="+mn-ea"/>
-              </a:rPr>
-              <a:t/>
-            </a:r>
-            <a:br>
-              <a:rPr lang="zh-CN" altLang="en-US" sz="2000">
-                <a:solidFill>
-                  <a:schemeClr val="tx1"/>
-                </a:solidFill>
-                <a:latin typeface="+mn-ea"/>
-                <a:ea typeface="+mn-ea"/>
-                <a:sym typeface="+mn-ea"/>
-              </a:rPr>
-            </a:br>
-            <a:r>
-              <a:rPr lang="en-US" altLang="zh-CN" sz="2000">
-                <a:solidFill>
-                  <a:schemeClr val="tx1"/>
-                </a:solidFill>
-                <a:latin typeface="+mn-ea"/>
-                <a:ea typeface="+mn-ea"/>
-                <a:sym typeface="+mn-ea"/>
-              </a:rPr>
-              <a:t>- </a:t>
-            </a:r>
-            <a:r>
-              <a:rPr lang="zh-CN" altLang="en-US" sz="2000">
-                <a:solidFill>
-                  <a:schemeClr val="tx1"/>
-                </a:solidFill>
-                <a:latin typeface="+mn-ea"/>
-                <a:ea typeface="+mn-ea"/>
-                <a:sym typeface="+mn-ea"/>
-              </a:rPr>
-              <a:t>http</a:t>
-            </a:r>
-            <a:r>
-              <a:rPr lang="en-US" altLang="zh-CN" sz="2000">
-                <a:solidFill>
-                  <a:schemeClr val="tx1"/>
-                </a:solidFill>
-                <a:latin typeface="+mn-ea"/>
-                <a:ea typeface="+mn-ea"/>
-                <a:sym typeface="+mn-ea"/>
-              </a:rPr>
-              <a:t>s</a:t>
-            </a:r>
-            <a:r>
-              <a:rPr lang="zh-CN" altLang="en-US" sz="2000">
-                <a:solidFill>
-                  <a:schemeClr val="tx1"/>
-                </a:solidFill>
-                <a:latin typeface="+mn-ea"/>
-                <a:ea typeface="+mn-ea"/>
-                <a:sym typeface="+mn-ea"/>
-              </a:rPr>
-              <a:t>://ruanyf.github.io/es-checker/index.cn.html</a:t>
-            </a:r>
-            <a:br>
-              <a:rPr lang="zh-CN" altLang="en-US" sz="2000">
-                <a:solidFill>
-                  <a:schemeClr val="tx1"/>
-                </a:solidFill>
-                <a:latin typeface="+mn-ea"/>
-                <a:ea typeface="+mn-ea"/>
-                <a:sym typeface="+mn-ea"/>
-              </a:rPr>
-            </a:br>
-            <a:r>
-              <a:rPr lang="en-US" altLang="zh-CN" sz="2000">
-                <a:solidFill>
-                  <a:schemeClr val="tx1"/>
-                </a:solidFill>
-                <a:latin typeface="+mn-ea"/>
-                <a:ea typeface="+mn-ea"/>
-                <a:sym typeface="+mn-ea"/>
-              </a:rPr>
-              <a:t>- </a:t>
-            </a:r>
-            <a:r>
-              <a:rPr lang="zh-CN" altLang="en-US" sz="2000">
-                <a:solidFill>
-                  <a:schemeClr val="tx1"/>
-                </a:solidFill>
-                <a:latin typeface="+mn-ea"/>
-                <a:ea typeface="+mn-ea"/>
-                <a:sym typeface="+mn-ea"/>
-              </a:rPr>
-              <a:t>https://kangax.github.io/compat-table/es6/  和  http://node.green/  </a:t>
-            </a:r>
-          </a:p>
-          <a:p>
-            <a:r>
-              <a:rPr lang="zh-CN" altLang="en-US" sz="3200">
-                <a:solidFill>
-                  <a:schemeClr val="tx1"/>
-                </a:solidFill>
-                <a:latin typeface="+mn-ea"/>
-                <a:ea typeface="+mn-ea"/>
-                <a:sym typeface="+mn-ea"/>
-              </a:rPr>
-              <a:t>遇到兼容问题时如何将</a:t>
-            </a:r>
-            <a:r>
-              <a:rPr lang="en-US" altLang="zh-CN" sz="3200">
-                <a:solidFill>
-                  <a:schemeClr val="tx1"/>
-                </a:solidFill>
-                <a:latin typeface="+mn-ea"/>
-                <a:ea typeface="+mn-ea"/>
-                <a:sym typeface="+mn-ea"/>
-              </a:rPr>
-              <a:t>ES6</a:t>
-            </a:r>
-            <a:r>
-              <a:rPr lang="zh-CN" altLang="en-US" sz="3200">
-                <a:solidFill>
-                  <a:schemeClr val="tx1"/>
-                </a:solidFill>
-                <a:latin typeface="+mn-ea"/>
-                <a:ea typeface="+mn-ea"/>
-                <a:sym typeface="+mn-ea"/>
-              </a:rPr>
-              <a:t>转为</a:t>
-            </a:r>
-            <a:r>
-              <a:rPr lang="en-US" altLang="zh-CN" sz="3200">
-                <a:solidFill>
-                  <a:schemeClr val="tx1"/>
-                </a:solidFill>
-                <a:latin typeface="+mn-ea"/>
-                <a:ea typeface="+mn-ea"/>
-                <a:sym typeface="+mn-ea"/>
-              </a:rPr>
-              <a:t>ES5</a:t>
-            </a:r>
-            <a:r>
-              <a:rPr lang="zh-CN" altLang="en-US" sz="3200">
-                <a:solidFill>
-                  <a:schemeClr val="tx1"/>
-                </a:solidFill>
-                <a:latin typeface="+mn-ea"/>
-                <a:ea typeface="+mn-ea"/>
-                <a:sym typeface="+mn-ea"/>
-              </a:rPr>
-              <a:t>（http://babeljs.io/）</a:t>
-            </a:r>
-          </a:p>
-          <a:p>
-            <a:endParaRPr kumimoji="0" lang="en-US" altLang="zh-CN" sz="2000" dirty="0">
-              <a:solidFill>
-                <a:srgbClr val="FF0000"/>
-              </a:solidFill>
-              <a:latin typeface="+mn-ea"/>
-              <a:ea typeface="+mn-ea"/>
-              <a:sym typeface="+mn-ea"/>
-            </a:endParaRPr>
-          </a:p>
-        </p:txBody>
-      </p:sp>
-      <p:sp>
-        <p:nvSpPr>
-          <p:cNvPr id="3" name="内容占位符 2"/>
-          <p:cNvSpPr>
-            <a:spLocks noGrp="1"/>
-          </p:cNvSpPr>
-          <p:nvPr>
-            <p:ph sz="quarter" idx="11"/>
-          </p:nvPr>
-        </p:nvSpPr>
-        <p:spPr>
-          <a:xfrm>
-            <a:off x="981710" y="236855"/>
-            <a:ext cx="8922385" cy="490220"/>
-          </a:xfrm>
-        </p:spPr>
-        <p:txBody>
-          <a:bodyPr/>
-          <a:lstStyle/>
-          <a:p>
-            <a:r>
-              <a:rPr lang="zh-CN" altLang="en-US" dirty="0"/>
-              <a:t>背景</a:t>
-            </a:r>
-            <a:r>
-              <a:rPr lang="zh-CN" dirty="0">
-                <a:sym typeface="+mn-ea"/>
-              </a:rPr>
-              <a:t>知识</a:t>
-            </a:r>
-            <a:r>
-              <a:rPr lang="zh-CN" altLang="en-US" dirty="0"/>
-              <a:t>（</a:t>
-            </a:r>
-            <a:r>
-              <a:rPr lang="en-US" altLang="zh-CN" dirty="0"/>
-              <a:t>ES5</a:t>
-            </a:r>
-            <a:r>
-              <a:rPr lang="zh-CN" altLang="en-US" dirty="0"/>
-              <a:t>、</a:t>
-            </a:r>
-            <a:r>
-              <a:rPr lang="en-US" altLang="zh-CN" dirty="0"/>
-              <a:t>ES6</a:t>
-            </a:r>
-            <a:r>
-              <a:rPr lang="zh-CN" altLang="en-US" dirty="0"/>
-              <a:t>）</a:t>
-            </a:r>
-          </a:p>
-          <a:p>
-            <a:endParaRPr lang="zh-CN" altLang="en-US" dirty="0"/>
-          </a:p>
-        </p:txBody>
-      </p:sp>
-    </p:spTree>
-  </p:cSld>
-  <p:clrMapOvr>
-    <a:masterClrMapping/>
-  </p:clrMapOvr>
-  <p:timing>
-    <p:tnLst>
-      <p:par>
-        <p:cTn id="1" dur="indefinite" restart="never" nodeType="tmRoot">
-          <p:childTnLst>
-            <p:seq concurrent="1" nextAc="seek">
-              <p:cTn id="2" dur="indefinite" nodeType="mainSeq">
-                <p:childTnLst>
-                  <p:par>
-                    <p:cTn id="3" fill="hold">
-                      <p:stCondLst>
-                        <p:cond delay="indefinite"/>
-                      </p:stCondLst>
-                      <p:childTnLst>
-                        <p:par>
-                          <p:cTn id="4" fill="hold">
-                            <p:stCondLst>
-                              <p:cond delay="0"/>
-                            </p:stCondLst>
-                            <p:childTnLst>
-                              <p:par>
-                                <p:cTn id="5" presetID="2" presetClass="entr" presetSubtype="4" fill="hold" nodeType="clickEffect">
-                                  <p:stCondLst>
-                                    <p:cond delay="0"/>
-                                  </p:stCondLst>
-                                  <p:childTnLst>
-                                    <p:set>
-                                      <p:cBhvr>
-                                        <p:cTn id="6" dur="1" fill="hold">
-                                          <p:stCondLst>
-                                            <p:cond delay="0"/>
-                                          </p:stCondLst>
-                                        </p:cTn>
-                                        <p:tgtEl>
-                                          <p:spTgt spid="2">
-                                            <p:txEl>
-                                              <p:pRg st="0" end="0"/>
-                                            </p:txEl>
-                                          </p:spTgt>
-                                        </p:tgtEl>
-                                        <p:attrNameLst>
-                                          <p:attrName>style.visibility</p:attrName>
-                                        </p:attrNameLst>
-                                      </p:cBhvr>
-                                      <p:to>
-                                        <p:strVal val="visible"/>
-                                      </p:to>
-                                    </p:set>
-                                    <p:anim calcmode="lin" valueType="num">
-                                      <p:cBhvr additive="base">
-                                        <p:cTn id="7" dur="500" fill="hold"/>
-                                        <p:tgtEl>
-                                          <p:spTgt spid="2">
-                                            <p:txEl>
-                                              <p:pRg st="0" end="0"/>
-                                            </p:txEl>
-                                          </p:spTgt>
-                                        </p:tgtEl>
-                                        <p:attrNameLst>
-                                          <p:attrName>ppt_x</p:attrName>
-                                        </p:attrNameLst>
-                                      </p:cBhvr>
-                                      <p:tavLst>
-                                        <p:tav tm="0">
-                                          <p:val>
-                                            <p:strVal val="#ppt_x"/>
-                                          </p:val>
-                                        </p:tav>
-                                        <p:tav tm="100000">
-                                          <p:val>
-                                            <p:strVal val="#ppt_x"/>
-                                          </p:val>
-                                        </p:tav>
-                                      </p:tavLst>
-                                    </p:anim>
-                                    <p:anim calcmode="lin" valueType="num">
-                                      <p:cBhvr additive="base">
-                                        <p:cTn id="8" dur="500" fill="hold"/>
-                                        <p:tgtEl>
-                                          <p:spTgt spid="2">
-                                            <p:txEl>
-                                              <p:pRg st="0" end="0"/>
-                                            </p:txEl>
-                                          </p:spTgt>
-                                        </p:tgtEl>
-                                        <p:attrNameLst>
-                                          <p:attrName>ppt_y</p:attrName>
-                                        </p:attrNameLst>
-                                      </p:cBhvr>
-                                      <p:tavLst>
-                                        <p:tav tm="0">
-                                          <p:val>
-                                            <p:strVal val="1+#ppt_h/2"/>
-                                          </p:val>
-                                        </p:tav>
-                                        <p:tav tm="100000">
-                                          <p:val>
-                                            <p:strVal val="#ppt_y"/>
-                                          </p:val>
-                                        </p:tav>
-                                      </p:tavLst>
-                                    </p:anim>
-                                  </p:childTnLst>
-                                </p:cTn>
-                              </p:par>
-                            </p:childTnLst>
-                          </p:cTn>
-                        </p:par>
-                      </p:childTnLst>
-                    </p:cTn>
-                  </p:par>
-                  <p:par>
-                    <p:cTn id="9" fill="hold">
-                      <p:stCondLst>
-                        <p:cond delay="indefinite"/>
-                      </p:stCondLst>
-                      <p:childTnLst>
-                        <p:par>
-                          <p:cTn id="10" fill="hold">
-                            <p:stCondLst>
-                              <p:cond delay="0"/>
-                            </p:stCondLst>
-                            <p:childTnLst>
-                              <p:par>
-                                <p:cTn id="11" presetID="2" presetClass="entr" presetSubtype="4" fill="hold" nodeType="clickEffect">
-                                  <p:stCondLst>
-                                    <p:cond delay="0"/>
-                                  </p:stCondLst>
-                                  <p:childTnLst>
-                                    <p:set>
-                                      <p:cBhvr>
-                                        <p:cTn id="12" dur="1" fill="hold">
-                                          <p:stCondLst>
-                                            <p:cond delay="0"/>
-                                          </p:stCondLst>
-                                        </p:cTn>
-                                        <p:tgtEl>
-                                          <p:spTgt spid="2">
-                                            <p:txEl>
-                                              <p:pRg st="1" end="1"/>
-                                            </p:txEl>
-                                          </p:spTgt>
-                                        </p:tgtEl>
-                                        <p:attrNameLst>
-                                          <p:attrName>style.visibility</p:attrName>
-                                        </p:attrNameLst>
-                                      </p:cBhvr>
-                                      <p:to>
-                                        <p:strVal val="visible"/>
-                                      </p:to>
-                                    </p:set>
-                                    <p:anim calcmode="lin" valueType="num">
-                                      <p:cBhvr additive="base">
-                                        <p:cTn id="13" dur="500" fill="hold"/>
-                                        <p:tgtEl>
-                                          <p:spTgt spid="2">
-                                            <p:txEl>
-                                              <p:pRg st="1" end="1"/>
-                                            </p:txEl>
-                                          </p:spTgt>
-                                        </p:tgtEl>
-                                        <p:attrNameLst>
-                                          <p:attrName>ppt_x</p:attrName>
-                                        </p:attrNameLst>
-                                      </p:cBhvr>
-                                      <p:tavLst>
-                                        <p:tav tm="0">
-                                          <p:val>
-                                            <p:strVal val="#ppt_x"/>
-                                          </p:val>
-                                        </p:tav>
-                                        <p:tav tm="100000">
-                                          <p:val>
-                                            <p:strVal val="#ppt_x"/>
-                                          </p:val>
-                                        </p:tav>
-                                      </p:tavLst>
-                                    </p:anim>
-                                    <p:anim calcmode="lin" valueType="num">
-                                      <p:cBhvr additive="base">
-                                        <p:cTn id="14" dur="500" fill="hold"/>
-                                        <p:tgtEl>
-                                          <p:spTgt spid="2">
-                                            <p:txEl>
-                                              <p:pRg st="1" end="1"/>
-                                            </p:txEl>
-                                          </p:spTgt>
-                                        </p:tgtEl>
-                                        <p:attrNameLst>
-                                          <p:attrName>ppt_y</p:attrName>
-                                        </p:attrNameLst>
-                                      </p:cBhvr>
-                                      <p:tavLst>
-                                        <p:tav tm="0">
-                                          <p:val>
-                                            <p:strVal val="1+#ppt_h/2"/>
-                                          </p:val>
-                                        </p:tav>
-                                        <p:tav tm="100000">
-                                          <p:val>
-                                            <p:strVal val="#ppt_y"/>
-                                          </p:val>
-                                        </p:tav>
-                                      </p:tavLst>
-                                    </p:anim>
-                                  </p:childTnLst>
-                                </p:cTn>
-                              </p:par>
-                            </p:childTnLst>
-                          </p:cTn>
-                        </p:par>
-                      </p:childTnLst>
-                    </p:cTn>
-                  </p:par>
-                  <p:par>
-                    <p:cTn id="15" fill="hold">
-                      <p:stCondLst>
-                        <p:cond delay="indefinite"/>
-                      </p:stCondLst>
-                      <p:childTnLst>
-                        <p:par>
-                          <p:cTn id="16" fill="hold">
-                            <p:stCondLst>
-                              <p:cond delay="0"/>
-                            </p:stCondLst>
-                            <p:childTnLst>
-                              <p:par>
-                                <p:cTn id="17" presetID="2" presetClass="entr" presetSubtype="4" fill="hold" nodeType="clickEffect">
-                                  <p:stCondLst>
-                                    <p:cond delay="0"/>
-                                  </p:stCondLst>
-                                  <p:childTnLst>
-                                    <p:set>
-                                      <p:cBhvr>
-                                        <p:cTn id="18" dur="1" fill="hold">
-                                          <p:stCondLst>
-                                            <p:cond delay="0"/>
-                                          </p:stCondLst>
-                                        </p:cTn>
-                                        <p:tgtEl>
-                                          <p:spTgt spid="2">
-                                            <p:txEl>
-                                              <p:pRg st="2" end="2"/>
-                                            </p:txEl>
-                                          </p:spTgt>
-                                        </p:tgtEl>
-                                        <p:attrNameLst>
-                                          <p:attrName>style.visibility</p:attrName>
-                                        </p:attrNameLst>
-                                      </p:cBhvr>
-                                      <p:to>
-                                        <p:strVal val="visible"/>
-                                      </p:to>
-                                    </p:set>
-                                    <p:anim calcmode="lin" valueType="num">
-                                      <p:cBhvr additive="base">
-                                        <p:cTn id="19" dur="500" fill="hold"/>
-                                        <p:tgtEl>
-                                          <p:spTgt spid="2">
-                                            <p:txEl>
-                                              <p:pRg st="2" end="2"/>
-                                            </p:txEl>
-                                          </p:spTgt>
-                                        </p:tgtEl>
-                                        <p:attrNameLst>
-                                          <p:attrName>ppt_x</p:attrName>
-                                        </p:attrNameLst>
-                                      </p:cBhvr>
-                                      <p:tavLst>
-                                        <p:tav tm="0">
-                                          <p:val>
-                                            <p:strVal val="#ppt_x"/>
-                                          </p:val>
-                                        </p:tav>
-                                        <p:tav tm="100000">
-                                          <p:val>
-                                            <p:strVal val="#ppt_x"/>
-                                          </p:val>
-                                        </p:tav>
-                                      </p:tavLst>
-                                    </p:anim>
-                                    <p:anim calcmode="lin" valueType="num">
-                                      <p:cBhvr additive="base">
-                                        <p:cTn id="20" dur="500" fill="hold"/>
-                                        <p:tgtEl>
-                                          <p:spTgt spid="2">
-                                            <p:txEl>
-                                              <p:pRg st="2" end="2"/>
-                                            </p:txEl>
-                                          </p:spTgt>
-                                        </p:tgtEl>
-                                        <p:attrNameLst>
-                                          <p:attrName>ppt_y</p:attrName>
-                                        </p:attrNameLst>
-                                      </p:cBhvr>
-                                      <p:tavLst>
-                                        <p:tav tm="0">
-                                          <p:val>
-                                            <p:strVal val="1+#ppt_h/2"/>
-                                          </p:val>
-                                        </p:tav>
-                                        <p:tav tm="100000">
-                                          <p:val>
-                                            <p:strVal val="#ppt_y"/>
-                                          </p:val>
-                                        </p:tav>
-                                      </p:tavLst>
-                                    </p:anim>
-                                  </p:childTnLst>
-                                </p:cTn>
-                              </p:par>
-                            </p:childTnLst>
-                          </p:cTn>
-                        </p:par>
-                      </p:childTnLst>
-                    </p:cTn>
-                  </p:par>
-                  <p:par>
-                    <p:cTn id="21" fill="hold">
-                      <p:stCondLst>
-                        <p:cond delay="indefinite"/>
-                      </p:stCondLst>
-                      <p:childTnLst>
-                        <p:par>
-                          <p:cTn id="22" fill="hold">
-                            <p:stCondLst>
-                              <p:cond delay="0"/>
-                            </p:stCondLst>
-                            <p:childTnLst>
-                              <p:par>
-                                <p:cTn id="23" presetID="2" presetClass="entr" presetSubtype="4" fill="hold" nodeType="clickEffect">
-                                  <p:stCondLst>
-                                    <p:cond delay="0"/>
-                                  </p:stCondLst>
-                                  <p:childTnLst>
-                                    <p:set>
-                                      <p:cBhvr>
-                                        <p:cTn id="24" dur="1" fill="hold">
-                                          <p:stCondLst>
-                                            <p:cond delay="0"/>
-                                          </p:stCondLst>
-                                        </p:cTn>
-                                        <p:tgtEl>
-                                          <p:spTgt spid="2">
-                                            <p:txEl>
-                                              <p:pRg st="3" end="3"/>
-                                            </p:txEl>
-                                          </p:spTgt>
-                                        </p:tgtEl>
-                                        <p:attrNameLst>
-                                          <p:attrName>style.visibility</p:attrName>
-                                        </p:attrNameLst>
-                                      </p:cBhvr>
-                                      <p:to>
-                                        <p:strVal val="visible"/>
-                                      </p:to>
-                                    </p:set>
-                                    <p:anim calcmode="lin" valueType="num">
-                                      <p:cBhvr additive="base">
-                                        <p:cTn id="25" dur="500" fill="hold"/>
-                                        <p:tgtEl>
-                                          <p:spTgt spid="2">
-                                            <p:txEl>
-                                              <p:pRg st="3" end="3"/>
-                                            </p:txEl>
-                                          </p:spTgt>
-                                        </p:tgtEl>
-                                        <p:attrNameLst>
-                                          <p:attrName>ppt_x</p:attrName>
-                                        </p:attrNameLst>
-                                      </p:cBhvr>
-                                      <p:tavLst>
-                                        <p:tav tm="0">
-                                          <p:val>
-                                            <p:strVal val="#ppt_x"/>
-                                          </p:val>
-                                        </p:tav>
-                                        <p:tav tm="100000">
-                                          <p:val>
-                                            <p:strVal val="#ppt_x"/>
-                                          </p:val>
-                                        </p:tav>
-                                      </p:tavLst>
-                                    </p:anim>
-                                    <p:anim calcmode="lin" valueType="num">
-                                      <p:cBhvr additive="base">
-                                        <p:cTn id="26" dur="500" fill="hold"/>
-                                        <p:tgtEl>
-                                          <p:spTgt spid="2">
-                                            <p:txEl>
-                                              <p:pRg st="3" end="3"/>
-                                            </p:txEl>
-                                          </p:spTgt>
-                                        </p:tgtEl>
-                                        <p:attrNameLst>
-                                          <p:attrName>ppt_y</p:attrName>
-                                        </p:attrNameLst>
-                                      </p:cBhvr>
-                                      <p:tavLst>
-                                        <p:tav tm="0">
-                                          <p:val>
-                                            <p:strVal val="1+#ppt_h/2"/>
-                                          </p:val>
-                                        </p:tav>
-                                        <p:tav tm="100000">
-                                          <p:val>
-                                            <p:strVal val="#ppt_y"/>
-                                          </p:val>
-                                        </p:tav>
-                                      </p:tavLst>
-                                    </p:anim>
-                                  </p:childTnLst>
-                                </p:cTn>
-                              </p:par>
-                            </p:childTnLst>
-                          </p:cTn>
-                        </p:par>
-                      </p:childTnLst>
-                    </p:cTn>
-                  </p:par>
-                </p:childTnLst>
-              </p:cTn>
-              <p:prevCondLst>
-                <p:cond evt="onPrev" delay="0">
-                  <p:tgtEl>
-                    <p:sldTgt/>
-                  </p:tgtEl>
-                </p:cond>
-              </p:prevCondLst>
-              <p:nextCondLst>
-                <p:cond evt="onNext" delay="0">
-                  <p:tgtEl>
-                    <p:sldTgt/>
-                  </p:tgtEl>
-                </p:cond>
-              </p:nextCondLst>
-            </p:seq>
-          </p:childTnLst>
-        </p:cTn>
-      </p:par>
-    </p:tnLst>
-  </p:timing>
-</p:sld>
-</file>
-
-<file path=ppt/slides/slide3.xml><?xml version="1.0" encoding="utf-8"?>
-<p:sld xmlns:a="http://schemas.openxmlformats.org/drawingml/2006/main" xmlns:r="http://schemas.openxmlformats.org/officeDocument/2006/relationships" xmlns:p="http://schemas.openxmlformats.org/presentationml/2006/main">
-  <p:cSld>
-    <p:spTree>
-      <p:nvGrpSpPr>
-        <p:cNvPr id="1" name=""/>
-        <p:cNvGrpSpPr/>
-        <p:nvPr/>
-      </p:nvGrpSpPr>
-      <p:grpSpPr>
-        <a:xfrm>
-          <a:off x="0" y="0"/>
-          <a:ext cx="0" cy="0"/>
-          <a:chOff x="0" y="0"/>
-          <a:chExt cx="0" cy="0"/>
-        </a:xfrm>
-      </p:grpSpPr>
-      <p:pic>
-        <p:nvPicPr>
-          <p:cNvPr id="4098" name="Picture 4"/>
-          <p:cNvPicPr>
-            <a:picLocks noChangeAspect="1" noChangeArrowheads="1"/>
-          </p:cNvPicPr>
-          <p:nvPr/>
-        </p:nvPicPr>
-        <p:blipFill>
-          <a:blip r:embed="rId2">
-            <a:extLst>
-              <a:ext uri="{28A0092B-C50C-407E-A947-70E740481C1C}">
-                <a14:useLocalDpi xmlns:a14="http://schemas.microsoft.com/office/drawing/2010/main" val="0"/>
-              </a:ext>
-            </a:extLst>
-          </a:blip>
-          <a:srcRect/>
-          <a:stretch>
-            <a:fillRect/>
-          </a:stretch>
-        </p:blipFill>
-        <p:spPr bwMode="auto">
-          <a:xfrm>
-            <a:off x="0" y="0"/>
-            <a:ext cx="12192000" cy="6858000"/>
-          </a:xfrm>
-          <a:prstGeom prst="rect">
-            <a:avLst/>
-          </a:prstGeom>
-          <a:noFill/>
-          <a:ln>
-            <a:noFill/>
-          </a:ln>
-          <a:extLst>
-            <a:ext uri="{909E8E84-426E-40DD-AFC4-6F175D3DCCD1}">
-              <a14:hiddenFill xmlns:a14="http://schemas.microsoft.com/office/drawing/2010/main">
-                <a:solidFill>
-                  <a:srgbClr val="FFFFFF"/>
-                </a:solidFill>
-              </a14:hiddenFill>
-            </a:ext>
-            <a:ext uri="{91240B29-F687-4F45-9708-019B960494DF}">
-              <a14:hiddenLine xmlns:a14="http://schemas.microsoft.com/office/drawing/2010/main" w="9525">
-                <a:solidFill>
-                  <a:srgbClr val="000000"/>
-                </a:solidFill>
-                <a:miter lim="800000"/>
-                <a:headEnd/>
-                <a:tailEnd/>
-              </a14:hiddenLine>
-            </a:ext>
-          </a:extLst>
-        </p:spPr>
-      </p:pic>
-      <p:sp>
-        <p:nvSpPr>
-          <p:cNvPr id="4099" name="Rectangle 2"/>
-          <p:cNvSpPr>
-            <a:spLocks noGrp="1" noChangeArrowheads="1"/>
-          </p:cNvSpPr>
-          <p:nvPr>
-            <p:ph type="ctrTitle" idx="4294967295"/>
-          </p:nvPr>
-        </p:nvSpPr>
-        <p:spPr bwMode="auto">
-          <a:xfrm>
-            <a:off x="1809751" y="2428876"/>
-            <a:ext cx="7286625" cy="1116013"/>
-          </a:xfrm>
-          <a:prstGeom prst="rect">
-            <a:avLst/>
-          </a:prstGeom>
-          <a:noFill/>
-          <a:extLst>
-            <a:ext uri="{909E8E84-426E-40DD-AFC4-6F175D3DCCD1}">
-              <a14:hiddenFill xmlns:a14="http://schemas.microsoft.com/office/drawing/2010/main">
-                <a:solidFill>
-                  <a:srgbClr val="FFFFFF"/>
-                </a:solidFill>
-              </a14:hiddenFill>
-            </a:ext>
-            <a:ext uri="{91240B29-F687-4F45-9708-019B960494DF}">
-              <a14:hiddenLine xmlns:a14="http://schemas.microsoft.com/office/drawing/2010/main" w="9525">
-                <a:solidFill>
-                  <a:srgbClr val="000000"/>
-                </a:solidFill>
-                <a:miter lim="800000"/>
-                <a:headEnd/>
-                <a:tailEnd/>
-              </a14:hiddenLine>
-            </a:ext>
-          </a:extLst>
-        </p:spPr>
-        <p:txBody>
-          <a:bodyPr anchor="b"/>
-          <a:lstStyle/>
-          <a:p>
-            <a:pPr algn="ctr" eaLnBrk="1" hangingPunct="1"/>
-            <a:r>
-              <a:rPr lang="en-US" sz="4800" b="1" dirty="0">
-                <a:sym typeface="+mn-ea"/>
-              </a:rPr>
-              <a:t>JavaScript</a:t>
-            </a:r>
-            <a:r>
-              <a:rPr lang="zh-CN" altLang="en-US" sz="4800" b="1" dirty="0">
-                <a:sym typeface="+mn-ea"/>
-              </a:rPr>
-              <a:t>进阶（</a:t>
-            </a:r>
-            <a:r>
-              <a:rPr lang="en-US" altLang="zh-CN" sz="4800" b="1" dirty="0">
-                <a:sym typeface="+mn-ea"/>
-              </a:rPr>
-              <a:t>ES6</a:t>
-            </a:r>
-            <a:r>
-              <a:rPr lang="zh-CN" altLang="en-US" sz="4800" b="1" dirty="0">
-                <a:sym typeface="+mn-ea"/>
-              </a:rPr>
-              <a:t>）</a:t>
-            </a:r>
-            <a:endParaRPr kumimoji="0" lang="zh-CN" altLang="zh-CN" sz="4800" b="1"/>
-          </a:p>
-        </p:txBody>
-      </p:sp>
-      <p:pic>
-        <p:nvPicPr>
-          <p:cNvPr id="4101" name="图片 4" descr="软院logo横版.png"/>
-          <p:cNvPicPr>
-            <a:picLocks noChangeAspect="1"/>
-          </p:cNvPicPr>
-          <p:nvPr/>
-        </p:nvPicPr>
-        <p:blipFill>
-          <a:blip r:embed="rId3">
-            <a:extLst>
-              <a:ext uri="{28A0092B-C50C-407E-A947-70E740481C1C}">
-                <a14:useLocalDpi xmlns:a14="http://schemas.microsoft.com/office/drawing/2010/main" val="0"/>
-              </a:ext>
-            </a:extLst>
-          </a:blip>
-          <a:srcRect/>
-          <a:stretch>
-            <a:fillRect/>
-          </a:stretch>
-        </p:blipFill>
-        <p:spPr bwMode="auto">
-          <a:xfrm>
-            <a:off x="6604001" y="5784851"/>
-            <a:ext cx="3381375" cy="525463"/>
-          </a:xfrm>
-          <a:prstGeom prst="rect">
-            <a:avLst/>
-          </a:prstGeom>
-          <a:noFill/>
-          <a:ln>
-            <a:noFill/>
-          </a:ln>
-          <a:extLst>
-            <a:ext uri="{909E8E84-426E-40DD-AFC4-6F175D3DCCD1}">
-              <a14:hiddenFill xmlns:a14="http://schemas.microsoft.com/office/drawing/2010/main">
-                <a:solidFill>
-                  <a:srgbClr val="FFFFFF"/>
-                </a:solidFill>
-              </a14:hiddenFill>
-            </a:ext>
-            <a:ext uri="{91240B29-F687-4F45-9708-019B960494DF}">
-              <a14:hiddenLine xmlns:a14="http://schemas.microsoft.com/office/drawing/2010/main" w="9525">
-                <a:solidFill>
-                  <a:srgbClr val="000000"/>
-                </a:solidFill>
-                <a:miter lim="800000"/>
-                <a:headEnd/>
-                <a:tailEnd/>
-              </a14:hiddenLine>
-            </a:ext>
-          </a:extLst>
-        </p:spPr>
-      </p:pic>
-      <p:sp>
-        <p:nvSpPr>
-          <p:cNvPr id="2" name="TextBox 4"/>
-          <p:cNvSpPr txBox="1">
-            <a:spLocks noChangeArrowheads="1"/>
-          </p:cNvSpPr>
-          <p:nvPr/>
-        </p:nvSpPr>
-        <p:spPr bwMode="auto">
-          <a:xfrm>
-            <a:off x="4634865" y="4143375"/>
-            <a:ext cx="6033135" cy="583565"/>
-          </a:xfrm>
-          <a:prstGeom prst="rect">
-            <a:avLst/>
-          </a:prstGeom>
-          <a:noFill/>
-          <a:ln>
-            <a:noFill/>
-          </a:ln>
-          <a:extLst>
-            <a:ext uri="{909E8E84-426E-40DD-AFC4-6F175D3DCCD1}">
-              <a14:hiddenFill xmlns:a14="http://schemas.microsoft.com/office/drawing/2010/main">
-                <a:solidFill>
-                  <a:srgbClr val="FFFFFF"/>
-                </a:solidFill>
-              </a14:hiddenFill>
-            </a:ext>
-            <a:ext uri="{91240B29-F687-4F45-9708-019B960494DF}">
-              <a14:hiddenLine xmlns:a14="http://schemas.microsoft.com/office/drawing/2010/main" w="9525">
-                <a:solidFill>
-                  <a:srgbClr val="000000"/>
-                </a:solidFill>
-                <a:miter lim="800000"/>
-                <a:headEnd/>
-                <a:tailEnd/>
-              </a14:hiddenLine>
-            </a:ext>
-          </a:extLst>
-        </p:spPr>
-        <p:txBody>
-          <a:bodyPr wrap="square">
-            <a:spAutoFit/>
-          </a:bodyPr>
-          <a:lstStyle>
-            <a:lvl1pPr>
-              <a:defRPr sz="3200">
-                <a:solidFill>
-                  <a:schemeClr val="tx1"/>
-                </a:solidFill>
-                <a:latin typeface="Arial" panose="020B0604020202020204" pitchFamily="34" charset="0"/>
-                <a:ea typeface="微软雅黑" panose="020B0503020204020204" pitchFamily="34" charset="-122"/>
-              </a:defRPr>
-            </a:lvl1pPr>
-            <a:lvl2pPr marL="742950" indent="-285750">
-              <a:defRPr sz="3200">
-                <a:solidFill>
-                  <a:schemeClr val="tx1"/>
-                </a:solidFill>
-                <a:latin typeface="Arial" panose="020B0604020202020204" pitchFamily="34" charset="0"/>
-                <a:ea typeface="微软雅黑" panose="020B0503020204020204" pitchFamily="34" charset="-122"/>
-              </a:defRPr>
-            </a:lvl2pPr>
-            <a:lvl3pPr marL="1143000" indent="-228600">
-              <a:defRPr sz="3200">
-                <a:solidFill>
-                  <a:schemeClr val="tx1"/>
-                </a:solidFill>
-                <a:latin typeface="Arial" panose="020B0604020202020204" pitchFamily="34" charset="0"/>
-                <a:ea typeface="微软雅黑" panose="020B0503020204020204" pitchFamily="34" charset="-122"/>
-              </a:defRPr>
-            </a:lvl3pPr>
-            <a:lvl4pPr marL="1600200" indent="-228600">
-              <a:defRPr sz="3200">
-                <a:solidFill>
-                  <a:schemeClr val="tx1"/>
-                </a:solidFill>
-                <a:latin typeface="Arial" panose="020B0604020202020204" pitchFamily="34" charset="0"/>
-                <a:ea typeface="微软雅黑" panose="020B0503020204020204" pitchFamily="34" charset="-122"/>
-              </a:defRPr>
-            </a:lvl4pPr>
-            <a:lvl5pPr marL="2057400" indent="-228600">
-              <a:defRPr sz="3200">
-                <a:solidFill>
-                  <a:schemeClr val="tx1"/>
-                </a:solidFill>
-                <a:latin typeface="Arial" panose="020B0604020202020204" pitchFamily="34" charset="0"/>
-                <a:ea typeface="微软雅黑" panose="020B0503020204020204" pitchFamily="34" charset="-122"/>
-              </a:defRPr>
-            </a:lvl5pPr>
-            <a:lvl6pPr marL="2514600" indent="-228600" eaLnBrk="0" fontAlgn="base" hangingPunct="0">
-              <a:spcBef>
-                <a:spcPct val="0"/>
-              </a:spcBef>
-              <a:spcAft>
-                <a:spcPct val="0"/>
-              </a:spcAft>
-              <a:defRPr sz="3200">
-                <a:solidFill>
-                  <a:schemeClr val="tx1"/>
-                </a:solidFill>
-                <a:latin typeface="Arial" panose="020B0604020202020204" pitchFamily="34" charset="0"/>
-                <a:ea typeface="微软雅黑" panose="020B0503020204020204" pitchFamily="34" charset="-122"/>
-              </a:defRPr>
-            </a:lvl6pPr>
-            <a:lvl7pPr marL="2971800" indent="-228600" eaLnBrk="0" fontAlgn="base" hangingPunct="0">
-              <a:spcBef>
-                <a:spcPct val="0"/>
-              </a:spcBef>
-              <a:spcAft>
-                <a:spcPct val="0"/>
-              </a:spcAft>
-              <a:defRPr sz="3200">
-                <a:solidFill>
-                  <a:schemeClr val="tx1"/>
-                </a:solidFill>
-                <a:latin typeface="Arial" panose="020B0604020202020204" pitchFamily="34" charset="0"/>
-                <a:ea typeface="微软雅黑" panose="020B0503020204020204" pitchFamily="34" charset="-122"/>
-              </a:defRPr>
-            </a:lvl7pPr>
-            <a:lvl8pPr marL="3429000" indent="-228600" eaLnBrk="0" fontAlgn="base" hangingPunct="0">
-              <a:spcBef>
-                <a:spcPct val="0"/>
-              </a:spcBef>
-              <a:spcAft>
-                <a:spcPct val="0"/>
-              </a:spcAft>
-              <a:defRPr sz="3200">
-                <a:solidFill>
-                  <a:schemeClr val="tx1"/>
-                </a:solidFill>
-                <a:latin typeface="Arial" panose="020B0604020202020204" pitchFamily="34" charset="0"/>
-                <a:ea typeface="微软雅黑" panose="020B0503020204020204" pitchFamily="34" charset="-122"/>
-              </a:defRPr>
-            </a:lvl8pPr>
-            <a:lvl9pPr marL="3886200" indent="-228600" eaLnBrk="0" fontAlgn="base" hangingPunct="0">
-              <a:spcBef>
-                <a:spcPct val="0"/>
-              </a:spcBef>
-              <a:spcAft>
-                <a:spcPct val="0"/>
-              </a:spcAft>
-              <a:defRPr sz="3200">
-                <a:solidFill>
-                  <a:schemeClr val="tx1"/>
-                </a:solidFill>
-                <a:latin typeface="Arial" panose="020B0604020202020204" pitchFamily="34" charset="0"/>
-                <a:ea typeface="微软雅黑" panose="020B0503020204020204" pitchFamily="34" charset="-122"/>
-              </a:defRPr>
-            </a:lvl9pPr>
-          </a:lstStyle>
-          <a:p>
-            <a:r>
-              <a:rPr lang="en-US" altLang="zh-CN">
-                <a:latin typeface="微软雅黑" panose="020B0503020204020204" pitchFamily="34" charset="-122"/>
-                <a:ea typeface="宋体" panose="02010600030101010101" pitchFamily="2" charset="-122"/>
-              </a:rPr>
-              <a:t>---</a:t>
-            </a:r>
-            <a:r>
-              <a:t>ES6</a:t>
-            </a:r>
-            <a:r>
-              <a:rPr lang="zh-CN"/>
-              <a:t>中变量的解构赋值</a:t>
-            </a:r>
-          </a:p>
-        </p:txBody>
-      </p:sp>
-    </p:spTree>
-  </p:cSld>
-  <p:clrMapOvr>
-    <a:masterClrMapping/>
-  </p:clrMapOvr>
-  <p:transition advClick="0"/>
-  <p:timing>
-    <p:tnLst>
-      <p:par>
-        <p:cTn id="1" dur="indefinite" restart="never" nodeType="tmRoot"/>
-      </p:par>
-    </p:tnLst>
-  </p:timing>
-</p:sld>
-</file>
-
-<file path=ppt/slides/slide4.xml><?xml version="1.0" encoding="utf-8"?>
 <p:sld xmlns:a="http://schemas.openxmlformats.org/drawingml/2006/main" xmlns:r="http://schemas.openxmlformats.org/officeDocument/2006/relationships" xmlns:p="http://schemas.openxmlformats.org/presentationml/2006/main">
   <p:cSld>
     <p:spTree>
@@ -9561,6 +6742,11 @@
               </a:rPr>
               <a:t>数组、对象的解构赋值</a:t>
             </a:r>
+            <a:endParaRPr lang="zh-CN" altLang="en-US" sz="2800" b="1">
+              <a:solidFill>
+                <a:schemeClr val="accent3"/>
+              </a:solidFill>
+            </a:endParaRPr>
           </a:p>
           <a:p>
             <a:pPr algn="l">
@@ -9585,6 +6771,9 @@
               </a:rPr>
               <a:t>字符串、数字的解构赋值</a:t>
             </a:r>
+            <a:endParaRPr lang="zh-CN" altLang="en-US" sz="2800" b="1">
+              <a:sym typeface="+mn-ea"/>
+            </a:endParaRPr>
           </a:p>
           <a:p>
             <a:pPr algn="l">
@@ -9607,6 +6796,7 @@
               <a:rPr lang="zh-CN" altLang="en-US" sz="2800" b="1"/>
               <a:t>函数参数的解构赋值</a:t>
             </a:r>
+            <a:endParaRPr lang="zh-CN" altLang="en-US" sz="2800" b="1"/>
           </a:p>
           <a:p>
             <a:pPr algn="l">
@@ -9853,6 +7043,13 @@
               </a:rPr>
               <a:t>内容提纲</a:t>
             </a:r>
+            <a:endParaRPr kumimoji="0" lang="zh-CN" altLang="en-US" sz="3200" dirty="0" smtClean="0">
+              <a:solidFill>
+                <a:srgbClr val="C00000"/>
+              </a:solidFill>
+              <a:cs typeface="+mn-cs"/>
+              <a:sym typeface="+mn-ea"/>
+            </a:endParaRPr>
           </a:p>
           <a:p>
             <a:pPr marL="0" lvl="0" indent="0" defTabSz="914400">
@@ -9892,7 +7089,7 @@
 </p:sld>
 </file>
 
-<file path=ppt/slides/slide5.xml><?xml version="1.0" encoding="utf-8"?>
+<file path=ppt/slides/slide3.xml><?xml version="1.0" encoding="utf-8"?>
 <p:sld xmlns:a="http://schemas.openxmlformats.org/drawingml/2006/main" xmlns:r="http://schemas.openxmlformats.org/officeDocument/2006/relationships" xmlns:p="http://schemas.openxmlformats.org/presentationml/2006/main">
   <p:cSld>
     <p:spTree>
@@ -9972,15 +7169,6 @@
               </a:rPr>
               <a:t>（Destructuring）</a:t>
             </a:r>
-            <a:r>
-              <a:rPr kumimoji="0" lang="zh-CN" sz="3200" dirty="0" smtClean="0">
-                <a:solidFill>
-                  <a:schemeClr val="tx1"/>
-                </a:solidFill>
-                <a:sym typeface="+mn-ea"/>
-              </a:rPr>
-              <a:t/>
-            </a:r>
             <a:br>
               <a:rPr kumimoji="0" lang="zh-CN" sz="3200" dirty="0" smtClean="0">
                 <a:solidFill>
@@ -10007,15 +7195,6 @@
               </a:rPr>
               <a:t>赋值</a:t>
             </a:r>
-            <a:r>
-              <a:rPr kumimoji="0" lang="en-US" altLang="zh-CN" sz="2000" dirty="0" smtClean="0">
-                <a:solidFill>
-                  <a:schemeClr val="tx1"/>
-                </a:solidFill>
-                <a:sym typeface="+mn-ea"/>
-              </a:rPr>
-              <a:t/>
-            </a:r>
             <a:br>
               <a:rPr kumimoji="0" lang="en-US" altLang="zh-CN" sz="2000" dirty="0" smtClean="0">
                 <a:solidFill>
@@ -10033,6 +7212,12 @@
               </a:rPr>
               <a:t>- 这种写法属于“模式匹配”，只要等号两边的模式相同，左边的变量就会被赋予对应的值</a:t>
             </a:r>
+            <a:endParaRPr kumimoji="0" lang="en-US" altLang="zh-CN" sz="2000" dirty="0" smtClean="0">
+              <a:solidFill>
+                <a:schemeClr val="tx1"/>
+              </a:solidFill>
+              <a:sym typeface="+mn-ea"/>
+            </a:endParaRPr>
           </a:p>
           <a:p>
             <a:pPr>
@@ -10049,6 +7234,12 @@
               </a:rPr>
               <a:t>数组的解构赋值</a:t>
             </a:r>
+            <a:endParaRPr kumimoji="0" lang="zh-CN" altLang="en-US" sz="3200" dirty="0" smtClean="0">
+              <a:solidFill>
+                <a:schemeClr val="tx1"/>
+              </a:solidFill>
+              <a:sym typeface="+mn-ea"/>
+            </a:endParaRPr>
           </a:p>
           <a:p>
             <a:pPr marL="0" indent="0">
@@ -10153,6 +7344,7 @@
               <a:rPr kumimoji="0" lang="zh-CN" dirty="0"/>
               <a:t>数组、对象的解构赋值</a:t>
             </a:r>
+            <a:endParaRPr kumimoji="0" lang="zh-CN" dirty="0"/>
           </a:p>
         </p:txBody>
       </p:sp>
@@ -10165,7 +7357,7 @@
           <p:nvPr/>
         </p:nvPicPr>
         <p:blipFill>
-          <a:blip r:embed="rId3"/>
+          <a:blip r:embed="rId1"/>
           <a:stretch>
             <a:fillRect/>
           </a:stretch>
@@ -10655,7 +7847,7 @@
 </p:sld>
 </file>
 
-<file path=ppt/slides/slide6.xml><?xml version="1.0" encoding="utf-8"?>
+<file path=ppt/slides/slide4.xml><?xml version="1.0" encoding="utf-8"?>
 <p:sld xmlns:a="http://schemas.openxmlformats.org/drawingml/2006/main" xmlns:r="http://schemas.openxmlformats.org/officeDocument/2006/relationships" xmlns:p="http://schemas.openxmlformats.org/presentationml/2006/main">
   <p:cSld>
     <p:spTree>
@@ -10726,6 +7918,12 @@
               </a:rPr>
               <a:t>对象的解构赋值</a:t>
             </a:r>
+            <a:endParaRPr kumimoji="0" lang="zh-CN" sz="3200" dirty="0" smtClean="0">
+              <a:solidFill>
+                <a:schemeClr val="tx1"/>
+              </a:solidFill>
+              <a:sym typeface="+mn-ea"/>
+            </a:endParaRPr>
           </a:p>
           <a:p>
             <a:pPr marL="0" indent="0">
@@ -10830,6 +8028,7 @@
               <a:rPr kumimoji="0" lang="zh-CN" dirty="0"/>
               <a:t>数组、对象的解构赋值</a:t>
             </a:r>
+            <a:endParaRPr kumimoji="0" lang="zh-CN" dirty="0"/>
           </a:p>
         </p:txBody>
       </p:sp>
@@ -10916,7 +8115,7 @@
           <p:nvPr/>
         </p:nvPicPr>
         <p:blipFill>
-          <a:blip r:embed="rId3"/>
+          <a:blip r:embed="rId1"/>
           <a:stretch>
             <a:fillRect/>
           </a:stretch>
@@ -10985,6 +8184,13 @@
               </a:rPr>
               <a:t>要注意键值对赋值时的对应关系</a:t>
             </a:r>
+            <a:endParaRPr lang="zh-CN" sz="2200">
+              <a:solidFill>
+                <a:srgbClr val="FF0000"/>
+              </a:solidFill>
+              <a:latin typeface="+mn-ea"/>
+              <a:ea typeface="+mn-ea"/>
+            </a:endParaRPr>
           </a:p>
           <a:p>
             <a:pPr algn="l"/>
@@ -11009,6 +8215,14 @@
               </a:rPr>
               <a:t>如果是键值对的情况，键只用于匹配，真正赋给的是对应的值</a:t>
             </a:r>
+            <a:endParaRPr lang="zh-CN" sz="2200" dirty="0" smtClean="0">
+              <a:solidFill>
+                <a:srgbClr val="FF0000"/>
+              </a:solidFill>
+              <a:latin typeface="+mn-ea"/>
+              <a:ea typeface="+mn-ea"/>
+              <a:sym typeface="+mn-ea"/>
+            </a:endParaRPr>
           </a:p>
         </p:txBody>
       </p:sp>
@@ -11412,7 +8626,7 @@
 </p:sld>
 </file>
 
-<file path=ppt/slides/slide7.xml><?xml version="1.0" encoding="utf-8"?>
+<file path=ppt/slides/slide5.xml><?xml version="1.0" encoding="utf-8"?>
 <p:sld xmlns:a="http://schemas.openxmlformats.org/drawingml/2006/main" xmlns:r="http://schemas.openxmlformats.org/officeDocument/2006/relationships" xmlns:p="http://schemas.openxmlformats.org/presentationml/2006/main">
   <p:cSld>
     <p:spTree>
@@ -11599,6 +8813,11 @@
               </a:rPr>
               <a:t>数组、对象的解构赋值</a:t>
             </a:r>
+            <a:endParaRPr lang="zh-CN" altLang="en-US" sz="2800" b="1">
+              <a:solidFill>
+                <a:schemeClr val="tx1"/>
+              </a:solidFill>
+            </a:endParaRPr>
           </a:p>
           <a:p>
             <a:pPr algn="l">
@@ -11626,6 +8845,12 @@
               </a:rPr>
               <a:t>字符串、数字的解构赋值</a:t>
             </a:r>
+            <a:endParaRPr lang="zh-CN" altLang="en-US" sz="2800" b="1">
+              <a:solidFill>
+                <a:schemeClr val="accent3"/>
+              </a:solidFill>
+              <a:sym typeface="+mn-ea"/>
+            </a:endParaRPr>
           </a:p>
           <a:p>
             <a:pPr algn="l">
@@ -11648,6 +8873,7 @@
               <a:rPr lang="zh-CN" altLang="en-US" sz="2800" b="1"/>
               <a:t>函数参数的解构赋值</a:t>
             </a:r>
+            <a:endParaRPr lang="zh-CN" altLang="en-US" sz="2800" b="1"/>
           </a:p>
           <a:p>
             <a:pPr algn="l">
@@ -11894,6 +9120,13 @@
               </a:rPr>
               <a:t>内容提纲</a:t>
             </a:r>
+            <a:endParaRPr kumimoji="0" lang="zh-CN" altLang="en-US" sz="3200" dirty="0" smtClean="0">
+              <a:solidFill>
+                <a:srgbClr val="C00000"/>
+              </a:solidFill>
+              <a:cs typeface="+mn-cs"/>
+              <a:sym typeface="+mn-ea"/>
+            </a:endParaRPr>
           </a:p>
           <a:p>
             <a:pPr marL="0" lvl="0" indent="0" defTabSz="914400">
@@ -11933,7 +9166,7 @@
 </p:sld>
 </file>
 
-<file path=ppt/slides/slide8.xml><?xml version="1.0" encoding="utf-8"?>
+<file path=ppt/slides/slide6.xml><?xml version="1.0" encoding="utf-8"?>
 <p:sld xmlns:a="http://schemas.openxmlformats.org/drawingml/2006/main" xmlns:r="http://schemas.openxmlformats.org/officeDocument/2006/relationships" xmlns:p="http://schemas.openxmlformats.org/presentationml/2006/main">
   <p:cSld>
     <p:spTree>
@@ -12004,6 +9237,12 @@
               </a:rPr>
               <a:t>字符串的解构赋值</a:t>
             </a:r>
+            <a:endParaRPr kumimoji="0" lang="zh-CN" sz="3200" dirty="0" smtClean="0">
+              <a:solidFill>
+                <a:schemeClr val="tx1"/>
+              </a:solidFill>
+              <a:sym typeface="+mn-ea"/>
+            </a:endParaRPr>
           </a:p>
           <a:p>
             <a:pPr>
@@ -12059,6 +9298,12 @@
               </a:rPr>
               <a:t>数字的解构赋值</a:t>
             </a:r>
+            <a:endParaRPr kumimoji="0" lang="zh-CN" sz="3200" dirty="0" smtClean="0">
+              <a:solidFill>
+                <a:schemeClr val="tx1"/>
+              </a:solidFill>
+              <a:sym typeface="+mn-ea"/>
+            </a:endParaRPr>
           </a:p>
           <a:p>
             <a:pPr marL="0" indent="0">
@@ -12163,6 +9408,7 @@
               <a:rPr kumimoji="0" lang="zh-CN" dirty="0"/>
               <a:t>字符串、数字的解构赋值</a:t>
             </a:r>
+            <a:endParaRPr kumimoji="0" lang="zh-CN" dirty="0"/>
           </a:p>
         </p:txBody>
       </p:sp>
@@ -12238,7 +9484,7 @@
           <p:nvPr/>
         </p:nvPicPr>
         <p:blipFill>
-          <a:blip r:embed="rId3"/>
+          <a:blip r:embed="rId1"/>
           <a:stretch>
             <a:fillRect/>
           </a:stretch>
@@ -12262,7 +9508,7 @@
           <p:nvPr/>
         </p:nvPicPr>
         <p:blipFill>
-          <a:blip r:embed="rId4"/>
+          <a:blip r:embed="rId2"/>
           <a:stretch>
             <a:fillRect/>
           </a:stretch>
@@ -12303,6 +9549,7 @@
               <a:rPr lang="zh-CN" altLang="en-US" sz="2200"/>
               <a:t>解构赋值的规则是，只要等号右边的值不是对象，就先将其转为对象</a:t>
             </a:r>
+            <a:endParaRPr lang="zh-CN" altLang="en-US" sz="2200"/>
           </a:p>
           <a:p>
             <a:r>
@@ -12311,7 +9558,7 @@
                   <a:srgbClr val="FF0000"/>
                 </a:solidFill>
               </a:rPr>
-              <a:t>思考：左侧</a:t>
+              <a:t>思考：</a:t>
             </a:r>
             <a:r>
               <a:rPr lang="en-US" altLang="zh-CN" sz="2200">
@@ -12345,6 +9592,11 @@
               </a:rPr>
               <a:t>，结果如何？</a:t>
             </a:r>
+            <a:endParaRPr lang="zh-CN" altLang="en-US" sz="2200">
+              <a:solidFill>
+                <a:srgbClr val="FF0000"/>
+              </a:solidFill>
+            </a:endParaRPr>
           </a:p>
         </p:txBody>
       </p:sp>
@@ -12933,6 +10185,1415 @@
 </p:sld>
 </file>
 
+<file path=ppt/slides/slide7.xml><?xml version="1.0" encoding="utf-8"?>
+<p:sld xmlns:a="http://schemas.openxmlformats.org/drawingml/2006/main" xmlns:r="http://schemas.openxmlformats.org/officeDocument/2006/relationships" xmlns:p="http://schemas.openxmlformats.org/presentationml/2006/main">
+  <p:cSld>
+    <p:spTree>
+      <p:nvGrpSpPr>
+        <p:cNvPr id="1" name=""/>
+        <p:cNvGrpSpPr/>
+        <p:nvPr/>
+      </p:nvGrpSpPr>
+      <p:grpSpPr>
+        <a:xfrm>
+          <a:off x="0" y="0"/>
+          <a:ext cx="0" cy="0"/>
+          <a:chOff x="0" y="0"/>
+          <a:chExt cx="0" cy="0"/>
+        </a:xfrm>
+      </p:grpSpPr>
+      <p:sp>
+        <p:nvSpPr>
+          <p:cNvPr id="5123" name="AutoShape 6"/>
+          <p:cNvSpPr>
+            <a:spLocks noChangeArrowheads="1"/>
+          </p:cNvSpPr>
+          <p:nvPr/>
+        </p:nvSpPr>
+        <p:spPr bwMode="auto">
+          <a:xfrm>
+            <a:off x="2566988" y="1339851"/>
+            <a:ext cx="6711950" cy="4214813"/>
+          </a:xfrm>
+          <a:prstGeom prst="roundRect">
+            <a:avLst>
+              <a:gd name="adj" fmla="val 16667"/>
+            </a:avLst>
+          </a:prstGeom>
+          <a:noFill/>
+          <a:ln w="28575">
+            <a:solidFill>
+              <a:srgbClr val="C0C0C0"/>
+            </a:solidFill>
+            <a:prstDash val="sysDot"/>
+            <a:round/>
+          </a:ln>
+          <a:extLst>
+            <a:ext uri="{909E8E84-426E-40DD-AFC4-6F175D3DCCD1}">
+              <a14:hiddenFill xmlns:a14="http://schemas.microsoft.com/office/drawing/2010/main">
+                <a:solidFill>
+                  <a:srgbClr val="FFFFFF"/>
+                </a:solidFill>
+              </a14:hiddenFill>
+            </a:ext>
+          </a:extLst>
+        </p:spPr>
+        <p:txBody>
+          <a:bodyPr wrap="none" anchor="ctr"/>
+          <a:lstStyle>
+            <a:lvl1pPr marL="457200" indent="-457200">
+              <a:defRPr sz="3200">
+                <a:solidFill>
+                  <a:schemeClr val="tx1"/>
+                </a:solidFill>
+                <a:latin typeface="Arial" panose="020B0604020202020204" pitchFamily="34" charset="0"/>
+                <a:ea typeface="微软雅黑" panose="020B0503020204020204" pitchFamily="34" charset="-122"/>
+              </a:defRPr>
+            </a:lvl1pPr>
+            <a:lvl2pPr marL="742950" indent="-285750">
+              <a:defRPr sz="3200">
+                <a:solidFill>
+                  <a:schemeClr val="tx1"/>
+                </a:solidFill>
+                <a:latin typeface="Arial" panose="020B0604020202020204" pitchFamily="34" charset="0"/>
+                <a:ea typeface="微软雅黑" panose="020B0503020204020204" pitchFamily="34" charset="-122"/>
+              </a:defRPr>
+            </a:lvl2pPr>
+            <a:lvl3pPr marL="1143000" indent="-228600">
+              <a:defRPr sz="3200">
+                <a:solidFill>
+                  <a:schemeClr val="tx1"/>
+                </a:solidFill>
+                <a:latin typeface="Arial" panose="020B0604020202020204" pitchFamily="34" charset="0"/>
+                <a:ea typeface="微软雅黑" panose="020B0503020204020204" pitchFamily="34" charset="-122"/>
+              </a:defRPr>
+            </a:lvl3pPr>
+            <a:lvl4pPr marL="1600200" indent="-228600">
+              <a:defRPr sz="3200">
+                <a:solidFill>
+                  <a:schemeClr val="tx1"/>
+                </a:solidFill>
+                <a:latin typeface="Arial" panose="020B0604020202020204" pitchFamily="34" charset="0"/>
+                <a:ea typeface="微软雅黑" panose="020B0503020204020204" pitchFamily="34" charset="-122"/>
+              </a:defRPr>
+            </a:lvl4pPr>
+            <a:lvl5pPr marL="2057400" indent="-228600">
+              <a:defRPr sz="3200">
+                <a:solidFill>
+                  <a:schemeClr val="tx1"/>
+                </a:solidFill>
+                <a:latin typeface="Arial" panose="020B0604020202020204" pitchFamily="34" charset="0"/>
+                <a:ea typeface="微软雅黑" panose="020B0503020204020204" pitchFamily="34" charset="-122"/>
+              </a:defRPr>
+            </a:lvl5pPr>
+            <a:lvl6pPr marL="2514600" indent="-228600" eaLnBrk="0" fontAlgn="base" hangingPunct="0">
+              <a:spcBef>
+                <a:spcPct val="0"/>
+              </a:spcBef>
+              <a:spcAft>
+                <a:spcPct val="0"/>
+              </a:spcAft>
+              <a:defRPr sz="3200">
+                <a:solidFill>
+                  <a:schemeClr val="tx1"/>
+                </a:solidFill>
+                <a:latin typeface="Arial" panose="020B0604020202020204" pitchFamily="34" charset="0"/>
+                <a:ea typeface="微软雅黑" panose="020B0503020204020204" pitchFamily="34" charset="-122"/>
+              </a:defRPr>
+            </a:lvl6pPr>
+            <a:lvl7pPr marL="2971800" indent="-228600" eaLnBrk="0" fontAlgn="base" hangingPunct="0">
+              <a:spcBef>
+                <a:spcPct val="0"/>
+              </a:spcBef>
+              <a:spcAft>
+                <a:spcPct val="0"/>
+              </a:spcAft>
+              <a:defRPr sz="3200">
+                <a:solidFill>
+                  <a:schemeClr val="tx1"/>
+                </a:solidFill>
+                <a:latin typeface="Arial" panose="020B0604020202020204" pitchFamily="34" charset="0"/>
+                <a:ea typeface="微软雅黑" panose="020B0503020204020204" pitchFamily="34" charset="-122"/>
+              </a:defRPr>
+            </a:lvl7pPr>
+            <a:lvl8pPr marL="3429000" indent="-228600" eaLnBrk="0" fontAlgn="base" hangingPunct="0">
+              <a:spcBef>
+                <a:spcPct val="0"/>
+              </a:spcBef>
+              <a:spcAft>
+                <a:spcPct val="0"/>
+              </a:spcAft>
+              <a:defRPr sz="3200">
+                <a:solidFill>
+                  <a:schemeClr val="tx1"/>
+                </a:solidFill>
+                <a:latin typeface="Arial" panose="020B0604020202020204" pitchFamily="34" charset="0"/>
+                <a:ea typeface="微软雅黑" panose="020B0503020204020204" pitchFamily="34" charset="-122"/>
+              </a:defRPr>
+            </a:lvl8pPr>
+            <a:lvl9pPr marL="3886200" indent="-228600" eaLnBrk="0" fontAlgn="base" hangingPunct="0">
+              <a:spcBef>
+                <a:spcPct val="0"/>
+              </a:spcBef>
+              <a:spcAft>
+                <a:spcPct val="0"/>
+              </a:spcAft>
+              <a:defRPr sz="3200">
+                <a:solidFill>
+                  <a:schemeClr val="tx1"/>
+                </a:solidFill>
+                <a:latin typeface="Arial" panose="020B0604020202020204" pitchFamily="34" charset="0"/>
+                <a:ea typeface="微软雅黑" panose="020B0503020204020204" pitchFamily="34" charset="-122"/>
+              </a:defRPr>
+            </a:lvl9pPr>
+          </a:lstStyle>
+          <a:p>
+            <a:pPr algn="l">
+              <a:lnSpc>
+                <a:spcPct val="150000"/>
+              </a:lnSpc>
+              <a:spcBef>
+                <a:spcPts val="1200"/>
+              </a:spcBef>
+              <a:spcAft>
+                <a:spcPts val="1200"/>
+              </a:spcAft>
+              <a:buClr>
+                <a:srgbClr val="92D050"/>
+              </a:buClr>
+              <a:buFont typeface="Wingdings" panose="05000000000000000000" pitchFamily="2" charset="2"/>
+              <a:buChar char="Ø"/>
+            </a:pPr>
+            <a:r>
+              <a:rPr lang="zh-CN" altLang="en-US" sz="2800" b="1">
+                <a:solidFill>
+                  <a:schemeClr val="tx1"/>
+                </a:solidFill>
+              </a:rPr>
+              <a:t>数组、对象的解构赋值</a:t>
+            </a:r>
+            <a:endParaRPr lang="zh-CN" altLang="en-US" sz="2800" b="1">
+              <a:solidFill>
+                <a:schemeClr val="tx1"/>
+              </a:solidFill>
+            </a:endParaRPr>
+          </a:p>
+          <a:p>
+            <a:pPr algn="l">
+              <a:lnSpc>
+                <a:spcPct val="150000"/>
+              </a:lnSpc>
+              <a:spcBef>
+                <a:spcPts val="1200"/>
+              </a:spcBef>
+              <a:spcAft>
+                <a:spcPts val="1200"/>
+              </a:spcAft>
+              <a:buClr>
+                <a:srgbClr val="92D050"/>
+              </a:buClr>
+              <a:buFont typeface="Wingdings" panose="05000000000000000000" pitchFamily="2" charset="2"/>
+              <a:buChar char="Ø"/>
+            </a:pPr>
+            <a:r>
+              <a:rPr lang="zh-CN" altLang="en-US" sz="2800" b="1">
+                <a:solidFill>
+                  <a:schemeClr val="tx1"/>
+                </a:solidFill>
+                <a:sym typeface="+mn-ea"/>
+              </a:rPr>
+              <a:t>字符串、数字的解构赋值</a:t>
+            </a:r>
+            <a:endParaRPr lang="zh-CN" altLang="en-US" sz="2800" b="1">
+              <a:solidFill>
+                <a:schemeClr val="tx1"/>
+              </a:solidFill>
+              <a:sym typeface="+mn-ea"/>
+            </a:endParaRPr>
+          </a:p>
+          <a:p>
+            <a:pPr algn="l">
+              <a:lnSpc>
+                <a:spcPct val="150000"/>
+              </a:lnSpc>
+              <a:spcBef>
+                <a:spcPts val="1200"/>
+              </a:spcBef>
+              <a:spcAft>
+                <a:spcPts val="1200"/>
+              </a:spcAft>
+              <a:buClr>
+                <a:srgbClr val="92D050"/>
+              </a:buClr>
+              <a:buFont typeface="Wingdings" panose="05000000000000000000" pitchFamily="2" charset="2"/>
+              <a:buChar char="Ø"/>
+            </a:pPr>
+            <a:r>
+              <a:rPr lang="zh-CN" altLang="en-US" sz="2800" b="1">
+                <a:solidFill>
+                  <a:schemeClr val="accent3"/>
+                </a:solidFill>
+              </a:rPr>
+              <a:t>函数参数的解构赋值</a:t>
+            </a:r>
+            <a:endParaRPr lang="zh-CN" altLang="en-US" sz="2800" b="1">
+              <a:solidFill>
+                <a:schemeClr val="accent3"/>
+              </a:solidFill>
+            </a:endParaRPr>
+          </a:p>
+          <a:p>
+            <a:pPr algn="l">
+              <a:lnSpc>
+                <a:spcPct val="150000"/>
+              </a:lnSpc>
+              <a:spcBef>
+                <a:spcPts val="1200"/>
+              </a:spcBef>
+              <a:spcAft>
+                <a:spcPts val="1200"/>
+              </a:spcAft>
+              <a:buClr>
+                <a:srgbClr val="92D050"/>
+              </a:buClr>
+              <a:buFont typeface="Wingdings" panose="05000000000000000000" pitchFamily="2" charset="2"/>
+              <a:buChar char="Ø"/>
+            </a:pPr>
+            <a:r>
+              <a:rPr lang="zh-CN" altLang="en-US" sz="2800" b="1">
+                <a:sym typeface="+mn-ea"/>
+              </a:rPr>
+              <a:t>解构赋值的常见应用及注意事项</a:t>
+            </a:r>
+            <a:endParaRPr lang="zh-CN" altLang="en-US" sz="2800" b="1"/>
+          </a:p>
+        </p:txBody>
+      </p:sp>
+      <p:sp>
+        <p:nvSpPr>
+          <p:cNvPr id="4" name="内容占位符 3"/>
+          <p:cNvSpPr txBox="1"/>
+          <p:nvPr/>
+        </p:nvSpPr>
+        <p:spPr>
+          <a:xfrm>
+            <a:off x="981657" y="236943"/>
+            <a:ext cx="8191557" cy="490476"/>
+          </a:xfrm>
+          <a:prstGeom prst="rect">
+            <a:avLst/>
+          </a:prstGeom>
+        </p:spPr>
+        <p:txBody>
+          <a:bodyPr/>
+          <a:lstStyle>
+            <a:lvl1pPr marL="167005" indent="-167005" algn="l" defTabSz="0" rtl="0" eaLnBrk="0" fontAlgn="base" hangingPunct="0">
+              <a:spcBef>
+                <a:spcPct val="0"/>
+              </a:spcBef>
+              <a:spcAft>
+                <a:spcPct val="15000"/>
+              </a:spcAft>
+              <a:buClr>
+                <a:schemeClr val="tx2"/>
+              </a:buClr>
+              <a:buFont typeface="Arial" panose="020B0604020202020204" pitchFamily="34" charset="0"/>
+              <a:buChar char="•"/>
+              <a:defRPr kumimoji="1" sz="1600">
+                <a:solidFill>
+                  <a:srgbClr val="006F53"/>
+                </a:solidFill>
+                <a:latin typeface="微软雅黑" panose="020B0503020204020204" pitchFamily="34" charset="-122"/>
+                <a:ea typeface="微软雅黑" panose="020B0503020204020204" pitchFamily="34" charset="-122"/>
+                <a:cs typeface="微软雅黑" panose="020B0503020204020204" pitchFamily="34" charset="-122"/>
+              </a:defRPr>
+            </a:lvl1pPr>
+            <a:lvl2pPr marL="398780" indent="-230505" algn="l" defTabSz="0" rtl="0" eaLnBrk="0" fontAlgn="base" hangingPunct="0">
+              <a:spcBef>
+                <a:spcPct val="0"/>
+              </a:spcBef>
+              <a:spcAft>
+                <a:spcPct val="15000"/>
+              </a:spcAft>
+              <a:buClr>
+                <a:schemeClr val="tx2"/>
+              </a:buClr>
+              <a:buFont typeface="Arial" panose="020B0604020202020204" pitchFamily="34" charset="0"/>
+              <a:buChar char="–"/>
+              <a:defRPr kumimoji="1" sz="2800">
+                <a:solidFill>
+                  <a:schemeClr val="bg2"/>
+                </a:solidFill>
+                <a:latin typeface="微软雅黑" panose="020B0503020204020204" pitchFamily="34" charset="-122"/>
+                <a:ea typeface="微软雅黑" panose="020B0503020204020204" pitchFamily="34" charset="-122"/>
+                <a:cs typeface="微软雅黑" panose="020B0503020204020204" pitchFamily="34" charset="-122"/>
+              </a:defRPr>
+            </a:lvl2pPr>
+            <a:lvl3pPr marL="400050" indent="182880" algn="l" defTabSz="0" rtl="0" eaLnBrk="0" fontAlgn="base" hangingPunct="0">
+              <a:spcBef>
+                <a:spcPct val="0"/>
+              </a:spcBef>
+              <a:spcAft>
+                <a:spcPct val="15000"/>
+              </a:spcAft>
+              <a:buClr>
+                <a:schemeClr val="tx2"/>
+              </a:buClr>
+              <a:buFont typeface="Arial" panose="020B0604020202020204" pitchFamily="34" charset="0"/>
+              <a:buChar char="•"/>
+              <a:defRPr kumimoji="1" sz="1600">
+                <a:solidFill>
+                  <a:schemeClr val="bg2"/>
+                </a:solidFill>
+                <a:latin typeface="微软雅黑" panose="020B0503020204020204" pitchFamily="34" charset="-122"/>
+                <a:ea typeface="微软雅黑" panose="020B0503020204020204" pitchFamily="34" charset="-122"/>
+                <a:cs typeface="微软雅黑" panose="020B0503020204020204" pitchFamily="34" charset="-122"/>
+              </a:defRPr>
+            </a:lvl3pPr>
+            <a:lvl4pPr marL="825500" indent="-241300" algn="l" defTabSz="0" rtl="0" eaLnBrk="0" fontAlgn="base" hangingPunct="0">
+              <a:spcBef>
+                <a:spcPct val="0"/>
+              </a:spcBef>
+              <a:spcAft>
+                <a:spcPct val="15000"/>
+              </a:spcAft>
+              <a:buClr>
+                <a:schemeClr val="tx2"/>
+              </a:buClr>
+              <a:buFont typeface="Arial" panose="020B0604020202020204" pitchFamily="34" charset="0"/>
+              <a:buChar char="–"/>
+              <a:defRPr kumimoji="1" sz="1600">
+                <a:solidFill>
+                  <a:schemeClr val="bg2"/>
+                </a:solidFill>
+                <a:latin typeface="微软雅黑" panose="020B0503020204020204" pitchFamily="34" charset="-122"/>
+                <a:ea typeface="微软雅黑" panose="020B0503020204020204" pitchFamily="34" charset="-122"/>
+                <a:cs typeface="微软雅黑" panose="020B0503020204020204" pitchFamily="34" charset="-122"/>
+              </a:defRPr>
+            </a:lvl4pPr>
+            <a:lvl5pPr marL="2057400" indent="-228600" algn="l" defTabSz="0" rtl="0" eaLnBrk="0" fontAlgn="base" hangingPunct="0">
+              <a:spcBef>
+                <a:spcPct val="0"/>
+              </a:spcBef>
+              <a:spcAft>
+                <a:spcPct val="25000"/>
+              </a:spcAft>
+              <a:buClr>
+                <a:schemeClr val="tx2"/>
+              </a:buClr>
+              <a:buFont typeface="Arial" panose="020B0604020202020204" pitchFamily="34" charset="0"/>
+              <a:buChar char="–"/>
+              <a:defRPr kumimoji="1" sz="2000">
+                <a:solidFill>
+                  <a:schemeClr val="tx1"/>
+                </a:solidFill>
+                <a:latin typeface="+mn-lt"/>
+                <a:ea typeface="微软雅黑" panose="020B0503020204020204" pitchFamily="34" charset="-122"/>
+                <a:cs typeface="微软雅黑" panose="020B0503020204020204" pitchFamily="34" charset="-122"/>
+              </a:defRPr>
+            </a:lvl5pPr>
+            <a:lvl6pPr marL="2514600" indent="-228600" algn="l" defTabSz="0" rtl="0" eaLnBrk="0" fontAlgn="base" hangingPunct="0">
+              <a:spcBef>
+                <a:spcPct val="0"/>
+              </a:spcBef>
+              <a:spcAft>
+                <a:spcPct val="25000"/>
+              </a:spcAft>
+              <a:buClr>
+                <a:schemeClr val="tx2"/>
+              </a:buClr>
+              <a:buFont typeface="Arial" panose="020B0604020202020204" pitchFamily="34" charset="0"/>
+              <a:buChar char="–"/>
+              <a:defRPr>
+                <a:solidFill>
+                  <a:schemeClr val="tx1"/>
+                </a:solidFill>
+                <a:latin typeface="+mn-lt"/>
+              </a:defRPr>
+            </a:lvl6pPr>
+            <a:lvl7pPr marL="2971800" indent="-228600" algn="l" defTabSz="0" rtl="0" eaLnBrk="0" fontAlgn="base" hangingPunct="0">
+              <a:spcBef>
+                <a:spcPct val="0"/>
+              </a:spcBef>
+              <a:spcAft>
+                <a:spcPct val="25000"/>
+              </a:spcAft>
+              <a:buClr>
+                <a:schemeClr val="tx2"/>
+              </a:buClr>
+              <a:buFont typeface="Arial" panose="020B0604020202020204" pitchFamily="34" charset="0"/>
+              <a:buChar char="–"/>
+              <a:defRPr>
+                <a:solidFill>
+                  <a:schemeClr val="tx1"/>
+                </a:solidFill>
+                <a:latin typeface="+mn-lt"/>
+              </a:defRPr>
+            </a:lvl7pPr>
+            <a:lvl8pPr marL="3429000" indent="-228600" algn="l" defTabSz="0" rtl="0" eaLnBrk="0" fontAlgn="base" hangingPunct="0">
+              <a:spcBef>
+                <a:spcPct val="0"/>
+              </a:spcBef>
+              <a:spcAft>
+                <a:spcPct val="25000"/>
+              </a:spcAft>
+              <a:buClr>
+                <a:schemeClr val="tx2"/>
+              </a:buClr>
+              <a:buFont typeface="Arial" panose="020B0604020202020204" pitchFamily="34" charset="0"/>
+              <a:buChar char="–"/>
+              <a:defRPr>
+                <a:solidFill>
+                  <a:schemeClr val="tx1"/>
+                </a:solidFill>
+                <a:latin typeface="+mn-lt"/>
+              </a:defRPr>
+            </a:lvl8pPr>
+            <a:lvl9pPr marL="3886200" indent="-228600" algn="l" defTabSz="0" rtl="0" eaLnBrk="0" fontAlgn="base" hangingPunct="0">
+              <a:spcBef>
+                <a:spcPct val="0"/>
+              </a:spcBef>
+              <a:spcAft>
+                <a:spcPct val="25000"/>
+              </a:spcAft>
+              <a:buClr>
+                <a:schemeClr val="tx2"/>
+              </a:buClr>
+              <a:buFont typeface="Arial" panose="020B0604020202020204" pitchFamily="34" charset="0"/>
+              <a:buChar char="–"/>
+              <a:defRPr>
+                <a:solidFill>
+                  <a:schemeClr val="tx1"/>
+                </a:solidFill>
+                <a:latin typeface="+mn-lt"/>
+              </a:defRPr>
+            </a:lvl9pPr>
+          </a:lstStyle>
+          <a:p>
+            <a:pPr marL="0" lvl="0" indent="0" defTabSz="914400">
+              <a:spcAft>
+                <a:spcPct val="0"/>
+              </a:spcAft>
+              <a:buClrTx/>
+              <a:buNone/>
+            </a:pPr>
+            <a:r>
+              <a:rPr kumimoji="0" lang="zh-CN" altLang="en-US" sz="3200" dirty="0" smtClean="0">
+                <a:solidFill>
+                  <a:srgbClr val="C00000"/>
+                </a:solidFill>
+                <a:cs typeface="+mn-cs"/>
+                <a:sym typeface="+mn-ea"/>
+              </a:rPr>
+              <a:t>内容提纲</a:t>
+            </a:r>
+            <a:endParaRPr kumimoji="0" lang="zh-CN" altLang="en-US" sz="3200" dirty="0" smtClean="0">
+              <a:solidFill>
+                <a:srgbClr val="C00000"/>
+              </a:solidFill>
+              <a:cs typeface="+mn-cs"/>
+              <a:sym typeface="+mn-ea"/>
+            </a:endParaRPr>
+          </a:p>
+          <a:p>
+            <a:pPr marL="0" lvl="0" indent="0" defTabSz="914400">
+              <a:spcAft>
+                <a:spcPct val="0"/>
+              </a:spcAft>
+              <a:buClrTx/>
+              <a:buNone/>
+            </a:pPr>
+            <a:endParaRPr kumimoji="0" lang="en-US" altLang="zh-CN" sz="3200" dirty="0" smtClean="0">
+              <a:solidFill>
+                <a:srgbClr val="C00000"/>
+              </a:solidFill>
+              <a:cs typeface="+mn-cs"/>
+            </a:endParaRPr>
+          </a:p>
+          <a:p>
+            <a:endParaRPr lang="zh-CN" altLang="en-US" kern="0" dirty="0" smtClean="0"/>
+          </a:p>
+          <a:p>
+            <a:endParaRPr lang="zh-CN" altLang="en-US" kern="0" dirty="0"/>
+          </a:p>
+        </p:txBody>
+      </p:sp>
+    </p:spTree>
+  </p:cSld>
+  <p:clrMapOvr>
+    <a:masterClrMapping/>
+  </p:clrMapOvr>
+  <p:timing>
+    <p:tnLst>
+      <p:par>
+        <p:cTn id="1" dur="indefinite" restart="never" nodeType="tmRoot"/>
+      </p:par>
+    </p:tnLst>
+  </p:timing>
+</p:sld>
+</file>
+
+<file path=ppt/slides/slide8.xml><?xml version="1.0" encoding="utf-8"?>
+<p:sld xmlns:a="http://schemas.openxmlformats.org/drawingml/2006/main" xmlns:r="http://schemas.openxmlformats.org/officeDocument/2006/relationships" xmlns:p="http://schemas.openxmlformats.org/presentationml/2006/main">
+  <p:cSld>
+    <p:spTree>
+      <p:nvGrpSpPr>
+        <p:cNvPr id="1" name=""/>
+        <p:cNvGrpSpPr/>
+        <p:nvPr/>
+      </p:nvGrpSpPr>
+      <p:grpSpPr>
+        <a:xfrm>
+          <a:off x="0" y="0"/>
+          <a:ext cx="0" cy="0"/>
+          <a:chOff x="0" y="0"/>
+          <a:chExt cx="0" cy="0"/>
+        </a:xfrm>
+      </p:grpSpPr>
+      <p:sp>
+        <p:nvSpPr>
+          <p:cNvPr id="11266" name="内容占位符 1"/>
+          <p:cNvSpPr>
+            <a:spLocks noGrp="1"/>
+          </p:cNvSpPr>
+          <p:nvPr>
+            <p:ph sz="quarter" idx="10"/>
+          </p:nvPr>
+        </p:nvSpPr>
+        <p:spPr bwMode="auto">
+          <a:xfrm>
+            <a:off x="947420" y="796925"/>
+            <a:ext cx="10697210" cy="5115560"/>
+          </a:xfrm>
+          <a:noFill/>
+          <a:extLst>
+            <a:ext uri="{909E8E84-426E-40DD-AFC4-6F175D3DCCD1}">
+              <a14:hiddenFill xmlns:a14="http://schemas.microsoft.com/office/drawing/2010/main">
+                <a:solidFill>
+                  <a:srgbClr val="FFFFFF"/>
+                </a:solidFill>
+              </a14:hiddenFill>
+            </a:ext>
+            <a:ext uri="{91240B29-F687-4F45-9708-019B960494DF}">
+              <a14:hiddenLine xmlns:a14="http://schemas.microsoft.com/office/drawing/2010/main" w="9525">
+                <a:solidFill>
+                  <a:srgbClr val="000000"/>
+                </a:solidFill>
+                <a:miter lim="800000"/>
+                <a:headEnd/>
+                <a:tailEnd/>
+              </a14:hiddenLine>
+            </a:ext>
+          </a:extLst>
+        </p:spPr>
+        <p:txBody>
+          <a:bodyPr vert="horz" wrap="square" lIns="91440" tIns="45720" rIns="91440" bIns="45720" numCol="1" anchor="t" anchorCtr="0" compatLnSpc="1"/>
+          <a:lstStyle/>
+          <a:p>
+            <a:pPr>
+              <a:lnSpc>
+                <a:spcPct val="130000"/>
+              </a:lnSpc>
+            </a:pPr>
+            <a:r>
+              <a:rPr kumimoji="0" lang="zh-CN" sz="3200" dirty="0" smtClean="0">
+                <a:solidFill>
+                  <a:schemeClr val="tx1"/>
+                </a:solidFill>
+                <a:sym typeface="+mn-ea"/>
+              </a:rPr>
+              <a:t>参数的解构赋值 案例一</a:t>
+            </a:r>
+            <a:endParaRPr kumimoji="0" lang="zh-CN" sz="3200" dirty="0" smtClean="0">
+              <a:solidFill>
+                <a:schemeClr val="tx1"/>
+              </a:solidFill>
+              <a:sym typeface="+mn-ea"/>
+            </a:endParaRPr>
+          </a:p>
+          <a:p>
+            <a:pPr>
+              <a:lnSpc>
+                <a:spcPct val="130000"/>
+              </a:lnSpc>
+            </a:pPr>
+            <a:endParaRPr kumimoji="0" lang="zh-CN" dirty="0" smtClean="0">
+              <a:solidFill>
+                <a:schemeClr val="tx1"/>
+              </a:solidFill>
+              <a:sym typeface="+mn-ea"/>
+            </a:endParaRPr>
+          </a:p>
+          <a:p>
+            <a:pPr>
+              <a:lnSpc>
+                <a:spcPct val="130000"/>
+              </a:lnSpc>
+            </a:pPr>
+            <a:endParaRPr kumimoji="0" lang="zh-CN" dirty="0" smtClean="0">
+              <a:solidFill>
+                <a:schemeClr val="tx1"/>
+              </a:solidFill>
+              <a:sym typeface="+mn-ea"/>
+            </a:endParaRPr>
+          </a:p>
+          <a:p>
+            <a:pPr>
+              <a:lnSpc>
+                <a:spcPct val="130000"/>
+              </a:lnSpc>
+            </a:pPr>
+            <a:endParaRPr kumimoji="0" lang="zh-CN" sz="3200" dirty="0" smtClean="0">
+              <a:solidFill>
+                <a:schemeClr val="tx1"/>
+              </a:solidFill>
+              <a:sym typeface="+mn-ea"/>
+            </a:endParaRPr>
+          </a:p>
+          <a:p>
+            <a:pPr>
+              <a:lnSpc>
+                <a:spcPct val="130000"/>
+              </a:lnSpc>
+            </a:pPr>
+            <a:r>
+              <a:rPr kumimoji="0" lang="zh-CN" sz="3200" dirty="0" smtClean="0">
+                <a:solidFill>
+                  <a:schemeClr val="tx1"/>
+                </a:solidFill>
+                <a:sym typeface="+mn-ea"/>
+              </a:rPr>
+              <a:t>参数的解构赋值 案例二</a:t>
+            </a:r>
+            <a:endParaRPr kumimoji="0" lang="zh-CN" sz="3200" dirty="0" smtClean="0">
+              <a:solidFill>
+                <a:schemeClr val="tx1"/>
+              </a:solidFill>
+              <a:sym typeface="+mn-ea"/>
+            </a:endParaRPr>
+          </a:p>
+          <a:p>
+            <a:pPr marL="0" indent="0">
+              <a:lnSpc>
+                <a:spcPct val="130000"/>
+              </a:lnSpc>
+              <a:buNone/>
+            </a:pPr>
+            <a:endParaRPr kumimoji="0" sz="3200" dirty="0" smtClean="0">
+              <a:solidFill>
+                <a:schemeClr val="tx1"/>
+              </a:solidFill>
+              <a:sym typeface="+mn-ea"/>
+            </a:endParaRPr>
+          </a:p>
+          <a:p>
+            <a:pPr marL="0" indent="0">
+              <a:lnSpc>
+                <a:spcPct val="130000"/>
+              </a:lnSpc>
+              <a:buNone/>
+            </a:pPr>
+            <a:endParaRPr kumimoji="0" lang="zh-CN" altLang="en-US" sz="3200" dirty="0" smtClean="0">
+              <a:solidFill>
+                <a:schemeClr val="tx1"/>
+              </a:solidFill>
+              <a:sym typeface="+mn-ea"/>
+            </a:endParaRPr>
+          </a:p>
+          <a:p>
+            <a:pPr>
+              <a:lnSpc>
+                <a:spcPct val="130000"/>
+              </a:lnSpc>
+            </a:pPr>
+            <a:endParaRPr kumimoji="0" lang="zh-CN" altLang="en-US" sz="3200" dirty="0" smtClean="0">
+              <a:solidFill>
+                <a:schemeClr val="tx1"/>
+              </a:solidFill>
+              <a:sym typeface="+mn-ea"/>
+            </a:endParaRPr>
+          </a:p>
+          <a:p>
+            <a:pPr>
+              <a:lnSpc>
+                <a:spcPct val="130000"/>
+              </a:lnSpc>
+            </a:pPr>
+            <a:endParaRPr kumimoji="0" lang="zh-CN" altLang="en-US" sz="3200" dirty="0" smtClean="0">
+              <a:solidFill>
+                <a:schemeClr val="tx1"/>
+              </a:solidFill>
+            </a:endParaRPr>
+          </a:p>
+          <a:p>
+            <a:pPr eaLnBrk="1" hangingPunct="1">
+              <a:lnSpc>
+                <a:spcPct val="150000"/>
+              </a:lnSpc>
+            </a:pPr>
+            <a:endParaRPr kumimoji="0" lang="en-US" altLang="zh-CN" sz="3600" dirty="0" smtClean="0">
+              <a:solidFill>
+                <a:schemeClr val="tx1"/>
+              </a:solidFill>
+            </a:endParaRPr>
+          </a:p>
+          <a:p>
+            <a:pPr eaLnBrk="1" hangingPunct="1">
+              <a:lnSpc>
+                <a:spcPct val="150000"/>
+              </a:lnSpc>
+            </a:pPr>
+            <a:endParaRPr kumimoji="0" lang="zh-CN" altLang="en-US" dirty="0" smtClean="0">
+              <a:solidFill>
+                <a:schemeClr val="tx1"/>
+              </a:solidFill>
+            </a:endParaRPr>
+          </a:p>
+        </p:txBody>
+      </p:sp>
+      <p:sp>
+        <p:nvSpPr>
+          <p:cNvPr id="2" name="内容占位符 1"/>
+          <p:cNvSpPr>
+            <a:spLocks noGrp="1"/>
+          </p:cNvSpPr>
+          <p:nvPr>
+            <p:ph sz="quarter" idx="11"/>
+          </p:nvPr>
+        </p:nvSpPr>
+        <p:spPr>
+          <a:xfrm>
+            <a:off x="947420" y="308610"/>
+            <a:ext cx="10057130" cy="490220"/>
+          </a:xfrm>
+        </p:spPr>
+        <p:txBody>
+          <a:bodyPr/>
+          <a:lstStyle/>
+          <a:p>
+            <a:r>
+              <a:rPr kumimoji="0" lang="zh-CN" dirty="0"/>
+              <a:t>函数参数的解构赋值</a:t>
+            </a:r>
+            <a:endParaRPr kumimoji="0" lang="zh-CN" dirty="0"/>
+          </a:p>
+        </p:txBody>
+      </p:sp>
+      <p:pic>
+        <p:nvPicPr>
+          <p:cNvPr id="3" name="图片 2"/>
+          <p:cNvPicPr>
+            <a:picLocks noChangeAspect="1"/>
+          </p:cNvPicPr>
+          <p:nvPr/>
+        </p:nvPicPr>
+        <p:blipFill>
+          <a:blip r:embed="rId1"/>
+          <a:stretch>
+            <a:fillRect/>
+          </a:stretch>
+        </p:blipFill>
+        <p:spPr>
+          <a:xfrm>
+            <a:off x="1222375" y="1522730"/>
+            <a:ext cx="6330315" cy="2181860"/>
+          </a:xfrm>
+          <a:prstGeom prst="rect">
+            <a:avLst/>
+          </a:prstGeom>
+        </p:spPr>
+      </p:pic>
+      <p:pic>
+        <p:nvPicPr>
+          <p:cNvPr id="4" name="图片 3"/>
+          <p:cNvPicPr>
+            <a:picLocks noChangeAspect="1"/>
+          </p:cNvPicPr>
+          <p:nvPr/>
+        </p:nvPicPr>
+        <p:blipFill>
+          <a:blip r:embed="rId2"/>
+          <a:stretch>
+            <a:fillRect/>
+          </a:stretch>
+        </p:blipFill>
+        <p:spPr>
+          <a:xfrm>
+            <a:off x="1222375" y="4299585"/>
+            <a:ext cx="7586980" cy="2225675"/>
+          </a:xfrm>
+          <a:prstGeom prst="rect">
+            <a:avLst/>
+          </a:prstGeom>
+        </p:spPr>
+      </p:pic>
+      <p:sp>
+        <p:nvSpPr>
+          <p:cNvPr id="6" name="文本框 5"/>
+          <p:cNvSpPr txBox="1"/>
+          <p:nvPr/>
+        </p:nvSpPr>
+        <p:spPr>
+          <a:xfrm>
+            <a:off x="6906260" y="6239510"/>
+            <a:ext cx="4738370" cy="429895"/>
+          </a:xfrm>
+          <a:prstGeom prst="rect">
+            <a:avLst/>
+          </a:prstGeom>
+          <a:noFill/>
+        </p:spPr>
+        <p:txBody>
+          <a:bodyPr wrap="square" rtlCol="0">
+            <a:spAutoFit/>
+          </a:bodyPr>
+          <a:lstStyle/>
+          <a:p>
+            <a:pPr algn="l"/>
+            <a:r>
+              <a:rPr lang="zh-CN" altLang="en-US" sz="2200">
+                <a:solidFill>
+                  <a:schemeClr val="accent3"/>
+                </a:solidFill>
+                <a:latin typeface="+mn-ea"/>
+                <a:ea typeface="+mn-ea"/>
+              </a:rPr>
+              <a:t>参见实例</a:t>
+            </a:r>
+            <a:r>
+              <a:rPr lang="en-US" altLang="zh-CN" sz="2200">
+                <a:solidFill>
+                  <a:schemeClr val="accent3"/>
+                </a:solidFill>
+                <a:latin typeface="+mn-ea"/>
+                <a:ea typeface="+mn-ea"/>
+              </a:rPr>
+              <a:t>demo12 </a:t>
+            </a:r>
+            <a:r>
+              <a:rPr lang="zh-CN" altLang="en-US" sz="2200">
+                <a:solidFill>
+                  <a:schemeClr val="accent3"/>
+                </a:solidFill>
+                <a:latin typeface="+mn-ea"/>
+                <a:ea typeface="+mn-ea"/>
+              </a:rPr>
+              <a:t>函数参数解构赋值</a:t>
+            </a:r>
+            <a:r>
+              <a:rPr lang="en-US" altLang="zh-CN" sz="2200">
+                <a:solidFill>
+                  <a:schemeClr val="accent3"/>
+                </a:solidFill>
+                <a:latin typeface="+mn-ea"/>
+                <a:ea typeface="+mn-ea"/>
+              </a:rPr>
+              <a:t> </a:t>
+            </a:r>
+            <a:endParaRPr lang="zh-CN" sz="2200" dirty="0" smtClean="0">
+              <a:solidFill>
+                <a:schemeClr val="accent3"/>
+              </a:solidFill>
+              <a:latin typeface="+mn-ea"/>
+              <a:ea typeface="+mn-ea"/>
+              <a:sym typeface="+mn-ea"/>
+            </a:endParaRPr>
+          </a:p>
+        </p:txBody>
+      </p:sp>
+    </p:spTree>
+  </p:cSld>
+  <p:clrMapOvr>
+    <a:masterClrMapping/>
+  </p:clrMapOvr>
+  <p:timing>
+    <p:tnLst>
+      <p:par>
+        <p:cTn id="1" dur="indefinite" restart="never" nodeType="tmRoot">
+          <p:childTnLst>
+            <p:seq concurrent="1" nextAc="seek">
+              <p:cTn id="2" dur="indefinite" nodeType="mainSeq">
+                <p:childTnLst>
+                  <p:par>
+                    <p:cTn id="3" fill="hold">
+                      <p:stCondLst>
+                        <p:cond delay="indefinite"/>
+                      </p:stCondLst>
+                      <p:childTnLst>
+                        <p:par>
+                          <p:cTn id="4" fill="hold">
+                            <p:stCondLst>
+                              <p:cond delay="0"/>
+                            </p:stCondLst>
+                            <p:childTnLst>
+                              <p:par>
+                                <p:cTn id="5" presetID="2" presetClass="entr" presetSubtype="4" fill="hold" nodeType="clickEffect">
+                                  <p:stCondLst>
+                                    <p:cond delay="0"/>
+                                  </p:stCondLst>
+                                  <p:childTnLst>
+                                    <p:set>
+                                      <p:cBhvr>
+                                        <p:cTn id="6" dur="1" fill="hold">
+                                          <p:stCondLst>
+                                            <p:cond delay="0"/>
+                                          </p:stCondLst>
+                                        </p:cTn>
+                                        <p:tgtEl>
+                                          <p:spTgt spid="11266">
+                                            <p:txEl>
+                                              <p:pRg st="0" end="0"/>
+                                            </p:txEl>
+                                          </p:spTgt>
+                                        </p:tgtEl>
+                                        <p:attrNameLst>
+                                          <p:attrName>style.visibility</p:attrName>
+                                        </p:attrNameLst>
+                                      </p:cBhvr>
+                                      <p:to>
+                                        <p:strVal val="visible"/>
+                                      </p:to>
+                                    </p:set>
+                                    <p:anim calcmode="lin" valueType="num">
+                                      <p:cBhvr additive="base">
+                                        <p:cTn id="7" dur="500" fill="hold"/>
+                                        <p:tgtEl>
+                                          <p:spTgt spid="11266">
+                                            <p:txEl>
+                                              <p:pRg st="0" end="0"/>
+                                            </p:txEl>
+                                          </p:spTgt>
+                                        </p:tgtEl>
+                                        <p:attrNameLst>
+                                          <p:attrName>ppt_x</p:attrName>
+                                        </p:attrNameLst>
+                                      </p:cBhvr>
+                                      <p:tavLst>
+                                        <p:tav tm="0">
+                                          <p:val>
+                                            <p:strVal val="#ppt_x"/>
+                                          </p:val>
+                                        </p:tav>
+                                        <p:tav tm="100000">
+                                          <p:val>
+                                            <p:strVal val="#ppt_x"/>
+                                          </p:val>
+                                        </p:tav>
+                                      </p:tavLst>
+                                    </p:anim>
+                                    <p:anim calcmode="lin" valueType="num">
+                                      <p:cBhvr additive="base">
+                                        <p:cTn id="8" dur="500" fill="hold"/>
+                                        <p:tgtEl>
+                                          <p:spTgt spid="11266">
+                                            <p:txEl>
+                                              <p:pRg st="0" end="0"/>
+                                            </p:txEl>
+                                          </p:spTgt>
+                                        </p:tgtEl>
+                                        <p:attrNameLst>
+                                          <p:attrName>ppt_y</p:attrName>
+                                        </p:attrNameLst>
+                                      </p:cBhvr>
+                                      <p:tavLst>
+                                        <p:tav tm="0">
+                                          <p:val>
+                                            <p:strVal val="1+#ppt_h/2"/>
+                                          </p:val>
+                                        </p:tav>
+                                        <p:tav tm="100000">
+                                          <p:val>
+                                            <p:strVal val="#ppt_y"/>
+                                          </p:val>
+                                        </p:tav>
+                                      </p:tavLst>
+                                    </p:anim>
+                                  </p:childTnLst>
+                                </p:cTn>
+                              </p:par>
+                            </p:childTnLst>
+                          </p:cTn>
+                        </p:par>
+                        <p:par>
+                          <p:cTn id="9" fill="hold">
+                            <p:stCondLst>
+                              <p:cond delay="500"/>
+                            </p:stCondLst>
+                            <p:childTnLst>
+                              <p:par>
+                                <p:cTn id="10" presetID="2" presetClass="entr" presetSubtype="4" fill="hold" nodeType="afterEffect">
+                                  <p:stCondLst>
+                                    <p:cond delay="0"/>
+                                  </p:stCondLst>
+                                  <p:childTnLst>
+                                    <p:set>
+                                      <p:cBhvr>
+                                        <p:cTn id="11" dur="1" fill="hold">
+                                          <p:stCondLst>
+                                            <p:cond delay="0"/>
+                                          </p:stCondLst>
+                                        </p:cTn>
+                                        <p:tgtEl>
+                                          <p:spTgt spid="3"/>
+                                        </p:tgtEl>
+                                        <p:attrNameLst>
+                                          <p:attrName>style.visibility</p:attrName>
+                                        </p:attrNameLst>
+                                      </p:cBhvr>
+                                      <p:to>
+                                        <p:strVal val="visible"/>
+                                      </p:to>
+                                    </p:set>
+                                    <p:anim calcmode="lin" valueType="num">
+                                      <p:cBhvr additive="base">
+                                        <p:cTn id="12" dur="500" fill="hold"/>
+                                        <p:tgtEl>
+                                          <p:spTgt spid="3"/>
+                                        </p:tgtEl>
+                                        <p:attrNameLst>
+                                          <p:attrName>ppt_x</p:attrName>
+                                        </p:attrNameLst>
+                                      </p:cBhvr>
+                                      <p:tavLst>
+                                        <p:tav tm="0">
+                                          <p:val>
+                                            <p:strVal val="#ppt_x"/>
+                                          </p:val>
+                                        </p:tav>
+                                        <p:tav tm="100000">
+                                          <p:val>
+                                            <p:strVal val="#ppt_x"/>
+                                          </p:val>
+                                        </p:tav>
+                                      </p:tavLst>
+                                    </p:anim>
+                                    <p:anim calcmode="lin" valueType="num">
+                                      <p:cBhvr additive="base">
+                                        <p:cTn id="13" dur="500" fill="hold"/>
+                                        <p:tgtEl>
+                                          <p:spTgt spid="3"/>
+                                        </p:tgtEl>
+                                        <p:attrNameLst>
+                                          <p:attrName>ppt_y</p:attrName>
+                                        </p:attrNameLst>
+                                      </p:cBhvr>
+                                      <p:tavLst>
+                                        <p:tav tm="0">
+                                          <p:val>
+                                            <p:strVal val="1+#ppt_h/2"/>
+                                          </p:val>
+                                        </p:tav>
+                                        <p:tav tm="100000">
+                                          <p:val>
+                                            <p:strVal val="#ppt_y"/>
+                                          </p:val>
+                                        </p:tav>
+                                      </p:tavLst>
+                                    </p:anim>
+                                  </p:childTnLst>
+                                </p:cTn>
+                              </p:par>
+                            </p:childTnLst>
+                          </p:cTn>
+                        </p:par>
+                      </p:childTnLst>
+                    </p:cTn>
+                  </p:par>
+                  <p:par>
+                    <p:cTn id="14" fill="hold">
+                      <p:stCondLst>
+                        <p:cond delay="indefinite"/>
+                      </p:stCondLst>
+                      <p:childTnLst>
+                        <p:par>
+                          <p:cTn id="15" fill="hold">
+                            <p:stCondLst>
+                              <p:cond delay="0"/>
+                            </p:stCondLst>
+                            <p:childTnLst>
+                              <p:par>
+                                <p:cTn id="16" presetID="2" presetClass="entr" presetSubtype="4" fill="hold" nodeType="clickEffect">
+                                  <p:stCondLst>
+                                    <p:cond delay="0"/>
+                                  </p:stCondLst>
+                                  <p:childTnLst>
+                                    <p:set>
+                                      <p:cBhvr>
+                                        <p:cTn id="17" dur="1" fill="hold">
+                                          <p:stCondLst>
+                                            <p:cond delay="0"/>
+                                          </p:stCondLst>
+                                        </p:cTn>
+                                        <p:tgtEl>
+                                          <p:spTgt spid="11266">
+                                            <p:txEl>
+                                              <p:pRg st="4" end="4"/>
+                                            </p:txEl>
+                                          </p:spTgt>
+                                        </p:tgtEl>
+                                        <p:attrNameLst>
+                                          <p:attrName>style.visibility</p:attrName>
+                                        </p:attrNameLst>
+                                      </p:cBhvr>
+                                      <p:to>
+                                        <p:strVal val="visible"/>
+                                      </p:to>
+                                    </p:set>
+                                    <p:anim calcmode="lin" valueType="num">
+                                      <p:cBhvr additive="base">
+                                        <p:cTn id="18" dur="500" fill="hold"/>
+                                        <p:tgtEl>
+                                          <p:spTgt spid="11266">
+                                            <p:txEl>
+                                              <p:pRg st="4" end="4"/>
+                                            </p:txEl>
+                                          </p:spTgt>
+                                        </p:tgtEl>
+                                        <p:attrNameLst>
+                                          <p:attrName>ppt_x</p:attrName>
+                                        </p:attrNameLst>
+                                      </p:cBhvr>
+                                      <p:tavLst>
+                                        <p:tav tm="0">
+                                          <p:val>
+                                            <p:strVal val="#ppt_x"/>
+                                          </p:val>
+                                        </p:tav>
+                                        <p:tav tm="100000">
+                                          <p:val>
+                                            <p:strVal val="#ppt_x"/>
+                                          </p:val>
+                                        </p:tav>
+                                      </p:tavLst>
+                                    </p:anim>
+                                    <p:anim calcmode="lin" valueType="num">
+                                      <p:cBhvr additive="base">
+                                        <p:cTn id="19" dur="500" fill="hold"/>
+                                        <p:tgtEl>
+                                          <p:spTgt spid="11266">
+                                            <p:txEl>
+                                              <p:pRg st="4" end="4"/>
+                                            </p:txEl>
+                                          </p:spTgt>
+                                        </p:tgtEl>
+                                        <p:attrNameLst>
+                                          <p:attrName>ppt_y</p:attrName>
+                                        </p:attrNameLst>
+                                      </p:cBhvr>
+                                      <p:tavLst>
+                                        <p:tav tm="0">
+                                          <p:val>
+                                            <p:strVal val="1+#ppt_h/2"/>
+                                          </p:val>
+                                        </p:tav>
+                                        <p:tav tm="100000">
+                                          <p:val>
+                                            <p:strVal val="#ppt_y"/>
+                                          </p:val>
+                                        </p:tav>
+                                      </p:tavLst>
+                                    </p:anim>
+                                  </p:childTnLst>
+                                </p:cTn>
+                              </p:par>
+                            </p:childTnLst>
+                          </p:cTn>
+                        </p:par>
+                        <p:par>
+                          <p:cTn id="20" fill="hold">
+                            <p:stCondLst>
+                              <p:cond delay="500"/>
+                            </p:stCondLst>
+                            <p:childTnLst>
+                              <p:par>
+                                <p:cTn id="21" presetID="2" presetClass="entr" presetSubtype="4" fill="hold" nodeType="afterEffect">
+                                  <p:stCondLst>
+                                    <p:cond delay="0"/>
+                                  </p:stCondLst>
+                                  <p:childTnLst>
+                                    <p:set>
+                                      <p:cBhvr>
+                                        <p:cTn id="22" dur="1" fill="hold">
+                                          <p:stCondLst>
+                                            <p:cond delay="0"/>
+                                          </p:stCondLst>
+                                        </p:cTn>
+                                        <p:tgtEl>
+                                          <p:spTgt spid="4"/>
+                                        </p:tgtEl>
+                                        <p:attrNameLst>
+                                          <p:attrName>style.visibility</p:attrName>
+                                        </p:attrNameLst>
+                                      </p:cBhvr>
+                                      <p:to>
+                                        <p:strVal val="visible"/>
+                                      </p:to>
+                                    </p:set>
+                                    <p:anim calcmode="lin" valueType="num">
+                                      <p:cBhvr additive="base">
+                                        <p:cTn id="23" dur="500" fill="hold"/>
+                                        <p:tgtEl>
+                                          <p:spTgt spid="4"/>
+                                        </p:tgtEl>
+                                        <p:attrNameLst>
+                                          <p:attrName>ppt_x</p:attrName>
+                                        </p:attrNameLst>
+                                      </p:cBhvr>
+                                      <p:tavLst>
+                                        <p:tav tm="0">
+                                          <p:val>
+                                            <p:strVal val="#ppt_x"/>
+                                          </p:val>
+                                        </p:tav>
+                                        <p:tav tm="100000">
+                                          <p:val>
+                                            <p:strVal val="#ppt_x"/>
+                                          </p:val>
+                                        </p:tav>
+                                      </p:tavLst>
+                                    </p:anim>
+                                    <p:anim calcmode="lin" valueType="num">
+                                      <p:cBhvr additive="base">
+                                        <p:cTn id="24" dur="500" fill="hold"/>
+                                        <p:tgtEl>
+                                          <p:spTgt spid="4"/>
+                                        </p:tgtEl>
+                                        <p:attrNameLst>
+                                          <p:attrName>ppt_y</p:attrName>
+                                        </p:attrNameLst>
+                                      </p:cBhvr>
+                                      <p:tavLst>
+                                        <p:tav tm="0">
+                                          <p:val>
+                                            <p:strVal val="1+#ppt_h/2"/>
+                                          </p:val>
+                                        </p:tav>
+                                        <p:tav tm="100000">
+                                          <p:val>
+                                            <p:strVal val="#ppt_y"/>
+                                          </p:val>
+                                        </p:tav>
+                                      </p:tavLst>
+                                    </p:anim>
+                                  </p:childTnLst>
+                                </p:cTn>
+                              </p:par>
+                            </p:childTnLst>
+                          </p:cTn>
+                        </p:par>
+                        <p:par>
+                          <p:cTn id="25" fill="hold">
+                            <p:stCondLst>
+                              <p:cond delay="1000"/>
+                            </p:stCondLst>
+                            <p:childTnLst>
+                              <p:par>
+                                <p:cTn id="26" presetID="2" presetClass="entr" presetSubtype="4" fill="hold" grpId="0" nodeType="afterEffect">
+                                  <p:stCondLst>
+                                    <p:cond delay="0"/>
+                                  </p:stCondLst>
+                                  <p:childTnLst>
+                                    <p:set>
+                                      <p:cBhvr>
+                                        <p:cTn id="27" dur="1" fill="hold">
+                                          <p:stCondLst>
+                                            <p:cond delay="0"/>
+                                          </p:stCondLst>
+                                        </p:cTn>
+                                        <p:tgtEl>
+                                          <p:spTgt spid="6"/>
+                                        </p:tgtEl>
+                                        <p:attrNameLst>
+                                          <p:attrName>style.visibility</p:attrName>
+                                        </p:attrNameLst>
+                                      </p:cBhvr>
+                                      <p:to>
+                                        <p:strVal val="visible"/>
+                                      </p:to>
+                                    </p:set>
+                                    <p:anim calcmode="lin" valueType="num">
+                                      <p:cBhvr additive="base">
+                                        <p:cTn id="28" dur="500" fill="hold"/>
+                                        <p:tgtEl>
+                                          <p:spTgt spid="6"/>
+                                        </p:tgtEl>
+                                        <p:attrNameLst>
+                                          <p:attrName>ppt_x</p:attrName>
+                                        </p:attrNameLst>
+                                      </p:cBhvr>
+                                      <p:tavLst>
+                                        <p:tav tm="0">
+                                          <p:val>
+                                            <p:strVal val="#ppt_x"/>
+                                          </p:val>
+                                        </p:tav>
+                                        <p:tav tm="100000">
+                                          <p:val>
+                                            <p:strVal val="#ppt_x"/>
+                                          </p:val>
+                                        </p:tav>
+                                      </p:tavLst>
+                                    </p:anim>
+                                    <p:anim calcmode="lin" valueType="num">
+                                      <p:cBhvr additive="base">
+                                        <p:cTn id="29" dur="500" fill="hold"/>
+                                        <p:tgtEl>
+                                          <p:spTgt spid="6"/>
+                                        </p:tgtEl>
+                                        <p:attrNameLst>
+                                          <p:attrName>ppt_y</p:attrName>
+                                        </p:attrNameLst>
+                                      </p:cBhvr>
+                                      <p:tavLst>
+                                        <p:tav tm="0">
+                                          <p:val>
+                                            <p:strVal val="1+#ppt_h/2"/>
+                                          </p:val>
+                                        </p:tav>
+                                        <p:tav tm="100000">
+                                          <p:val>
+                                            <p:strVal val="#ppt_y"/>
+                                          </p:val>
+                                        </p:tav>
+                                      </p:tavLst>
+                                    </p:anim>
+                                  </p:childTnLst>
+                                </p:cTn>
+                              </p:par>
+                            </p:childTnLst>
+                          </p:cTn>
+                        </p:par>
+                      </p:childTnLst>
+                    </p:cTn>
+                  </p:par>
+                </p:childTnLst>
+              </p:cTn>
+              <p:prevCondLst>
+                <p:cond evt="onPrev" delay="0">
+                  <p:tgtEl>
+                    <p:sldTgt/>
+                  </p:tgtEl>
+                </p:cond>
+              </p:prevCondLst>
+              <p:nextCondLst>
+                <p:cond evt="onNext" delay="0">
+                  <p:tgtEl>
+                    <p:sldTgt/>
+                  </p:tgtEl>
+                </p:cond>
+              </p:nextCondLst>
+            </p:seq>
+          </p:childTnLst>
+        </p:cTn>
+      </p:par>
+    </p:tnLst>
+    <p:bldLst>
+      <p:bldP spid="6" grpId="0"/>
+    </p:bldLst>
+  </p:timing>
+</p:sld>
+</file>
+
 <file path=ppt/slides/slide9.xml><?xml version="1.0" encoding="utf-8"?>
 <p:sld xmlns:a="http://schemas.openxmlformats.org/drawingml/2006/main" xmlns:r="http://schemas.openxmlformats.org/officeDocument/2006/relationships" xmlns:p="http://schemas.openxmlformats.org/presentationml/2006/main">
   <p:cSld>
@@ -13120,6 +11781,11 @@
               </a:rPr>
               <a:t>数组、对象的解构赋值</a:t>
             </a:r>
+            <a:endParaRPr lang="zh-CN" altLang="en-US" sz="2800" b="1">
+              <a:solidFill>
+                <a:schemeClr val="tx1"/>
+              </a:solidFill>
+            </a:endParaRPr>
           </a:p>
           <a:p>
             <a:pPr algn="l">
@@ -13147,6 +11813,12 @@
               </a:rPr>
               <a:t>字符串、数字的解构赋值</a:t>
             </a:r>
+            <a:endParaRPr lang="zh-CN" altLang="en-US" sz="2800" b="1">
+              <a:solidFill>
+                <a:schemeClr val="tx1"/>
+              </a:solidFill>
+              <a:sym typeface="+mn-ea"/>
+            </a:endParaRPr>
           </a:p>
           <a:p>
             <a:pPr algn="l">
@@ -13168,11 +11840,16 @@
             <a:r>
               <a:rPr lang="zh-CN" altLang="en-US" sz="2800" b="1">
                 <a:solidFill>
-                  <a:schemeClr val="accent3"/>
+                  <a:schemeClr val="tx1"/>
                 </a:solidFill>
               </a:rPr>
               <a:t>函数参数的解构赋值</a:t>
             </a:r>
+            <a:endParaRPr lang="zh-CN" altLang="en-US" sz="2800" b="1">
+              <a:solidFill>
+                <a:schemeClr val="tx1"/>
+              </a:solidFill>
+            </a:endParaRPr>
           </a:p>
           <a:p>
             <a:pPr algn="l">
@@ -13193,11 +11870,19 @@
             </a:pPr>
             <a:r>
               <a:rPr lang="zh-CN" altLang="en-US" sz="2800" b="1">
+                <a:solidFill>
+                  <a:srgbClr val="FF0000"/>
+                </a:solidFill>
                 <a:sym typeface="+mn-ea"/>
               </a:rPr>
               <a:t>解构赋值的常见应用及注意事项</a:t>
             </a:r>
-            <a:endParaRPr lang="zh-CN" altLang="en-US" sz="2800" b="1"/>
+            <a:endParaRPr lang="zh-CN" altLang="en-US" sz="2800" b="1">
+              <a:solidFill>
+                <a:srgbClr val="FF0000"/>
+              </a:solidFill>
+              <a:sym typeface="+mn-ea"/>
+            </a:endParaRPr>
           </a:p>
         </p:txBody>
       </p:sp>
@@ -13419,6 +12104,13 @@
               </a:rPr>
               <a:t>内容提纲</a:t>
             </a:r>
+            <a:endParaRPr kumimoji="0" lang="zh-CN" altLang="en-US" sz="3200" dirty="0" smtClean="0">
+              <a:solidFill>
+                <a:srgbClr val="C00000"/>
+              </a:solidFill>
+              <a:cs typeface="+mn-cs"/>
+              <a:sym typeface="+mn-ea"/>
+            </a:endParaRPr>
           </a:p>
           <a:p>
             <a:pPr marL="0" lvl="0" indent="0" defTabSz="914400">
@@ -13792,10 +12484,9 @@
       </a:lstStyle>
     </a:lnDef>
   </a:objectDefaults>
-  <a:extraClrSchemeLst/>
   <a:extLst>
     <a:ext uri="{05A4C25C-085E-4340-85A3-A5531E510DB2}">
-      <thm15:themeFamily xmlns="" xmlns:thm15="http://schemas.microsoft.com/office/thememl/2012/main" name="Office Theme" id="{62F939B6-93AF-4DB8-9C6B-D6C7DFDC589F}" vid="{4A3C46E8-61CC-4603-A589-7422A47A8E4A}"/>
+      <thm15:themeFamily xmlns:thm15="http://schemas.microsoft.com/office/thememl/2012/main" name="Office Theme" id="{62F939B6-93AF-4DB8-9C6B-D6C7DFDC589F}" vid="{4A3C46E8-61CC-4603-A589-7422A47A8E4A}"/>
     </a:ext>
   </a:extLst>
 </a:theme>
@@ -14079,11 +12770,9 @@
       </a:bgFillStyleLst>
     </a:fmtScheme>
   </a:themeElements>
-  <a:objectDefaults/>
-  <a:extraClrSchemeLst/>
   <a:extLst>
     <a:ext uri="{05A4C25C-085E-4340-85A3-A5531E510DB2}">
-      <thm15:themeFamily xmlns="" xmlns:thm15="http://schemas.microsoft.com/office/thememl/2012/main" name="Office Theme" id="{62F939B6-93AF-4DB8-9C6B-D6C7DFDC589F}" vid="{4A3C46E8-61CC-4603-A589-7422A47A8E4A}"/>
+      <thm15:themeFamily xmlns:thm15="http://schemas.microsoft.com/office/thememl/2012/main" name="Office Theme" id="{62F939B6-93AF-4DB8-9C6B-D6C7DFDC589F}" vid="{4A3C46E8-61CC-4603-A589-7422A47A8E4A}"/>
     </a:ext>
   </a:extLst>
 </a:theme>

--- a/课程PPT/28.ES6中变量的解构赋值.pptx
+++ b/课程PPT/28.ES6中变量的解构赋值.pptx
@@ -4582,7 +4582,7 @@
                 </a:solidFill>
                 <a:sym typeface="+mn-ea"/>
               </a:rPr>
-              <a:t>给函数指定默认参数</a:t>
+              <a:t>通过解构赋值给函数传参并指定默认参数</a:t>
             </a:r>
             <a:endParaRPr kumimoji="0" lang="zh-CN" altLang="en-US" sz="3200" dirty="0" smtClean="0">
               <a:solidFill>
